--- a/docs/diagrams/FeedbackSequenceDiagram.pptx
+++ b/docs/diagrams/FeedbackSequenceDiagram.pptx
@@ -5,7 +5,8 @@
     <p:sldMasterId id="2147483648" r:id="rId1"/>
   </p:sldMasterIdLst>
   <p:sldIdLst>
-    <p:sldId id="257" r:id="rId2"/>
+    <p:sldId id="258" r:id="rId2"/>
+    <p:sldId id="259" r:id="rId3"/>
   </p:sldIdLst>
   <p:sldSz cx="12192000" cy="6858000"/>
   <p:notesSz cx="6858000" cy="9144000"/>
@@ -110,6 +111,14 @@
     </p:ext>
   </p:extLst>
 </p:presentation>
+</file>
+
+<file path=ppt/revisionInfo.xml><?xml version="1.0" encoding="utf-8"?>
+<p1510:revInfo xmlns:a="http://schemas.openxmlformats.org/drawingml/2006/main" xmlns:r="http://schemas.openxmlformats.org/officeDocument/2006/relationships" xmlns:p1510="http://schemas.microsoft.com/office/powerpoint/2015/10/main">
+  <p1510:revLst>
+    <p1510:client id="{B96F312D-4FF1-4896-A809-87F20A7F0E61}" v="117" dt="2018-11-12T09:59:11.433"/>
+  </p1510:revLst>
+</p1510:revInfo>
 </file>
 
 <file path=ppt/slideLayouts/slideLayout1.xml><?xml version="1.0" encoding="utf-8"?>
@@ -261,7 +270,7 @@
           <a:p>
             <a:fld id="{8F6E10F2-02AC-497C-B99D-FA458C142CF1}" type="datetimeFigureOut">
               <a:rPr lang="en-SG" smtClean="0"/>
-              <a:t>11/11/2018</a:t>
+              <a:t>12/11/2018</a:t>
             </a:fld>
             <a:endParaRPr lang="en-SG"/>
           </a:p>
@@ -461,7 +470,7 @@
           <a:p>
             <a:fld id="{8F6E10F2-02AC-497C-B99D-FA458C142CF1}" type="datetimeFigureOut">
               <a:rPr lang="en-SG" smtClean="0"/>
-              <a:t>11/11/2018</a:t>
+              <a:t>12/11/2018</a:t>
             </a:fld>
             <a:endParaRPr lang="en-SG"/>
           </a:p>
@@ -671,7 +680,7 @@
           <a:p>
             <a:fld id="{8F6E10F2-02AC-497C-B99D-FA458C142CF1}" type="datetimeFigureOut">
               <a:rPr lang="en-SG" smtClean="0"/>
-              <a:t>11/11/2018</a:t>
+              <a:t>12/11/2018</a:t>
             </a:fld>
             <a:endParaRPr lang="en-SG"/>
           </a:p>
@@ -871,7 +880,7 @@
           <a:p>
             <a:fld id="{8F6E10F2-02AC-497C-B99D-FA458C142CF1}" type="datetimeFigureOut">
               <a:rPr lang="en-SG" smtClean="0"/>
-              <a:t>11/11/2018</a:t>
+              <a:t>12/11/2018</a:t>
             </a:fld>
             <a:endParaRPr lang="en-SG"/>
           </a:p>
@@ -1147,7 +1156,7 @@
           <a:p>
             <a:fld id="{8F6E10F2-02AC-497C-B99D-FA458C142CF1}" type="datetimeFigureOut">
               <a:rPr lang="en-SG" smtClean="0"/>
-              <a:t>11/11/2018</a:t>
+              <a:t>12/11/2018</a:t>
             </a:fld>
             <a:endParaRPr lang="en-SG"/>
           </a:p>
@@ -1415,7 +1424,7 @@
           <a:p>
             <a:fld id="{8F6E10F2-02AC-497C-B99D-FA458C142CF1}" type="datetimeFigureOut">
               <a:rPr lang="en-SG" smtClean="0"/>
-              <a:t>11/11/2018</a:t>
+              <a:t>12/11/2018</a:t>
             </a:fld>
             <a:endParaRPr lang="en-SG"/>
           </a:p>
@@ -1830,7 +1839,7 @@
           <a:p>
             <a:fld id="{8F6E10F2-02AC-497C-B99D-FA458C142CF1}" type="datetimeFigureOut">
               <a:rPr lang="en-SG" smtClean="0"/>
-              <a:t>11/11/2018</a:t>
+              <a:t>12/11/2018</a:t>
             </a:fld>
             <a:endParaRPr lang="en-SG"/>
           </a:p>
@@ -1972,7 +1981,7 @@
           <a:p>
             <a:fld id="{8F6E10F2-02AC-497C-B99D-FA458C142CF1}" type="datetimeFigureOut">
               <a:rPr lang="en-SG" smtClean="0"/>
-              <a:t>11/11/2018</a:t>
+              <a:t>12/11/2018</a:t>
             </a:fld>
             <a:endParaRPr lang="en-SG"/>
           </a:p>
@@ -2085,7 +2094,7 @@
           <a:p>
             <a:fld id="{8F6E10F2-02AC-497C-B99D-FA458C142CF1}" type="datetimeFigureOut">
               <a:rPr lang="en-SG" smtClean="0"/>
-              <a:t>11/11/2018</a:t>
+              <a:t>12/11/2018</a:t>
             </a:fld>
             <a:endParaRPr lang="en-SG"/>
           </a:p>
@@ -2398,7 +2407,7 @@
           <a:p>
             <a:fld id="{8F6E10F2-02AC-497C-B99D-FA458C142CF1}" type="datetimeFigureOut">
               <a:rPr lang="en-SG" smtClean="0"/>
-              <a:t>11/11/2018</a:t>
+              <a:t>12/11/2018</a:t>
             </a:fld>
             <a:endParaRPr lang="en-SG"/>
           </a:p>
@@ -2687,7 +2696,7 @@
           <a:p>
             <a:fld id="{8F6E10F2-02AC-497C-B99D-FA458C142CF1}" type="datetimeFigureOut">
               <a:rPr lang="en-SG" smtClean="0"/>
-              <a:t>11/11/2018</a:t>
+              <a:t>12/11/2018</a:t>
             </a:fld>
             <a:endParaRPr lang="en-SG"/>
           </a:p>
@@ -2930,7 +2939,7 @@
           <a:p>
             <a:fld id="{8F6E10F2-02AC-497C-B99D-FA458C142CF1}" type="datetimeFigureOut">
               <a:rPr lang="en-SG" smtClean="0"/>
-              <a:t>11/11/2018</a:t>
+              <a:t>12/11/2018</a:t>
             </a:fld>
             <a:endParaRPr lang="en-SG"/>
           </a:p>
@@ -3349,10 +3358,10 @@
       </p:grpSpPr>
       <p:grpSp>
         <p:nvGrpSpPr>
-          <p:cNvPr id="134" name="Group 133">
+          <p:cNvPr id="63" name="Group 62">
             <a:extLst>
               <a:ext uri="{FF2B5EF4-FFF2-40B4-BE49-F238E27FC236}">
-                <a16:creationId xmlns:a16="http://schemas.microsoft.com/office/drawing/2014/main" id="{D552F878-816A-4A4E-AFFB-245019B10BBE}"/>
+                <a16:creationId xmlns:a16="http://schemas.microsoft.com/office/drawing/2014/main" id="{166E9830-F07E-44E0-8456-4E57D2F5E45C}"/>
               </a:ext>
             </a:extLst>
           </p:cNvPr>
@@ -3361,18 +3370,2668 @@
         </p:nvGrpSpPr>
         <p:grpSpPr>
           <a:xfrm>
-            <a:off x="3094" y="885858"/>
-            <a:ext cx="12260579" cy="5703620"/>
-            <a:chOff x="3094" y="885858"/>
-            <a:chExt cx="12260579" cy="5703620"/>
+            <a:off x="-48583" y="885858"/>
+            <a:ext cx="12047799" cy="5703620"/>
+            <a:chOff x="-48583" y="885858"/>
+            <a:chExt cx="12047799" cy="5703620"/>
+          </a:xfrm>
+        </p:grpSpPr>
+        <p:grpSp>
+          <p:nvGrpSpPr>
+            <p:cNvPr id="64" name="Group 63">
+              <a:extLst>
+                <a:ext uri="{FF2B5EF4-FFF2-40B4-BE49-F238E27FC236}">
+                  <a16:creationId xmlns:a16="http://schemas.microsoft.com/office/drawing/2014/main" id="{A472BCDF-9D83-4BBC-9B0E-D28DDFFBE123}"/>
+                </a:ext>
+              </a:extLst>
+            </p:cNvPr>
+            <p:cNvGrpSpPr/>
+            <p:nvPr/>
+          </p:nvGrpSpPr>
+          <p:grpSpPr>
+            <a:xfrm>
+              <a:off x="-48583" y="885858"/>
+              <a:ext cx="12047799" cy="5703620"/>
+              <a:chOff x="-48583" y="885858"/>
+              <a:chExt cx="12047799" cy="5703620"/>
+            </a:xfrm>
+          </p:grpSpPr>
+          <p:sp>
+            <p:nvSpPr>
+              <p:cNvPr id="66" name="Rectangle: Rounded Corners 3">
+                <a:extLst>
+                  <a:ext uri="{FF2B5EF4-FFF2-40B4-BE49-F238E27FC236}">
+                    <a16:creationId xmlns:a16="http://schemas.microsoft.com/office/drawing/2014/main" id="{5A6A76FA-6165-42A6-ADF5-0B1F627F25CA}"/>
+                  </a:ext>
+                </a:extLst>
+              </p:cNvPr>
+              <p:cNvSpPr/>
+              <p:nvPr/>
+            </p:nvSpPr>
+            <p:spPr>
+              <a:xfrm>
+                <a:off x="957845" y="885858"/>
+                <a:ext cx="9548054" cy="5703620"/>
+              </a:xfrm>
+              <a:custGeom>
+                <a:avLst/>
+                <a:gdLst>
+                  <a:gd name="connsiteX0" fmla="*/ 0 w 9810750"/>
+                  <a:gd name="connsiteY0" fmla="*/ 868380 h 5210175"/>
+                  <a:gd name="connsiteX1" fmla="*/ 868380 w 9810750"/>
+                  <a:gd name="connsiteY1" fmla="*/ 0 h 5210175"/>
+                  <a:gd name="connsiteX2" fmla="*/ 8942370 w 9810750"/>
+                  <a:gd name="connsiteY2" fmla="*/ 0 h 5210175"/>
+                  <a:gd name="connsiteX3" fmla="*/ 9810750 w 9810750"/>
+                  <a:gd name="connsiteY3" fmla="*/ 868380 h 5210175"/>
+                  <a:gd name="connsiteX4" fmla="*/ 9810750 w 9810750"/>
+                  <a:gd name="connsiteY4" fmla="*/ 4341795 h 5210175"/>
+                  <a:gd name="connsiteX5" fmla="*/ 8942370 w 9810750"/>
+                  <a:gd name="connsiteY5" fmla="*/ 5210175 h 5210175"/>
+                  <a:gd name="connsiteX6" fmla="*/ 868380 w 9810750"/>
+                  <a:gd name="connsiteY6" fmla="*/ 5210175 h 5210175"/>
+                  <a:gd name="connsiteX7" fmla="*/ 0 w 9810750"/>
+                  <a:gd name="connsiteY7" fmla="*/ 4341795 h 5210175"/>
+                  <a:gd name="connsiteX8" fmla="*/ 0 w 9810750"/>
+                  <a:gd name="connsiteY8" fmla="*/ 868380 h 5210175"/>
+                  <a:gd name="connsiteX0" fmla="*/ 0 w 9858375"/>
+                  <a:gd name="connsiteY0" fmla="*/ 468352 h 5210197"/>
+                  <a:gd name="connsiteX1" fmla="*/ 916005 w 9858375"/>
+                  <a:gd name="connsiteY1" fmla="*/ 22 h 5210197"/>
+                  <a:gd name="connsiteX2" fmla="*/ 8989995 w 9858375"/>
+                  <a:gd name="connsiteY2" fmla="*/ 22 h 5210197"/>
+                  <a:gd name="connsiteX3" fmla="*/ 9858375 w 9858375"/>
+                  <a:gd name="connsiteY3" fmla="*/ 868402 h 5210197"/>
+                  <a:gd name="connsiteX4" fmla="*/ 9858375 w 9858375"/>
+                  <a:gd name="connsiteY4" fmla="*/ 4341817 h 5210197"/>
+                  <a:gd name="connsiteX5" fmla="*/ 8989995 w 9858375"/>
+                  <a:gd name="connsiteY5" fmla="*/ 5210197 h 5210197"/>
+                  <a:gd name="connsiteX6" fmla="*/ 916005 w 9858375"/>
+                  <a:gd name="connsiteY6" fmla="*/ 5210197 h 5210197"/>
+                  <a:gd name="connsiteX7" fmla="*/ 47625 w 9858375"/>
+                  <a:gd name="connsiteY7" fmla="*/ 4341817 h 5210197"/>
+                  <a:gd name="connsiteX8" fmla="*/ 0 w 9858375"/>
+                  <a:gd name="connsiteY8" fmla="*/ 468352 h 5210197"/>
+                  <a:gd name="connsiteX0" fmla="*/ 0 w 9858375"/>
+                  <a:gd name="connsiteY0" fmla="*/ 468330 h 5210175"/>
+                  <a:gd name="connsiteX1" fmla="*/ 649305 w 9858375"/>
+                  <a:gd name="connsiteY1" fmla="*/ 19050 h 5210175"/>
+                  <a:gd name="connsiteX2" fmla="*/ 8989995 w 9858375"/>
+                  <a:gd name="connsiteY2" fmla="*/ 0 h 5210175"/>
+                  <a:gd name="connsiteX3" fmla="*/ 9858375 w 9858375"/>
+                  <a:gd name="connsiteY3" fmla="*/ 868380 h 5210175"/>
+                  <a:gd name="connsiteX4" fmla="*/ 9858375 w 9858375"/>
+                  <a:gd name="connsiteY4" fmla="*/ 4341795 h 5210175"/>
+                  <a:gd name="connsiteX5" fmla="*/ 8989995 w 9858375"/>
+                  <a:gd name="connsiteY5" fmla="*/ 5210175 h 5210175"/>
+                  <a:gd name="connsiteX6" fmla="*/ 916005 w 9858375"/>
+                  <a:gd name="connsiteY6" fmla="*/ 5210175 h 5210175"/>
+                  <a:gd name="connsiteX7" fmla="*/ 47625 w 9858375"/>
+                  <a:gd name="connsiteY7" fmla="*/ 4341795 h 5210175"/>
+                  <a:gd name="connsiteX8" fmla="*/ 0 w 9858375"/>
+                  <a:gd name="connsiteY8" fmla="*/ 468330 h 5210175"/>
+                  <a:gd name="connsiteX0" fmla="*/ 0 w 9858375"/>
+                  <a:gd name="connsiteY0" fmla="*/ 468330 h 5210175"/>
+                  <a:gd name="connsiteX1" fmla="*/ 649305 w 9858375"/>
+                  <a:gd name="connsiteY1" fmla="*/ 19050 h 5210175"/>
+                  <a:gd name="connsiteX2" fmla="*/ 9370995 w 9858375"/>
+                  <a:gd name="connsiteY2" fmla="*/ 0 h 5210175"/>
+                  <a:gd name="connsiteX3" fmla="*/ 9858375 w 9858375"/>
+                  <a:gd name="connsiteY3" fmla="*/ 868380 h 5210175"/>
+                  <a:gd name="connsiteX4" fmla="*/ 9858375 w 9858375"/>
+                  <a:gd name="connsiteY4" fmla="*/ 4341795 h 5210175"/>
+                  <a:gd name="connsiteX5" fmla="*/ 8989995 w 9858375"/>
+                  <a:gd name="connsiteY5" fmla="*/ 5210175 h 5210175"/>
+                  <a:gd name="connsiteX6" fmla="*/ 916005 w 9858375"/>
+                  <a:gd name="connsiteY6" fmla="*/ 5210175 h 5210175"/>
+                  <a:gd name="connsiteX7" fmla="*/ 47625 w 9858375"/>
+                  <a:gd name="connsiteY7" fmla="*/ 4341795 h 5210175"/>
+                  <a:gd name="connsiteX8" fmla="*/ 0 w 9858375"/>
+                  <a:gd name="connsiteY8" fmla="*/ 468330 h 5210175"/>
+                  <a:gd name="connsiteX0" fmla="*/ 0 w 9858375"/>
+                  <a:gd name="connsiteY0" fmla="*/ 468330 h 5210175"/>
+                  <a:gd name="connsiteX1" fmla="*/ 649305 w 9858375"/>
+                  <a:gd name="connsiteY1" fmla="*/ 19050 h 5210175"/>
+                  <a:gd name="connsiteX2" fmla="*/ 9370995 w 9858375"/>
+                  <a:gd name="connsiteY2" fmla="*/ 0 h 5210175"/>
+                  <a:gd name="connsiteX3" fmla="*/ 9858375 w 9858375"/>
+                  <a:gd name="connsiteY3" fmla="*/ 563580 h 5210175"/>
+                  <a:gd name="connsiteX4" fmla="*/ 9858375 w 9858375"/>
+                  <a:gd name="connsiteY4" fmla="*/ 4341795 h 5210175"/>
+                  <a:gd name="connsiteX5" fmla="*/ 8989995 w 9858375"/>
+                  <a:gd name="connsiteY5" fmla="*/ 5210175 h 5210175"/>
+                  <a:gd name="connsiteX6" fmla="*/ 916005 w 9858375"/>
+                  <a:gd name="connsiteY6" fmla="*/ 5210175 h 5210175"/>
+                  <a:gd name="connsiteX7" fmla="*/ 47625 w 9858375"/>
+                  <a:gd name="connsiteY7" fmla="*/ 4341795 h 5210175"/>
+                  <a:gd name="connsiteX8" fmla="*/ 0 w 9858375"/>
+                  <a:gd name="connsiteY8" fmla="*/ 468330 h 5210175"/>
+                  <a:gd name="connsiteX0" fmla="*/ 0 w 9877425"/>
+                  <a:gd name="connsiteY0" fmla="*/ 468330 h 5210175"/>
+                  <a:gd name="connsiteX1" fmla="*/ 649305 w 9877425"/>
+                  <a:gd name="connsiteY1" fmla="*/ 19050 h 5210175"/>
+                  <a:gd name="connsiteX2" fmla="*/ 9370995 w 9877425"/>
+                  <a:gd name="connsiteY2" fmla="*/ 0 h 5210175"/>
+                  <a:gd name="connsiteX3" fmla="*/ 9858375 w 9877425"/>
+                  <a:gd name="connsiteY3" fmla="*/ 563580 h 5210175"/>
+                  <a:gd name="connsiteX4" fmla="*/ 9877425 w 9877425"/>
+                  <a:gd name="connsiteY4" fmla="*/ 4675170 h 5210175"/>
+                  <a:gd name="connsiteX5" fmla="*/ 8989995 w 9877425"/>
+                  <a:gd name="connsiteY5" fmla="*/ 5210175 h 5210175"/>
+                  <a:gd name="connsiteX6" fmla="*/ 916005 w 9877425"/>
+                  <a:gd name="connsiteY6" fmla="*/ 5210175 h 5210175"/>
+                  <a:gd name="connsiteX7" fmla="*/ 47625 w 9877425"/>
+                  <a:gd name="connsiteY7" fmla="*/ 4341795 h 5210175"/>
+                  <a:gd name="connsiteX8" fmla="*/ 0 w 9877425"/>
+                  <a:gd name="connsiteY8" fmla="*/ 468330 h 5210175"/>
+                  <a:gd name="connsiteX0" fmla="*/ 0 w 9877425"/>
+                  <a:gd name="connsiteY0" fmla="*/ 468330 h 5210175"/>
+                  <a:gd name="connsiteX1" fmla="*/ 649305 w 9877425"/>
+                  <a:gd name="connsiteY1" fmla="*/ 19050 h 5210175"/>
+                  <a:gd name="connsiteX2" fmla="*/ 9370995 w 9877425"/>
+                  <a:gd name="connsiteY2" fmla="*/ 0 h 5210175"/>
+                  <a:gd name="connsiteX3" fmla="*/ 9858375 w 9877425"/>
+                  <a:gd name="connsiteY3" fmla="*/ 563580 h 5210175"/>
+                  <a:gd name="connsiteX4" fmla="*/ 9877425 w 9877425"/>
+                  <a:gd name="connsiteY4" fmla="*/ 4675170 h 5210175"/>
+                  <a:gd name="connsiteX5" fmla="*/ 9390045 w 9877425"/>
+                  <a:gd name="connsiteY5" fmla="*/ 5191125 h 5210175"/>
+                  <a:gd name="connsiteX6" fmla="*/ 916005 w 9877425"/>
+                  <a:gd name="connsiteY6" fmla="*/ 5210175 h 5210175"/>
+                  <a:gd name="connsiteX7" fmla="*/ 47625 w 9877425"/>
+                  <a:gd name="connsiteY7" fmla="*/ 4341795 h 5210175"/>
+                  <a:gd name="connsiteX8" fmla="*/ 0 w 9877425"/>
+                  <a:gd name="connsiteY8" fmla="*/ 468330 h 5210175"/>
+                  <a:gd name="connsiteX0" fmla="*/ 0 w 9877425"/>
+                  <a:gd name="connsiteY0" fmla="*/ 468330 h 5210175"/>
+                  <a:gd name="connsiteX1" fmla="*/ 649305 w 9877425"/>
+                  <a:gd name="connsiteY1" fmla="*/ 19050 h 5210175"/>
+                  <a:gd name="connsiteX2" fmla="*/ 9370995 w 9877425"/>
+                  <a:gd name="connsiteY2" fmla="*/ 0 h 5210175"/>
+                  <a:gd name="connsiteX3" fmla="*/ 9858375 w 9877425"/>
+                  <a:gd name="connsiteY3" fmla="*/ 563580 h 5210175"/>
+                  <a:gd name="connsiteX4" fmla="*/ 9877425 w 9877425"/>
+                  <a:gd name="connsiteY4" fmla="*/ 4675170 h 5210175"/>
+                  <a:gd name="connsiteX5" fmla="*/ 9390045 w 9877425"/>
+                  <a:gd name="connsiteY5" fmla="*/ 5191125 h 5210175"/>
+                  <a:gd name="connsiteX6" fmla="*/ 630255 w 9877425"/>
+                  <a:gd name="connsiteY6" fmla="*/ 5210175 h 5210175"/>
+                  <a:gd name="connsiteX7" fmla="*/ 47625 w 9877425"/>
+                  <a:gd name="connsiteY7" fmla="*/ 4341795 h 5210175"/>
+                  <a:gd name="connsiteX8" fmla="*/ 0 w 9877425"/>
+                  <a:gd name="connsiteY8" fmla="*/ 468330 h 5210175"/>
+                  <a:gd name="connsiteX0" fmla="*/ 0 w 9877425"/>
+                  <a:gd name="connsiteY0" fmla="*/ 468330 h 5210175"/>
+                  <a:gd name="connsiteX1" fmla="*/ 649305 w 9877425"/>
+                  <a:gd name="connsiteY1" fmla="*/ 19050 h 5210175"/>
+                  <a:gd name="connsiteX2" fmla="*/ 9370995 w 9877425"/>
+                  <a:gd name="connsiteY2" fmla="*/ 0 h 5210175"/>
+                  <a:gd name="connsiteX3" fmla="*/ 9858375 w 9877425"/>
+                  <a:gd name="connsiteY3" fmla="*/ 563580 h 5210175"/>
+                  <a:gd name="connsiteX4" fmla="*/ 9877425 w 9877425"/>
+                  <a:gd name="connsiteY4" fmla="*/ 4675170 h 5210175"/>
+                  <a:gd name="connsiteX5" fmla="*/ 9390045 w 9877425"/>
+                  <a:gd name="connsiteY5" fmla="*/ 5191125 h 5210175"/>
+                  <a:gd name="connsiteX6" fmla="*/ 630255 w 9877425"/>
+                  <a:gd name="connsiteY6" fmla="*/ 5210175 h 5210175"/>
+                  <a:gd name="connsiteX7" fmla="*/ 0 w 9877425"/>
+                  <a:gd name="connsiteY7" fmla="*/ 4598970 h 5210175"/>
+                  <a:gd name="connsiteX8" fmla="*/ 0 w 9877425"/>
+                  <a:gd name="connsiteY8" fmla="*/ 468330 h 5210175"/>
+                </a:gdLst>
+                <a:ahLst/>
+                <a:cxnLst>
+                  <a:cxn ang="0">
+                    <a:pos x="connsiteX0" y="connsiteY0"/>
+                  </a:cxn>
+                  <a:cxn ang="0">
+                    <a:pos x="connsiteX1" y="connsiteY1"/>
+                  </a:cxn>
+                  <a:cxn ang="0">
+                    <a:pos x="connsiteX2" y="connsiteY2"/>
+                  </a:cxn>
+                  <a:cxn ang="0">
+                    <a:pos x="connsiteX3" y="connsiteY3"/>
+                  </a:cxn>
+                  <a:cxn ang="0">
+                    <a:pos x="connsiteX4" y="connsiteY4"/>
+                  </a:cxn>
+                  <a:cxn ang="0">
+                    <a:pos x="connsiteX5" y="connsiteY5"/>
+                  </a:cxn>
+                  <a:cxn ang="0">
+                    <a:pos x="connsiteX6" y="connsiteY6"/>
+                  </a:cxn>
+                  <a:cxn ang="0">
+                    <a:pos x="connsiteX7" y="connsiteY7"/>
+                  </a:cxn>
+                  <a:cxn ang="0">
+                    <a:pos x="connsiteX8" y="connsiteY8"/>
+                  </a:cxn>
+                </a:cxnLst>
+                <a:rect l="l" t="t" r="r" b="b"/>
+                <a:pathLst>
+                  <a:path w="9877425" h="5210175">
+                    <a:moveTo>
+                      <a:pt x="0" y="468330"/>
+                    </a:moveTo>
+                    <a:cubicBezTo>
+                      <a:pt x="0" y="-11263"/>
+                      <a:pt x="169712" y="19050"/>
+                      <a:pt x="649305" y="19050"/>
+                    </a:cubicBezTo>
+                    <a:lnTo>
+                      <a:pt x="9370995" y="0"/>
+                    </a:lnTo>
+                    <a:cubicBezTo>
+                      <a:pt x="9850588" y="0"/>
+                      <a:pt x="9858375" y="83987"/>
+                      <a:pt x="9858375" y="563580"/>
+                    </a:cubicBezTo>
+                    <a:lnTo>
+                      <a:pt x="9877425" y="4675170"/>
+                    </a:lnTo>
+                    <a:cubicBezTo>
+                      <a:pt x="9877425" y="5154763"/>
+                      <a:pt x="9869638" y="5191125"/>
+                      <a:pt x="9390045" y="5191125"/>
+                    </a:cubicBezTo>
+                    <a:lnTo>
+                      <a:pt x="630255" y="5210175"/>
+                    </a:lnTo>
+                    <a:cubicBezTo>
+                      <a:pt x="150662" y="5210175"/>
+                      <a:pt x="0" y="5078563"/>
+                      <a:pt x="0" y="4598970"/>
+                    </a:cubicBezTo>
+                    <a:lnTo>
+                      <a:pt x="0" y="468330"/>
+                    </a:lnTo>
+                    <a:close/>
+                  </a:path>
+                </a:pathLst>
+              </a:custGeom>
+              <a:solidFill>
+                <a:schemeClr val="accent1">
+                  <a:lumMod val="20000"/>
+                  <a:lumOff val="80000"/>
+                </a:schemeClr>
+              </a:solidFill>
+              <a:ln>
+                <a:noFill/>
+              </a:ln>
+              <a:effectLst>
+                <a:softEdge rad="0"/>
+              </a:effectLst>
+            </p:spPr>
+            <p:style>
+              <a:lnRef idx="2">
+                <a:schemeClr val="accent1">
+                  <a:shade val="50000"/>
+                </a:schemeClr>
+              </a:lnRef>
+              <a:fillRef idx="1">
+                <a:schemeClr val="accent1"/>
+              </a:fillRef>
+              <a:effectRef idx="0">
+                <a:schemeClr val="accent1"/>
+              </a:effectRef>
+              <a:fontRef idx="minor">
+                <a:schemeClr val="lt1"/>
+              </a:fontRef>
+            </p:style>
+            <p:txBody>
+              <a:bodyPr rtlCol="0" anchor="ctr"/>
+              <a:lstStyle/>
+              <a:p>
+                <a:pPr algn="ctr"/>
+                <a:endParaRPr lang="en-SG" dirty="0"/>
+              </a:p>
+            </p:txBody>
+          </p:sp>
+          <p:sp>
+            <p:nvSpPr>
+              <p:cNvPr id="70" name="TextBox 69">
+                <a:extLst>
+                  <a:ext uri="{FF2B5EF4-FFF2-40B4-BE49-F238E27FC236}">
+                    <a16:creationId xmlns:a16="http://schemas.microsoft.com/office/drawing/2014/main" id="{E95D27DD-90EF-4D87-8CD1-E9B8C4228B56}"/>
+                  </a:ext>
+                </a:extLst>
+              </p:cNvPr>
+              <p:cNvSpPr txBox="1"/>
+              <p:nvPr/>
+            </p:nvSpPr>
+            <p:spPr>
+              <a:xfrm>
+                <a:off x="1114540" y="1009316"/>
+                <a:ext cx="663964" cy="369332"/>
+              </a:xfrm>
+              <a:prstGeom prst="rect">
+                <a:avLst/>
+              </a:prstGeom>
+              <a:noFill/>
+            </p:spPr>
+            <p:txBody>
+              <a:bodyPr wrap="none" rtlCol="0">
+                <a:spAutoFit/>
+              </a:bodyPr>
+              <a:lstStyle/>
+              <a:p>
+                <a:r>
+                  <a:rPr lang="en-SG" b="1" dirty="0">
+                    <a:solidFill>
+                      <a:srgbClr val="0070C0"/>
+                    </a:solidFill>
+                  </a:rPr>
+                  <a:t>Logic</a:t>
+                </a:r>
+              </a:p>
+            </p:txBody>
+          </p:sp>
+          <p:sp>
+            <p:nvSpPr>
+              <p:cNvPr id="71" name="TextBox 70">
+                <a:extLst>
+                  <a:ext uri="{FF2B5EF4-FFF2-40B4-BE49-F238E27FC236}">
+                    <a16:creationId xmlns:a16="http://schemas.microsoft.com/office/drawing/2014/main" id="{FCB56755-2FE4-496B-A9E5-BD19638698FC}"/>
+                  </a:ext>
+                </a:extLst>
+              </p:cNvPr>
+              <p:cNvSpPr txBox="1"/>
+              <p:nvPr/>
+            </p:nvSpPr>
+            <p:spPr>
+              <a:xfrm>
+                <a:off x="1228808" y="1415629"/>
+                <a:ext cx="1638300" cy="369332"/>
+              </a:xfrm>
+              <a:prstGeom prst="rect">
+                <a:avLst/>
+              </a:prstGeom>
+              <a:solidFill>
+                <a:srgbClr val="0070C0"/>
+              </a:solidFill>
+            </p:spPr>
+            <p:txBody>
+              <a:bodyPr wrap="square" rtlCol="0">
+                <a:spAutoFit/>
+              </a:bodyPr>
+              <a:lstStyle/>
+              <a:p>
+                <a:pPr algn="ctr"/>
+                <a:r>
+                  <a:rPr lang="en-SG" dirty="0">
+                    <a:solidFill>
+                      <a:schemeClr val="bg1"/>
+                    </a:solidFill>
+                  </a:rPr>
+                  <a:t>:</a:t>
+                </a:r>
+                <a:r>
+                  <a:rPr lang="en-SG" dirty="0" err="1">
+                    <a:solidFill>
+                      <a:schemeClr val="bg1"/>
+                    </a:solidFill>
+                  </a:rPr>
+                  <a:t>LogicManager</a:t>
+                </a:r>
+                <a:endParaRPr lang="en-SG" dirty="0">
+                  <a:solidFill>
+                    <a:schemeClr val="bg1"/>
+                  </a:solidFill>
+                </a:endParaRPr>
+              </a:p>
+            </p:txBody>
+          </p:sp>
+          <p:cxnSp>
+            <p:nvCxnSpPr>
+              <p:cNvPr id="72" name="Straight Connector 71">
+                <a:extLst>
+                  <a:ext uri="{FF2B5EF4-FFF2-40B4-BE49-F238E27FC236}">
+                    <a16:creationId xmlns:a16="http://schemas.microsoft.com/office/drawing/2014/main" id="{D11D1B3C-E288-4725-AC4F-F67783ED182B}"/>
+                  </a:ext>
+                </a:extLst>
+              </p:cNvPr>
+              <p:cNvCxnSpPr/>
+              <p:nvPr/>
+            </p:nvCxnSpPr>
+            <p:spPr>
+              <a:xfrm>
+                <a:off x="2144601" y="2026682"/>
+                <a:ext cx="0" cy="2143"/>
+              </a:xfrm>
+              <a:prstGeom prst="line">
+                <a:avLst/>
+              </a:prstGeom>
+            </p:spPr>
+            <p:style>
+              <a:lnRef idx="1">
+                <a:schemeClr val="accent1"/>
+              </a:lnRef>
+              <a:fillRef idx="0">
+                <a:schemeClr val="accent1"/>
+              </a:fillRef>
+              <a:effectRef idx="0">
+                <a:schemeClr val="accent1"/>
+              </a:effectRef>
+              <a:fontRef idx="minor">
+                <a:schemeClr val="tx1"/>
+              </a:fontRef>
+            </p:style>
+          </p:cxnSp>
+          <p:cxnSp>
+            <p:nvCxnSpPr>
+              <p:cNvPr id="73" name="Straight Connector 72">
+                <a:extLst>
+                  <a:ext uri="{FF2B5EF4-FFF2-40B4-BE49-F238E27FC236}">
+                    <a16:creationId xmlns:a16="http://schemas.microsoft.com/office/drawing/2014/main" id="{26B26788-7A83-49A3-9888-DD1DCB3C1B1A}"/>
+                  </a:ext>
+                </a:extLst>
+              </p:cNvPr>
+              <p:cNvCxnSpPr>
+                <a:cxnSpLocks/>
+                <a:stCxn id="71" idx="2"/>
+                <a:endCxn id="75" idx="0"/>
+              </p:cNvCxnSpPr>
+              <p:nvPr/>
+            </p:nvCxnSpPr>
+            <p:spPr>
+              <a:xfrm flipH="1">
+                <a:off x="2047933" y="1784961"/>
+                <a:ext cx="25" cy="475559"/>
+              </a:xfrm>
+              <a:prstGeom prst="line">
+                <a:avLst/>
+              </a:prstGeom>
+              <a:ln w="28575">
+                <a:solidFill>
+                  <a:srgbClr val="0070C0"/>
+                </a:solidFill>
+                <a:prstDash val="sysDot"/>
+              </a:ln>
+            </p:spPr>
+            <p:style>
+              <a:lnRef idx="1">
+                <a:schemeClr val="accent1"/>
+              </a:lnRef>
+              <a:fillRef idx="0">
+                <a:schemeClr val="accent1"/>
+              </a:fillRef>
+              <a:effectRef idx="0">
+                <a:schemeClr val="accent1"/>
+              </a:effectRef>
+              <a:fontRef idx="minor">
+                <a:schemeClr val="tx1"/>
+              </a:fontRef>
+            </p:style>
+          </p:cxnSp>
+          <p:sp>
+            <p:nvSpPr>
+              <p:cNvPr id="75" name="Rectangle 74">
+                <a:extLst>
+                  <a:ext uri="{FF2B5EF4-FFF2-40B4-BE49-F238E27FC236}">
+                    <a16:creationId xmlns:a16="http://schemas.microsoft.com/office/drawing/2014/main" id="{EF07E3E7-62A3-4901-94FF-D00BAE9EFE32}"/>
+                  </a:ext>
+                </a:extLst>
+              </p:cNvPr>
+              <p:cNvSpPr/>
+              <p:nvPr/>
+            </p:nvSpPr>
+            <p:spPr>
+              <a:xfrm>
+                <a:off x="1952802" y="2260520"/>
+                <a:ext cx="190261" cy="4102179"/>
+              </a:xfrm>
+              <a:prstGeom prst="rect">
+                <a:avLst/>
+              </a:prstGeom>
+              <a:solidFill>
+                <a:srgbClr val="0070C0"/>
+              </a:solidFill>
+              <a:ln>
+                <a:noFill/>
+              </a:ln>
+            </p:spPr>
+            <p:style>
+              <a:lnRef idx="2">
+                <a:schemeClr val="accent1">
+                  <a:shade val="50000"/>
+                </a:schemeClr>
+              </a:lnRef>
+              <a:fillRef idx="1">
+                <a:schemeClr val="accent1"/>
+              </a:fillRef>
+              <a:effectRef idx="0">
+                <a:schemeClr val="accent1"/>
+              </a:effectRef>
+              <a:fontRef idx="minor">
+                <a:schemeClr val="lt1"/>
+              </a:fontRef>
+            </p:style>
+            <p:txBody>
+              <a:bodyPr rtlCol="0" anchor="ctr"/>
+              <a:lstStyle/>
+              <a:p>
+                <a:pPr algn="ctr"/>
+                <a:endParaRPr lang="en-SG"/>
+              </a:p>
+            </p:txBody>
+          </p:sp>
+          <p:sp>
+            <p:nvSpPr>
+              <p:cNvPr id="76" name="Rectangle 75">
+                <a:extLst>
+                  <a:ext uri="{FF2B5EF4-FFF2-40B4-BE49-F238E27FC236}">
+                    <a16:creationId xmlns:a16="http://schemas.microsoft.com/office/drawing/2014/main" id="{40B4FA94-3B81-46AA-89F2-F1B3762D59AC}"/>
+                  </a:ext>
+                </a:extLst>
+              </p:cNvPr>
+              <p:cNvSpPr/>
+              <p:nvPr/>
+            </p:nvSpPr>
+            <p:spPr>
+              <a:xfrm>
+                <a:off x="3925433" y="2372412"/>
+                <a:ext cx="198708" cy="2022168"/>
+              </a:xfrm>
+              <a:prstGeom prst="rect">
+                <a:avLst/>
+              </a:prstGeom>
+              <a:solidFill>
+                <a:srgbClr val="0070C0"/>
+              </a:solidFill>
+              <a:ln>
+                <a:noFill/>
+              </a:ln>
+            </p:spPr>
+            <p:style>
+              <a:lnRef idx="2">
+                <a:schemeClr val="accent1">
+                  <a:shade val="50000"/>
+                </a:schemeClr>
+              </a:lnRef>
+              <a:fillRef idx="1">
+                <a:schemeClr val="accent1"/>
+              </a:fillRef>
+              <a:effectRef idx="0">
+                <a:schemeClr val="accent1"/>
+              </a:effectRef>
+              <a:fontRef idx="minor">
+                <a:schemeClr val="lt1"/>
+              </a:fontRef>
+            </p:style>
+            <p:txBody>
+              <a:bodyPr rtlCol="0" anchor="ctr"/>
+              <a:lstStyle/>
+              <a:p>
+                <a:pPr algn="ctr"/>
+                <a:endParaRPr lang="en-SG"/>
+              </a:p>
+            </p:txBody>
+          </p:sp>
+          <p:sp>
+            <p:nvSpPr>
+              <p:cNvPr id="79" name="TextBox 78">
+                <a:extLst>
+                  <a:ext uri="{FF2B5EF4-FFF2-40B4-BE49-F238E27FC236}">
+                    <a16:creationId xmlns:a16="http://schemas.microsoft.com/office/drawing/2014/main" id="{63E71FE3-1B28-4835-B963-ABEEC0FCF859}"/>
+                  </a:ext>
+                </a:extLst>
+              </p:cNvPr>
+              <p:cNvSpPr txBox="1"/>
+              <p:nvPr/>
+            </p:nvSpPr>
+            <p:spPr>
+              <a:xfrm>
+                <a:off x="3201438" y="1337191"/>
+                <a:ext cx="1638300" cy="646331"/>
+              </a:xfrm>
+              <a:prstGeom prst="rect">
+                <a:avLst/>
+              </a:prstGeom>
+              <a:solidFill>
+                <a:srgbClr val="0070C0"/>
+              </a:solidFill>
+            </p:spPr>
+            <p:txBody>
+              <a:bodyPr wrap="square" rtlCol="0">
+                <a:spAutoFit/>
+              </a:bodyPr>
+              <a:lstStyle/>
+              <a:p>
+                <a:pPr algn="ctr"/>
+                <a:r>
+                  <a:rPr lang="en-SG" dirty="0">
+                    <a:solidFill>
+                      <a:schemeClr val="bg1"/>
+                    </a:solidFill>
+                  </a:rPr>
+                  <a:t>:Address</a:t>
+                </a:r>
+              </a:p>
+              <a:p>
+                <a:pPr algn="ctr"/>
+                <a:r>
+                  <a:rPr lang="en-SG" dirty="0" err="1">
+                    <a:solidFill>
+                      <a:schemeClr val="bg1"/>
+                    </a:solidFill>
+                  </a:rPr>
+                  <a:t>BookParser</a:t>
+                </a:r>
+                <a:endParaRPr lang="en-SG" dirty="0">
+                  <a:solidFill>
+                    <a:schemeClr val="bg1"/>
+                  </a:solidFill>
+                </a:endParaRPr>
+              </a:p>
+            </p:txBody>
+          </p:sp>
+          <p:cxnSp>
+            <p:nvCxnSpPr>
+              <p:cNvPr id="83" name="Straight Connector 82">
+                <a:extLst>
+                  <a:ext uri="{FF2B5EF4-FFF2-40B4-BE49-F238E27FC236}">
+                    <a16:creationId xmlns:a16="http://schemas.microsoft.com/office/drawing/2014/main" id="{CA36E7AF-6434-41BA-9BFD-162B0A9F0A29}"/>
+                  </a:ext>
+                </a:extLst>
+              </p:cNvPr>
+              <p:cNvCxnSpPr>
+                <a:cxnSpLocks/>
+                <a:stCxn id="79" idx="2"/>
+                <a:endCxn id="76" idx="0"/>
+              </p:cNvCxnSpPr>
+              <p:nvPr/>
+            </p:nvCxnSpPr>
+            <p:spPr>
+              <a:xfrm>
+                <a:off x="4020588" y="1983522"/>
+                <a:ext cx="4199" cy="388890"/>
+              </a:xfrm>
+              <a:prstGeom prst="line">
+                <a:avLst/>
+              </a:prstGeom>
+              <a:ln w="28575">
+                <a:solidFill>
+                  <a:srgbClr val="0070C0"/>
+                </a:solidFill>
+                <a:prstDash val="sysDot"/>
+              </a:ln>
+            </p:spPr>
+            <p:style>
+              <a:lnRef idx="1">
+                <a:schemeClr val="accent1"/>
+              </a:lnRef>
+              <a:fillRef idx="0">
+                <a:schemeClr val="accent1"/>
+              </a:fillRef>
+              <a:effectRef idx="0">
+                <a:schemeClr val="accent1"/>
+              </a:effectRef>
+              <a:fontRef idx="minor">
+                <a:schemeClr val="tx1"/>
+              </a:fontRef>
+            </p:style>
+          </p:cxnSp>
+          <p:sp>
+            <p:nvSpPr>
+              <p:cNvPr id="85" name="Rectangle 84">
+                <a:extLst>
+                  <a:ext uri="{FF2B5EF4-FFF2-40B4-BE49-F238E27FC236}">
+                    <a16:creationId xmlns:a16="http://schemas.microsoft.com/office/drawing/2014/main" id="{3310E590-45AA-46D6-AD2E-72C8C4E4C508}"/>
+                  </a:ext>
+                </a:extLst>
+              </p:cNvPr>
+              <p:cNvSpPr/>
+              <p:nvPr/>
+            </p:nvSpPr>
+            <p:spPr>
+              <a:xfrm>
+                <a:off x="5896559" y="2769415"/>
+                <a:ext cx="190297" cy="111889"/>
+              </a:xfrm>
+              <a:prstGeom prst="rect">
+                <a:avLst/>
+              </a:prstGeom>
+              <a:solidFill>
+                <a:srgbClr val="0070C0"/>
+              </a:solidFill>
+              <a:ln>
+                <a:noFill/>
+              </a:ln>
+            </p:spPr>
+            <p:style>
+              <a:lnRef idx="2">
+                <a:schemeClr val="accent1">
+                  <a:shade val="50000"/>
+                </a:schemeClr>
+              </a:lnRef>
+              <a:fillRef idx="1">
+                <a:schemeClr val="accent1"/>
+              </a:fillRef>
+              <a:effectRef idx="0">
+                <a:schemeClr val="accent1"/>
+              </a:effectRef>
+              <a:fontRef idx="minor">
+                <a:schemeClr val="lt1"/>
+              </a:fontRef>
+            </p:style>
+            <p:txBody>
+              <a:bodyPr rtlCol="0" anchor="ctr"/>
+              <a:lstStyle/>
+              <a:p>
+                <a:pPr algn="ctr"/>
+                <a:endParaRPr lang="en-SG"/>
+              </a:p>
+            </p:txBody>
+          </p:sp>
+          <p:sp>
+            <p:nvSpPr>
+              <p:cNvPr id="87" name="TextBox 86">
+                <a:extLst>
+                  <a:ext uri="{FF2B5EF4-FFF2-40B4-BE49-F238E27FC236}">
+                    <a16:creationId xmlns:a16="http://schemas.microsoft.com/office/drawing/2014/main" id="{F67756AB-C944-43D5-B635-8553D58554FC}"/>
+                  </a:ext>
+                </a:extLst>
+              </p:cNvPr>
+              <p:cNvSpPr txBox="1"/>
+              <p:nvPr/>
+            </p:nvSpPr>
+            <p:spPr>
+              <a:xfrm>
+                <a:off x="4896499" y="2123084"/>
+                <a:ext cx="2171947" cy="646331"/>
+              </a:xfrm>
+              <a:prstGeom prst="rect">
+                <a:avLst/>
+              </a:prstGeom>
+              <a:solidFill>
+                <a:srgbClr val="0070C0"/>
+              </a:solidFill>
+            </p:spPr>
+            <p:txBody>
+              <a:bodyPr wrap="square" rtlCol="0">
+                <a:spAutoFit/>
+              </a:bodyPr>
+              <a:lstStyle/>
+              <a:p>
+                <a:pPr algn="ctr"/>
+                <a:r>
+                  <a:rPr lang="en-SG" dirty="0">
+                    <a:solidFill>
+                      <a:schemeClr val="bg1"/>
+                    </a:solidFill>
+                  </a:rPr>
+                  <a:t>:</a:t>
+                </a:r>
+                <a:r>
+                  <a:rPr lang="en-SG" dirty="0" err="1">
+                    <a:solidFill>
+                      <a:schemeClr val="bg1"/>
+                    </a:solidFill>
+                  </a:rPr>
+                  <a:t>FeedbackCommand</a:t>
+                </a:r>
+                <a:endParaRPr lang="en-SG" dirty="0">
+                  <a:solidFill>
+                    <a:schemeClr val="bg1"/>
+                  </a:solidFill>
+                </a:endParaRPr>
+              </a:p>
+              <a:p>
+                <a:pPr algn="ctr"/>
+                <a:r>
+                  <a:rPr lang="en-SG" dirty="0">
+                    <a:solidFill>
+                      <a:schemeClr val="bg1"/>
+                    </a:solidFill>
+                  </a:rPr>
+                  <a:t>Parser</a:t>
+                </a:r>
+              </a:p>
+            </p:txBody>
+          </p:sp>
+          <p:cxnSp>
+            <p:nvCxnSpPr>
+              <p:cNvPr id="89" name="Straight Connector 88">
+                <a:extLst>
+                  <a:ext uri="{FF2B5EF4-FFF2-40B4-BE49-F238E27FC236}">
+                    <a16:creationId xmlns:a16="http://schemas.microsoft.com/office/drawing/2014/main" id="{BB698F72-767A-46B6-8A87-C31B40052243}"/>
+                  </a:ext>
+                </a:extLst>
+              </p:cNvPr>
+              <p:cNvCxnSpPr>
+                <a:cxnSpLocks/>
+                <a:stCxn id="85" idx="2"/>
+                <a:endCxn id="90" idx="0"/>
+              </p:cNvCxnSpPr>
+              <p:nvPr/>
+            </p:nvCxnSpPr>
+            <p:spPr>
+              <a:xfrm flipH="1">
+                <a:off x="5991707" y="2881304"/>
+                <a:ext cx="1" cy="139158"/>
+              </a:xfrm>
+              <a:prstGeom prst="line">
+                <a:avLst/>
+              </a:prstGeom>
+              <a:ln w="28575">
+                <a:solidFill>
+                  <a:srgbClr val="0070C0"/>
+                </a:solidFill>
+                <a:prstDash val="sysDot"/>
+              </a:ln>
+            </p:spPr>
+            <p:style>
+              <a:lnRef idx="1">
+                <a:schemeClr val="accent1"/>
+              </a:lnRef>
+              <a:fillRef idx="0">
+                <a:schemeClr val="accent1"/>
+              </a:fillRef>
+              <a:effectRef idx="0">
+                <a:schemeClr val="accent1"/>
+              </a:effectRef>
+              <a:fontRef idx="minor">
+                <a:schemeClr val="tx1"/>
+              </a:fontRef>
+            </p:style>
+          </p:cxnSp>
+          <p:sp>
+            <p:nvSpPr>
+              <p:cNvPr id="90" name="Rectangle 89">
+                <a:extLst>
+                  <a:ext uri="{FF2B5EF4-FFF2-40B4-BE49-F238E27FC236}">
+                    <a16:creationId xmlns:a16="http://schemas.microsoft.com/office/drawing/2014/main" id="{3CE53645-F66A-41B3-9DB0-2D886D143664}"/>
+                  </a:ext>
+                </a:extLst>
+              </p:cNvPr>
+              <p:cNvSpPr/>
+              <p:nvPr/>
+            </p:nvSpPr>
+            <p:spPr>
+              <a:xfrm>
+                <a:off x="5896558" y="3020462"/>
+                <a:ext cx="190297" cy="1253853"/>
+              </a:xfrm>
+              <a:prstGeom prst="rect">
+                <a:avLst/>
+              </a:prstGeom>
+              <a:solidFill>
+                <a:srgbClr val="0070C0"/>
+              </a:solidFill>
+              <a:ln>
+                <a:noFill/>
+              </a:ln>
+            </p:spPr>
+            <p:style>
+              <a:lnRef idx="2">
+                <a:schemeClr val="accent1">
+                  <a:shade val="50000"/>
+                </a:schemeClr>
+              </a:lnRef>
+              <a:fillRef idx="1">
+                <a:schemeClr val="accent1"/>
+              </a:fillRef>
+              <a:effectRef idx="0">
+                <a:schemeClr val="accent1"/>
+              </a:effectRef>
+              <a:fontRef idx="minor">
+                <a:schemeClr val="lt1"/>
+              </a:fontRef>
+            </p:style>
+            <p:txBody>
+              <a:bodyPr rtlCol="0" anchor="ctr"/>
+              <a:lstStyle/>
+              <a:p>
+                <a:pPr algn="ctr"/>
+                <a:endParaRPr lang="en-SG"/>
+              </a:p>
+            </p:txBody>
+          </p:sp>
+          <p:cxnSp>
+            <p:nvCxnSpPr>
+              <p:cNvPr id="92" name="Straight Connector 91">
+                <a:extLst>
+                  <a:ext uri="{FF2B5EF4-FFF2-40B4-BE49-F238E27FC236}">
+                    <a16:creationId xmlns:a16="http://schemas.microsoft.com/office/drawing/2014/main" id="{1A3E99C6-4B60-4F67-8CFC-2FDF45EB1266}"/>
+                  </a:ext>
+                </a:extLst>
+              </p:cNvPr>
+              <p:cNvCxnSpPr>
+                <a:cxnSpLocks/>
+                <a:stCxn id="90" idx="2"/>
+              </p:cNvCxnSpPr>
+              <p:nvPr/>
+            </p:nvCxnSpPr>
+            <p:spPr>
+              <a:xfrm>
+                <a:off x="5991707" y="4274315"/>
+                <a:ext cx="0" cy="154810"/>
+              </a:xfrm>
+              <a:prstGeom prst="line">
+                <a:avLst/>
+              </a:prstGeom>
+              <a:ln w="28575">
+                <a:solidFill>
+                  <a:srgbClr val="0070C0"/>
+                </a:solidFill>
+                <a:prstDash val="sysDot"/>
+              </a:ln>
+            </p:spPr>
+            <p:style>
+              <a:lnRef idx="1">
+                <a:schemeClr val="accent1"/>
+              </a:lnRef>
+              <a:fillRef idx="0">
+                <a:schemeClr val="accent1"/>
+              </a:fillRef>
+              <a:effectRef idx="0">
+                <a:schemeClr val="accent1"/>
+              </a:effectRef>
+              <a:fontRef idx="minor">
+                <a:schemeClr val="tx1"/>
+              </a:fontRef>
+            </p:style>
+          </p:cxnSp>
+          <p:sp>
+            <p:nvSpPr>
+              <p:cNvPr id="93" name="TextBox 92">
+                <a:extLst>
+                  <a:ext uri="{FF2B5EF4-FFF2-40B4-BE49-F238E27FC236}">
+                    <a16:creationId xmlns:a16="http://schemas.microsoft.com/office/drawing/2014/main" id="{AF23460A-BCEB-413B-9E00-17F204A5199C}"/>
+                  </a:ext>
+                </a:extLst>
+              </p:cNvPr>
+              <p:cNvSpPr txBox="1"/>
+              <p:nvPr/>
+            </p:nvSpPr>
+            <p:spPr>
+              <a:xfrm>
+                <a:off x="5839260" y="4274315"/>
+                <a:ext cx="304892" cy="369332"/>
+              </a:xfrm>
+              <a:prstGeom prst="rect">
+                <a:avLst/>
+              </a:prstGeom>
+              <a:noFill/>
+            </p:spPr>
+            <p:txBody>
+              <a:bodyPr wrap="square" rtlCol="0">
+                <a:spAutoFit/>
+              </a:bodyPr>
+              <a:lstStyle/>
+              <a:p>
+                <a:r>
+                  <a:rPr lang="en-SG" dirty="0"/>
+                  <a:t>X</a:t>
+                </a:r>
+              </a:p>
+            </p:txBody>
+          </p:sp>
+          <p:sp>
+            <p:nvSpPr>
+              <p:cNvPr id="94" name="Rectangle 93">
+                <a:extLst>
+                  <a:ext uri="{FF2B5EF4-FFF2-40B4-BE49-F238E27FC236}">
+                    <a16:creationId xmlns:a16="http://schemas.microsoft.com/office/drawing/2014/main" id="{9EA50E60-95EB-48E8-93E5-C8F0BB37C793}"/>
+                  </a:ext>
+                </a:extLst>
+              </p:cNvPr>
+              <p:cNvSpPr/>
+              <p:nvPr/>
+            </p:nvSpPr>
+            <p:spPr>
+              <a:xfrm>
+                <a:off x="7972791" y="3230017"/>
+                <a:ext cx="190297" cy="941933"/>
+              </a:xfrm>
+              <a:prstGeom prst="rect">
+                <a:avLst/>
+              </a:prstGeom>
+              <a:solidFill>
+                <a:srgbClr val="0070C0"/>
+              </a:solidFill>
+              <a:ln>
+                <a:noFill/>
+              </a:ln>
+            </p:spPr>
+            <p:style>
+              <a:lnRef idx="2">
+                <a:schemeClr val="accent1">
+                  <a:shade val="50000"/>
+                </a:schemeClr>
+              </a:lnRef>
+              <a:fillRef idx="1">
+                <a:schemeClr val="accent1"/>
+              </a:fillRef>
+              <a:effectRef idx="0">
+                <a:schemeClr val="accent1"/>
+              </a:effectRef>
+              <a:fontRef idx="minor">
+                <a:schemeClr val="lt1"/>
+              </a:fontRef>
+            </p:style>
+            <p:txBody>
+              <a:bodyPr rtlCol="0" anchor="ctr"/>
+              <a:lstStyle/>
+              <a:p>
+                <a:pPr algn="ctr"/>
+                <a:endParaRPr lang="en-SG"/>
+              </a:p>
+            </p:txBody>
+          </p:sp>
+          <p:sp>
+            <p:nvSpPr>
+              <p:cNvPr id="104" name="TextBox 103">
+                <a:extLst>
+                  <a:ext uri="{FF2B5EF4-FFF2-40B4-BE49-F238E27FC236}">
+                    <a16:creationId xmlns:a16="http://schemas.microsoft.com/office/drawing/2014/main" id="{C38B1122-35B0-4800-BADE-079212D3EBFA}"/>
+                  </a:ext>
+                </a:extLst>
+              </p:cNvPr>
+              <p:cNvSpPr txBox="1"/>
+              <p:nvPr/>
+            </p:nvSpPr>
+            <p:spPr>
+              <a:xfrm>
+                <a:off x="7248792" y="2583686"/>
+                <a:ext cx="1638300" cy="646331"/>
+              </a:xfrm>
+              <a:prstGeom prst="rect">
+                <a:avLst/>
+              </a:prstGeom>
+              <a:solidFill>
+                <a:srgbClr val="0070C0"/>
+              </a:solidFill>
+            </p:spPr>
+            <p:txBody>
+              <a:bodyPr wrap="square" rtlCol="0">
+                <a:spAutoFit/>
+              </a:bodyPr>
+              <a:lstStyle/>
+              <a:p>
+                <a:pPr algn="ctr"/>
+                <a:r>
+                  <a:rPr lang="en-SG" dirty="0">
+                    <a:solidFill>
+                      <a:schemeClr val="bg1"/>
+                    </a:solidFill>
+                  </a:rPr>
+                  <a:t>f:Feedback</a:t>
+                </a:r>
+              </a:p>
+              <a:p>
+                <a:pPr algn="ctr"/>
+                <a:r>
+                  <a:rPr lang="en-SG" dirty="0">
+                    <a:solidFill>
+                      <a:schemeClr val="bg1"/>
+                    </a:solidFill>
+                  </a:rPr>
+                  <a:t>Command</a:t>
+                </a:r>
+              </a:p>
+            </p:txBody>
+          </p:sp>
+          <p:cxnSp>
+            <p:nvCxnSpPr>
+              <p:cNvPr id="105" name="Straight Connector 104">
+                <a:extLst>
+                  <a:ext uri="{FF2B5EF4-FFF2-40B4-BE49-F238E27FC236}">
+                    <a16:creationId xmlns:a16="http://schemas.microsoft.com/office/drawing/2014/main" id="{8EBE1842-0731-42C8-8AA1-B0EAE1534B51}"/>
+                  </a:ext>
+                </a:extLst>
+              </p:cNvPr>
+              <p:cNvCxnSpPr>
+                <a:cxnSpLocks/>
+                <a:stCxn id="94" idx="2"/>
+                <a:endCxn id="107" idx="0"/>
+              </p:cNvCxnSpPr>
+              <p:nvPr/>
+            </p:nvCxnSpPr>
+            <p:spPr>
+              <a:xfrm>
+                <a:off x="8067940" y="4171950"/>
+                <a:ext cx="0" cy="614572"/>
+              </a:xfrm>
+              <a:prstGeom prst="line">
+                <a:avLst/>
+              </a:prstGeom>
+              <a:ln w="28575">
+                <a:solidFill>
+                  <a:srgbClr val="0070C0"/>
+                </a:solidFill>
+                <a:prstDash val="sysDot"/>
+              </a:ln>
+            </p:spPr>
+            <p:style>
+              <a:lnRef idx="1">
+                <a:schemeClr val="accent1"/>
+              </a:lnRef>
+              <a:fillRef idx="0">
+                <a:schemeClr val="accent1"/>
+              </a:fillRef>
+              <a:effectRef idx="0">
+                <a:schemeClr val="accent1"/>
+              </a:effectRef>
+              <a:fontRef idx="minor">
+                <a:schemeClr val="tx1"/>
+              </a:fontRef>
+            </p:style>
+          </p:cxnSp>
+          <p:sp>
+            <p:nvSpPr>
+              <p:cNvPr id="107" name="Rectangle 106">
+                <a:extLst>
+                  <a:ext uri="{FF2B5EF4-FFF2-40B4-BE49-F238E27FC236}">
+                    <a16:creationId xmlns:a16="http://schemas.microsoft.com/office/drawing/2014/main" id="{77DFD030-48AE-4E95-88D3-6713545E25EE}"/>
+                  </a:ext>
+                </a:extLst>
+              </p:cNvPr>
+              <p:cNvSpPr/>
+              <p:nvPr/>
+            </p:nvSpPr>
+            <p:spPr>
+              <a:xfrm>
+                <a:off x="7972791" y="4786522"/>
+                <a:ext cx="190297" cy="1253853"/>
+              </a:xfrm>
+              <a:prstGeom prst="rect">
+                <a:avLst/>
+              </a:prstGeom>
+              <a:solidFill>
+                <a:srgbClr val="0070C0"/>
+              </a:solidFill>
+              <a:ln>
+                <a:noFill/>
+              </a:ln>
+            </p:spPr>
+            <p:style>
+              <a:lnRef idx="2">
+                <a:schemeClr val="accent1">
+                  <a:shade val="50000"/>
+                </a:schemeClr>
+              </a:lnRef>
+              <a:fillRef idx="1">
+                <a:schemeClr val="accent1"/>
+              </a:fillRef>
+              <a:effectRef idx="0">
+                <a:schemeClr val="accent1"/>
+              </a:effectRef>
+              <a:fontRef idx="minor">
+                <a:schemeClr val="lt1"/>
+              </a:fontRef>
+            </p:style>
+            <p:txBody>
+              <a:bodyPr rtlCol="0" anchor="ctr"/>
+              <a:lstStyle/>
+              <a:p>
+                <a:pPr algn="ctr"/>
+                <a:endParaRPr lang="en-SG"/>
+              </a:p>
+            </p:txBody>
+          </p:sp>
+          <p:sp>
+            <p:nvSpPr>
+              <p:cNvPr id="108" name="Rectangle 107">
+                <a:extLst>
+                  <a:ext uri="{FF2B5EF4-FFF2-40B4-BE49-F238E27FC236}">
+                    <a16:creationId xmlns:a16="http://schemas.microsoft.com/office/drawing/2014/main" id="{7C9D97CF-AEAA-4E2C-A30F-F58D08C3376D}"/>
+                  </a:ext>
+                </a:extLst>
+              </p:cNvPr>
+              <p:cNvSpPr/>
+              <p:nvPr/>
+            </p:nvSpPr>
+            <p:spPr>
+              <a:xfrm>
+                <a:off x="9325692" y="5839745"/>
+                <a:ext cx="190297" cy="111889"/>
+              </a:xfrm>
+              <a:prstGeom prst="rect">
+                <a:avLst/>
+              </a:prstGeom>
+              <a:solidFill>
+                <a:srgbClr val="0070C0"/>
+              </a:solidFill>
+              <a:ln>
+                <a:noFill/>
+              </a:ln>
+            </p:spPr>
+            <p:style>
+              <a:lnRef idx="2">
+                <a:schemeClr val="accent1">
+                  <a:shade val="50000"/>
+                </a:schemeClr>
+              </a:lnRef>
+              <a:fillRef idx="1">
+                <a:schemeClr val="accent1"/>
+              </a:fillRef>
+              <a:effectRef idx="0">
+                <a:schemeClr val="accent1"/>
+              </a:effectRef>
+              <a:fontRef idx="minor">
+                <a:schemeClr val="lt1"/>
+              </a:fontRef>
+            </p:style>
+            <p:txBody>
+              <a:bodyPr rtlCol="0" anchor="ctr"/>
+              <a:lstStyle/>
+              <a:p>
+                <a:pPr algn="ctr"/>
+                <a:endParaRPr lang="en-SG"/>
+              </a:p>
+            </p:txBody>
+          </p:sp>
+          <p:sp>
+            <p:nvSpPr>
+              <p:cNvPr id="109" name="TextBox 108">
+                <a:extLst>
+                  <a:ext uri="{FF2B5EF4-FFF2-40B4-BE49-F238E27FC236}">
+                    <a16:creationId xmlns:a16="http://schemas.microsoft.com/office/drawing/2014/main" id="{0D831C1C-B384-4EC2-8ACD-E2B9BBC8466D}"/>
+                  </a:ext>
+                </a:extLst>
+              </p:cNvPr>
+              <p:cNvSpPr txBox="1"/>
+              <p:nvPr/>
+            </p:nvSpPr>
+            <p:spPr>
+              <a:xfrm>
+                <a:off x="8601692" y="5193414"/>
+                <a:ext cx="1790815" cy="646331"/>
+              </a:xfrm>
+              <a:prstGeom prst="rect">
+                <a:avLst/>
+              </a:prstGeom>
+              <a:solidFill>
+                <a:srgbClr val="0070C0"/>
+              </a:solidFill>
+            </p:spPr>
+            <p:txBody>
+              <a:bodyPr wrap="square" rtlCol="0">
+                <a:spAutoFit/>
+              </a:bodyPr>
+              <a:lstStyle/>
+              <a:p>
+                <a:pPr algn="ctr"/>
+                <a:r>
+                  <a:rPr lang="en-SG" dirty="0" err="1">
+                    <a:solidFill>
+                      <a:schemeClr val="bg1"/>
+                    </a:solidFill>
+                  </a:rPr>
+                  <a:t>result:CommandResult</a:t>
+                </a:r>
+                <a:endParaRPr lang="en-SG" dirty="0">
+                  <a:solidFill>
+                    <a:schemeClr val="bg1"/>
+                  </a:solidFill>
+                </a:endParaRPr>
+              </a:p>
+            </p:txBody>
+          </p:sp>
+          <p:cxnSp>
+            <p:nvCxnSpPr>
+              <p:cNvPr id="117" name="Straight Connector 116">
+                <a:extLst>
+                  <a:ext uri="{FF2B5EF4-FFF2-40B4-BE49-F238E27FC236}">
+                    <a16:creationId xmlns:a16="http://schemas.microsoft.com/office/drawing/2014/main" id="{43FB4EDE-D629-40CD-9639-521437DD371F}"/>
+                  </a:ext>
+                </a:extLst>
+              </p:cNvPr>
+              <p:cNvCxnSpPr>
+                <a:cxnSpLocks/>
+                <a:stCxn id="76" idx="2"/>
+              </p:cNvCxnSpPr>
+              <p:nvPr/>
+            </p:nvCxnSpPr>
+            <p:spPr>
+              <a:xfrm flipH="1">
+                <a:off x="4020583" y="4394580"/>
+                <a:ext cx="4204" cy="249067"/>
+              </a:xfrm>
+              <a:prstGeom prst="line">
+                <a:avLst/>
+              </a:prstGeom>
+              <a:ln w="28575">
+                <a:solidFill>
+                  <a:srgbClr val="0070C0"/>
+                </a:solidFill>
+                <a:prstDash val="sysDot"/>
+              </a:ln>
+            </p:spPr>
+            <p:style>
+              <a:lnRef idx="1">
+                <a:schemeClr val="accent1"/>
+              </a:lnRef>
+              <a:fillRef idx="0">
+                <a:schemeClr val="accent1"/>
+              </a:fillRef>
+              <a:effectRef idx="0">
+                <a:schemeClr val="accent1"/>
+              </a:effectRef>
+              <a:fontRef idx="minor">
+                <a:schemeClr val="tx1"/>
+              </a:fontRef>
+            </p:style>
+          </p:cxnSp>
+          <p:cxnSp>
+            <p:nvCxnSpPr>
+              <p:cNvPr id="118" name="Straight Connector 117">
+                <a:extLst>
+                  <a:ext uri="{FF2B5EF4-FFF2-40B4-BE49-F238E27FC236}">
+                    <a16:creationId xmlns:a16="http://schemas.microsoft.com/office/drawing/2014/main" id="{85F001B6-ABD1-47BB-823B-788C91456F9F}"/>
+                  </a:ext>
+                </a:extLst>
+              </p:cNvPr>
+              <p:cNvCxnSpPr>
+                <a:cxnSpLocks/>
+                <a:stCxn id="107" idx="2"/>
+              </p:cNvCxnSpPr>
+              <p:nvPr/>
+            </p:nvCxnSpPr>
+            <p:spPr>
+              <a:xfrm>
+                <a:off x="8067940" y="6040375"/>
+                <a:ext cx="0" cy="322324"/>
+              </a:xfrm>
+              <a:prstGeom prst="line">
+                <a:avLst/>
+              </a:prstGeom>
+              <a:ln w="28575">
+                <a:solidFill>
+                  <a:srgbClr val="0070C0"/>
+                </a:solidFill>
+                <a:prstDash val="sysDot"/>
+              </a:ln>
+            </p:spPr>
+            <p:style>
+              <a:lnRef idx="1">
+                <a:schemeClr val="accent1"/>
+              </a:lnRef>
+              <a:fillRef idx="0">
+                <a:schemeClr val="accent1"/>
+              </a:fillRef>
+              <a:effectRef idx="0">
+                <a:schemeClr val="accent1"/>
+              </a:effectRef>
+              <a:fontRef idx="minor">
+                <a:schemeClr val="tx1"/>
+              </a:fontRef>
+            </p:style>
+          </p:cxnSp>
+          <p:cxnSp>
+            <p:nvCxnSpPr>
+              <p:cNvPr id="120" name="Straight Arrow Connector 119">
+                <a:extLst>
+                  <a:ext uri="{FF2B5EF4-FFF2-40B4-BE49-F238E27FC236}">
+                    <a16:creationId xmlns:a16="http://schemas.microsoft.com/office/drawing/2014/main" id="{C0608DE3-616B-4726-9E11-E5B96A5A7764}"/>
+                  </a:ext>
+                </a:extLst>
+              </p:cNvPr>
+              <p:cNvCxnSpPr/>
+              <p:nvPr/>
+            </p:nvCxnSpPr>
+            <p:spPr>
+              <a:xfrm>
+                <a:off x="2143063" y="2403730"/>
+                <a:ext cx="1782370" cy="0"/>
+              </a:xfrm>
+              <a:prstGeom prst="straightConnector1">
+                <a:avLst/>
+              </a:prstGeom>
+              <a:ln w="38100">
+                <a:solidFill>
+                  <a:srgbClr val="0070C0"/>
+                </a:solidFill>
+                <a:tailEnd type="triangle"/>
+              </a:ln>
+            </p:spPr>
+            <p:style>
+              <a:lnRef idx="1">
+                <a:schemeClr val="accent1"/>
+              </a:lnRef>
+              <a:fillRef idx="0">
+                <a:schemeClr val="accent1"/>
+              </a:fillRef>
+              <a:effectRef idx="0">
+                <a:schemeClr val="accent1"/>
+              </a:effectRef>
+              <a:fontRef idx="minor">
+                <a:schemeClr val="tx1"/>
+              </a:fontRef>
+            </p:style>
+          </p:cxnSp>
+          <p:cxnSp>
+            <p:nvCxnSpPr>
+              <p:cNvPr id="121" name="Straight Arrow Connector 120">
+                <a:extLst>
+                  <a:ext uri="{FF2B5EF4-FFF2-40B4-BE49-F238E27FC236}">
+                    <a16:creationId xmlns:a16="http://schemas.microsoft.com/office/drawing/2014/main" id="{04B94078-79CE-4231-9FD2-3FBC975E825C}"/>
+                  </a:ext>
+                </a:extLst>
+              </p:cNvPr>
+              <p:cNvCxnSpPr>
+                <a:cxnSpLocks/>
+              </p:cNvCxnSpPr>
+              <p:nvPr/>
+            </p:nvCxnSpPr>
+            <p:spPr>
+              <a:xfrm flipH="1">
+                <a:off x="2143063" y="4374710"/>
+                <a:ext cx="1782371" cy="0"/>
+              </a:xfrm>
+              <a:prstGeom prst="straightConnector1">
+                <a:avLst/>
+              </a:prstGeom>
+              <a:ln w="38100">
+                <a:solidFill>
+                  <a:srgbClr val="0070C0"/>
+                </a:solidFill>
+                <a:prstDash val="sysDot"/>
+                <a:tailEnd type="triangle"/>
+              </a:ln>
+            </p:spPr>
+            <p:style>
+              <a:lnRef idx="1">
+                <a:schemeClr val="accent1"/>
+              </a:lnRef>
+              <a:fillRef idx="0">
+                <a:schemeClr val="accent1"/>
+              </a:fillRef>
+              <a:effectRef idx="0">
+                <a:schemeClr val="accent1"/>
+              </a:effectRef>
+              <a:fontRef idx="minor">
+                <a:schemeClr val="tx1"/>
+              </a:fontRef>
+            </p:style>
+          </p:cxnSp>
+          <p:cxnSp>
+            <p:nvCxnSpPr>
+              <p:cNvPr id="123" name="Straight Arrow Connector 122">
+                <a:extLst>
+                  <a:ext uri="{FF2B5EF4-FFF2-40B4-BE49-F238E27FC236}">
+                    <a16:creationId xmlns:a16="http://schemas.microsoft.com/office/drawing/2014/main" id="{FA6C285F-D9B0-4B88-A105-0735FA700C88}"/>
+                  </a:ext>
+                </a:extLst>
+              </p:cNvPr>
+              <p:cNvCxnSpPr>
+                <a:cxnSpLocks/>
+              </p:cNvCxnSpPr>
+              <p:nvPr/>
+            </p:nvCxnSpPr>
+            <p:spPr>
+              <a:xfrm flipH="1">
+                <a:off x="4114187" y="4258000"/>
+                <a:ext cx="1782371" cy="0"/>
+              </a:xfrm>
+              <a:prstGeom prst="straightConnector1">
+                <a:avLst/>
+              </a:prstGeom>
+              <a:ln w="38100">
+                <a:solidFill>
+                  <a:srgbClr val="0070C0"/>
+                </a:solidFill>
+                <a:prstDash val="sysDot"/>
+                <a:tailEnd type="triangle"/>
+              </a:ln>
+            </p:spPr>
+            <p:style>
+              <a:lnRef idx="1">
+                <a:schemeClr val="accent1"/>
+              </a:lnRef>
+              <a:fillRef idx="0">
+                <a:schemeClr val="accent1"/>
+              </a:fillRef>
+              <a:effectRef idx="0">
+                <a:schemeClr val="accent1"/>
+              </a:effectRef>
+              <a:fontRef idx="minor">
+                <a:schemeClr val="tx1"/>
+              </a:fontRef>
+            </p:style>
+          </p:cxnSp>
+          <p:cxnSp>
+            <p:nvCxnSpPr>
+              <p:cNvPr id="124" name="Straight Arrow Connector 123">
+                <a:extLst>
+                  <a:ext uri="{FF2B5EF4-FFF2-40B4-BE49-F238E27FC236}">
+                    <a16:creationId xmlns:a16="http://schemas.microsoft.com/office/drawing/2014/main" id="{E63DDA2F-1E80-4DB2-9494-1A7E05568FC0}"/>
+                  </a:ext>
+                </a:extLst>
+              </p:cNvPr>
+              <p:cNvCxnSpPr/>
+              <p:nvPr/>
+            </p:nvCxnSpPr>
+            <p:spPr>
+              <a:xfrm>
+                <a:off x="4114187" y="3041218"/>
+                <a:ext cx="1782370" cy="0"/>
+              </a:xfrm>
+              <a:prstGeom prst="straightConnector1">
+                <a:avLst/>
+              </a:prstGeom>
+              <a:ln w="38100">
+                <a:solidFill>
+                  <a:srgbClr val="0070C0"/>
+                </a:solidFill>
+                <a:tailEnd type="triangle"/>
+              </a:ln>
+            </p:spPr>
+            <p:style>
+              <a:lnRef idx="1">
+                <a:schemeClr val="accent1"/>
+              </a:lnRef>
+              <a:fillRef idx="0">
+                <a:schemeClr val="accent1"/>
+              </a:fillRef>
+              <a:effectRef idx="0">
+                <a:schemeClr val="accent1"/>
+              </a:effectRef>
+              <a:fontRef idx="minor">
+                <a:schemeClr val="tx1"/>
+              </a:fontRef>
+            </p:style>
+          </p:cxnSp>
+          <p:cxnSp>
+            <p:nvCxnSpPr>
+              <p:cNvPr id="125" name="Straight Arrow Connector 124">
+                <a:extLst>
+                  <a:ext uri="{FF2B5EF4-FFF2-40B4-BE49-F238E27FC236}">
+                    <a16:creationId xmlns:a16="http://schemas.microsoft.com/office/drawing/2014/main" id="{AA666BBB-8483-4F06-8B15-B1A4BDDB3525}"/>
+                  </a:ext>
+                </a:extLst>
+              </p:cNvPr>
+              <p:cNvCxnSpPr>
+                <a:cxnSpLocks/>
+              </p:cNvCxnSpPr>
+              <p:nvPr/>
+            </p:nvCxnSpPr>
+            <p:spPr>
+              <a:xfrm>
+                <a:off x="4114187" y="2462604"/>
+                <a:ext cx="782312" cy="0"/>
+              </a:xfrm>
+              <a:prstGeom prst="straightConnector1">
+                <a:avLst/>
+              </a:prstGeom>
+              <a:ln w="38100">
+                <a:solidFill>
+                  <a:srgbClr val="0070C0"/>
+                </a:solidFill>
+                <a:tailEnd type="triangle"/>
+              </a:ln>
+            </p:spPr>
+            <p:style>
+              <a:lnRef idx="1">
+                <a:schemeClr val="accent1"/>
+              </a:lnRef>
+              <a:fillRef idx="0">
+                <a:schemeClr val="accent1"/>
+              </a:fillRef>
+              <a:effectRef idx="0">
+                <a:schemeClr val="accent1"/>
+              </a:effectRef>
+              <a:fontRef idx="minor">
+                <a:schemeClr val="tx1"/>
+              </a:fontRef>
+            </p:style>
+          </p:cxnSp>
+          <p:cxnSp>
+            <p:nvCxnSpPr>
+              <p:cNvPr id="126" name="Straight Arrow Connector 125">
+                <a:extLst>
+                  <a:ext uri="{FF2B5EF4-FFF2-40B4-BE49-F238E27FC236}">
+                    <a16:creationId xmlns:a16="http://schemas.microsoft.com/office/drawing/2014/main" id="{B627A21B-E80B-432E-BEC2-6CB5B029FE63}"/>
+                  </a:ext>
+                </a:extLst>
+              </p:cNvPr>
+              <p:cNvCxnSpPr>
+                <a:cxnSpLocks/>
+              </p:cNvCxnSpPr>
+              <p:nvPr/>
+            </p:nvCxnSpPr>
+            <p:spPr>
+              <a:xfrm>
+                <a:off x="2143063" y="4813555"/>
+                <a:ext cx="5829728" cy="0"/>
+              </a:xfrm>
+              <a:prstGeom prst="straightConnector1">
+                <a:avLst/>
+              </a:prstGeom>
+              <a:ln w="38100">
+                <a:solidFill>
+                  <a:srgbClr val="0070C0"/>
+                </a:solidFill>
+                <a:tailEnd type="triangle"/>
+              </a:ln>
+            </p:spPr>
+            <p:style>
+              <a:lnRef idx="1">
+                <a:schemeClr val="accent1"/>
+              </a:lnRef>
+              <a:fillRef idx="0">
+                <a:schemeClr val="accent1"/>
+              </a:fillRef>
+              <a:effectRef idx="0">
+                <a:schemeClr val="accent1"/>
+              </a:effectRef>
+              <a:fontRef idx="minor">
+                <a:schemeClr val="tx1"/>
+              </a:fontRef>
+            </p:style>
+          </p:cxnSp>
+          <p:cxnSp>
+            <p:nvCxnSpPr>
+              <p:cNvPr id="129" name="Straight Arrow Connector 128">
+                <a:extLst>
+                  <a:ext uri="{FF2B5EF4-FFF2-40B4-BE49-F238E27FC236}">
+                    <a16:creationId xmlns:a16="http://schemas.microsoft.com/office/drawing/2014/main" id="{B3C61686-59A6-4C99-AB8C-A4BFBC0FE80D}"/>
+                  </a:ext>
+                </a:extLst>
+              </p:cNvPr>
+              <p:cNvCxnSpPr>
+                <a:cxnSpLocks/>
+              </p:cNvCxnSpPr>
+              <p:nvPr/>
+            </p:nvCxnSpPr>
+            <p:spPr>
+              <a:xfrm flipH="1">
+                <a:off x="2143063" y="6024060"/>
+                <a:ext cx="5829729" cy="0"/>
+              </a:xfrm>
+              <a:prstGeom prst="straightConnector1">
+                <a:avLst/>
+              </a:prstGeom>
+              <a:ln w="38100">
+                <a:solidFill>
+                  <a:srgbClr val="0070C0"/>
+                </a:solidFill>
+                <a:prstDash val="sysDot"/>
+                <a:tailEnd type="triangle"/>
+              </a:ln>
+            </p:spPr>
+            <p:style>
+              <a:lnRef idx="1">
+                <a:schemeClr val="accent1"/>
+              </a:lnRef>
+              <a:fillRef idx="0">
+                <a:schemeClr val="accent1"/>
+              </a:fillRef>
+              <a:effectRef idx="0">
+                <a:schemeClr val="accent1"/>
+              </a:effectRef>
+              <a:fontRef idx="minor">
+                <a:schemeClr val="tx1"/>
+              </a:fontRef>
+            </p:style>
+          </p:cxnSp>
+          <p:cxnSp>
+            <p:nvCxnSpPr>
+              <p:cNvPr id="130" name="Straight Arrow Connector 129">
+                <a:extLst>
+                  <a:ext uri="{FF2B5EF4-FFF2-40B4-BE49-F238E27FC236}">
+                    <a16:creationId xmlns:a16="http://schemas.microsoft.com/office/drawing/2014/main" id="{055FB4EB-7510-4E84-86F6-75FC8F27AEC9}"/>
+                  </a:ext>
+                </a:extLst>
+              </p:cNvPr>
+              <p:cNvCxnSpPr>
+                <a:cxnSpLocks/>
+              </p:cNvCxnSpPr>
+              <p:nvPr/>
+            </p:nvCxnSpPr>
+            <p:spPr>
+              <a:xfrm>
+                <a:off x="8163088" y="5460873"/>
+                <a:ext cx="438605" cy="0"/>
+              </a:xfrm>
+              <a:prstGeom prst="straightConnector1">
+                <a:avLst/>
+              </a:prstGeom>
+              <a:ln w="38100">
+                <a:solidFill>
+                  <a:srgbClr val="0070C0"/>
+                </a:solidFill>
+                <a:tailEnd type="triangle"/>
+              </a:ln>
+            </p:spPr>
+            <p:style>
+              <a:lnRef idx="1">
+                <a:schemeClr val="accent1"/>
+              </a:lnRef>
+              <a:fillRef idx="0">
+                <a:schemeClr val="accent1"/>
+              </a:fillRef>
+              <a:effectRef idx="0">
+                <a:schemeClr val="accent1"/>
+              </a:effectRef>
+              <a:fontRef idx="minor">
+                <a:schemeClr val="tx1"/>
+              </a:fontRef>
+            </p:style>
+          </p:cxnSp>
+          <p:cxnSp>
+            <p:nvCxnSpPr>
+              <p:cNvPr id="131" name="Straight Arrow Connector 130">
+                <a:extLst>
+                  <a:ext uri="{FF2B5EF4-FFF2-40B4-BE49-F238E27FC236}">
+                    <a16:creationId xmlns:a16="http://schemas.microsoft.com/office/drawing/2014/main" id="{823DED0A-97D6-4B7A-A0E5-DA56F85F3419}"/>
+                  </a:ext>
+                </a:extLst>
+              </p:cNvPr>
+              <p:cNvCxnSpPr>
+                <a:cxnSpLocks/>
+              </p:cNvCxnSpPr>
+              <p:nvPr/>
+            </p:nvCxnSpPr>
+            <p:spPr>
+              <a:xfrm flipH="1">
+                <a:off x="8163088" y="5932584"/>
+                <a:ext cx="1162605" cy="0"/>
+              </a:xfrm>
+              <a:prstGeom prst="straightConnector1">
+                <a:avLst/>
+              </a:prstGeom>
+              <a:ln w="38100">
+                <a:solidFill>
+                  <a:srgbClr val="0070C0"/>
+                </a:solidFill>
+                <a:prstDash val="sysDot"/>
+                <a:tailEnd type="triangle"/>
+              </a:ln>
+            </p:spPr>
+            <p:style>
+              <a:lnRef idx="1">
+                <a:schemeClr val="accent1"/>
+              </a:lnRef>
+              <a:fillRef idx="0">
+                <a:schemeClr val="accent1"/>
+              </a:fillRef>
+              <a:effectRef idx="0">
+                <a:schemeClr val="accent1"/>
+              </a:effectRef>
+              <a:fontRef idx="minor">
+                <a:schemeClr val="tx1"/>
+              </a:fontRef>
+            </p:style>
+          </p:cxnSp>
+          <p:cxnSp>
+            <p:nvCxnSpPr>
+              <p:cNvPr id="132" name="Straight Arrow Connector 131">
+                <a:extLst>
+                  <a:ext uri="{FF2B5EF4-FFF2-40B4-BE49-F238E27FC236}">
+                    <a16:creationId xmlns:a16="http://schemas.microsoft.com/office/drawing/2014/main" id="{76643AD5-7DE3-42E2-BEF5-85A30396FFBE}"/>
+                  </a:ext>
+                </a:extLst>
+              </p:cNvPr>
+              <p:cNvCxnSpPr>
+                <a:cxnSpLocks/>
+              </p:cNvCxnSpPr>
+              <p:nvPr/>
+            </p:nvCxnSpPr>
+            <p:spPr>
+              <a:xfrm>
+                <a:off x="133350" y="2273475"/>
+                <a:ext cx="1819452" cy="0"/>
+              </a:xfrm>
+              <a:prstGeom prst="straightConnector1">
+                <a:avLst/>
+              </a:prstGeom>
+              <a:ln w="38100">
+                <a:solidFill>
+                  <a:schemeClr val="accent6"/>
+                </a:solidFill>
+                <a:tailEnd type="triangle"/>
+              </a:ln>
+            </p:spPr>
+            <p:style>
+              <a:lnRef idx="1">
+                <a:schemeClr val="accent1"/>
+              </a:lnRef>
+              <a:fillRef idx="0">
+                <a:schemeClr val="accent1"/>
+              </a:fillRef>
+              <a:effectRef idx="0">
+                <a:schemeClr val="accent1"/>
+              </a:effectRef>
+              <a:fontRef idx="minor">
+                <a:schemeClr val="tx1"/>
+              </a:fontRef>
+            </p:style>
+          </p:cxnSp>
+          <p:cxnSp>
+            <p:nvCxnSpPr>
+              <p:cNvPr id="133" name="Straight Arrow Connector 132">
+                <a:extLst>
+                  <a:ext uri="{FF2B5EF4-FFF2-40B4-BE49-F238E27FC236}">
+                    <a16:creationId xmlns:a16="http://schemas.microsoft.com/office/drawing/2014/main" id="{56DAD07C-20E1-40EC-9FCF-B11A10415F2D}"/>
+                  </a:ext>
+                </a:extLst>
+              </p:cNvPr>
+              <p:cNvCxnSpPr>
+                <a:cxnSpLocks/>
+              </p:cNvCxnSpPr>
+              <p:nvPr/>
+            </p:nvCxnSpPr>
+            <p:spPr>
+              <a:xfrm flipH="1">
+                <a:off x="133350" y="6333813"/>
+                <a:ext cx="1819454" cy="0"/>
+              </a:xfrm>
+              <a:prstGeom prst="straightConnector1">
+                <a:avLst/>
+              </a:prstGeom>
+              <a:ln w="38100">
+                <a:solidFill>
+                  <a:srgbClr val="0070C0"/>
+                </a:solidFill>
+                <a:prstDash val="sysDot"/>
+                <a:tailEnd type="triangle"/>
+              </a:ln>
+            </p:spPr>
+            <p:style>
+              <a:lnRef idx="1">
+                <a:schemeClr val="accent1"/>
+              </a:lnRef>
+              <a:fillRef idx="0">
+                <a:schemeClr val="accent1"/>
+              </a:fillRef>
+              <a:effectRef idx="0">
+                <a:schemeClr val="accent1"/>
+              </a:effectRef>
+              <a:fontRef idx="minor">
+                <a:schemeClr val="tx1"/>
+              </a:fontRef>
+            </p:style>
+          </p:cxnSp>
+          <p:sp>
+            <p:nvSpPr>
+              <p:cNvPr id="135" name="TextBox 134">
+                <a:extLst>
+                  <a:ext uri="{FF2B5EF4-FFF2-40B4-BE49-F238E27FC236}">
+                    <a16:creationId xmlns:a16="http://schemas.microsoft.com/office/drawing/2014/main" id="{E865ADB2-8668-4572-8FDD-CED010B43CAF}"/>
+                  </a:ext>
+                </a:extLst>
+              </p:cNvPr>
+              <p:cNvSpPr txBox="1"/>
+              <p:nvPr/>
+            </p:nvSpPr>
+            <p:spPr>
+              <a:xfrm>
+                <a:off x="-48583" y="1953413"/>
+                <a:ext cx="2100511" cy="276999"/>
+              </a:xfrm>
+              <a:prstGeom prst="rect">
+                <a:avLst/>
+              </a:prstGeom>
+              <a:noFill/>
+            </p:spPr>
+            <p:txBody>
+              <a:bodyPr wrap="none" rtlCol="0">
+                <a:spAutoFit/>
+              </a:bodyPr>
+              <a:lstStyle/>
+              <a:p>
+                <a:r>
+                  <a:rPr lang="en-SG" sz="1200" dirty="0">
+                    <a:solidFill>
+                      <a:srgbClr val="0070C0"/>
+                    </a:solidFill>
+                  </a:rPr>
+                  <a:t>execute(“feedback 1 fb/wow”)</a:t>
+                </a:r>
+              </a:p>
+            </p:txBody>
+          </p:sp>
+          <p:sp>
+            <p:nvSpPr>
+              <p:cNvPr id="136" name="TextBox 135">
+                <a:extLst>
+                  <a:ext uri="{FF2B5EF4-FFF2-40B4-BE49-F238E27FC236}">
+                    <a16:creationId xmlns:a16="http://schemas.microsoft.com/office/drawing/2014/main" id="{BE473C82-A0E1-4082-B403-67A05D0DFC8C}"/>
+                  </a:ext>
+                </a:extLst>
+              </p:cNvPr>
+              <p:cNvSpPr txBox="1"/>
+              <p:nvPr/>
+            </p:nvSpPr>
+            <p:spPr>
+              <a:xfrm>
+                <a:off x="1059846" y="5963699"/>
+                <a:ext cx="718658" cy="369332"/>
+              </a:xfrm>
+              <a:prstGeom prst="rect">
+                <a:avLst/>
+              </a:prstGeom>
+              <a:noFill/>
+            </p:spPr>
+            <p:txBody>
+              <a:bodyPr wrap="none" rtlCol="0">
+                <a:spAutoFit/>
+              </a:bodyPr>
+              <a:lstStyle/>
+              <a:p>
+                <a:r>
+                  <a:rPr lang="en-SG" dirty="0">
+                    <a:solidFill>
+                      <a:srgbClr val="0070C0"/>
+                    </a:solidFill>
+                  </a:rPr>
+                  <a:t>result</a:t>
+                </a:r>
+              </a:p>
+            </p:txBody>
+          </p:sp>
+          <p:sp>
+            <p:nvSpPr>
+              <p:cNvPr id="137" name="TextBox 136">
+                <a:extLst>
+                  <a:ext uri="{FF2B5EF4-FFF2-40B4-BE49-F238E27FC236}">
+                    <a16:creationId xmlns:a16="http://schemas.microsoft.com/office/drawing/2014/main" id="{13777251-E456-4BAC-92F1-60C3179A058F}"/>
+                  </a:ext>
+                </a:extLst>
+              </p:cNvPr>
+              <p:cNvSpPr txBox="1"/>
+              <p:nvPr/>
+            </p:nvSpPr>
+            <p:spPr>
+              <a:xfrm>
+                <a:off x="4698598" y="5652423"/>
+                <a:ext cx="718658" cy="369332"/>
+              </a:xfrm>
+              <a:prstGeom prst="rect">
+                <a:avLst/>
+              </a:prstGeom>
+              <a:noFill/>
+            </p:spPr>
+            <p:txBody>
+              <a:bodyPr wrap="none" rtlCol="0">
+                <a:spAutoFit/>
+              </a:bodyPr>
+              <a:lstStyle/>
+              <a:p>
+                <a:r>
+                  <a:rPr lang="en-SG" dirty="0">
+                    <a:solidFill>
+                      <a:srgbClr val="0070C0"/>
+                    </a:solidFill>
+                  </a:rPr>
+                  <a:t>result</a:t>
+                </a:r>
+              </a:p>
+            </p:txBody>
+          </p:sp>
+          <p:sp>
+            <p:nvSpPr>
+              <p:cNvPr id="138" name="TextBox 137">
+                <a:extLst>
+                  <a:ext uri="{FF2B5EF4-FFF2-40B4-BE49-F238E27FC236}">
+                    <a16:creationId xmlns:a16="http://schemas.microsoft.com/office/drawing/2014/main" id="{BE6FCCF9-9D8B-483D-8046-376F98ABDF84}"/>
+                  </a:ext>
+                </a:extLst>
+              </p:cNvPr>
+              <p:cNvSpPr txBox="1"/>
+              <p:nvPr/>
+            </p:nvSpPr>
+            <p:spPr>
+              <a:xfrm>
+                <a:off x="4616193" y="4458981"/>
+                <a:ext cx="1055866" cy="369332"/>
+              </a:xfrm>
+              <a:prstGeom prst="rect">
+                <a:avLst/>
+              </a:prstGeom>
+              <a:noFill/>
+            </p:spPr>
+            <p:txBody>
+              <a:bodyPr wrap="none" rtlCol="0">
+                <a:spAutoFit/>
+              </a:bodyPr>
+              <a:lstStyle/>
+              <a:p>
+                <a:r>
+                  <a:rPr lang="en-SG" dirty="0">
+                    <a:solidFill>
+                      <a:srgbClr val="0070C0"/>
+                    </a:solidFill>
+                  </a:rPr>
+                  <a:t>execute()</a:t>
+                </a:r>
+              </a:p>
+            </p:txBody>
+          </p:sp>
+          <p:sp>
+            <p:nvSpPr>
+              <p:cNvPr id="139" name="TextBox 138">
+                <a:extLst>
+                  <a:ext uri="{FF2B5EF4-FFF2-40B4-BE49-F238E27FC236}">
+                    <a16:creationId xmlns:a16="http://schemas.microsoft.com/office/drawing/2014/main" id="{FF01DAD0-1F9F-4173-864A-49FE915B72F0}"/>
+                  </a:ext>
+                </a:extLst>
+              </p:cNvPr>
+              <p:cNvSpPr txBox="1"/>
+              <p:nvPr/>
+            </p:nvSpPr>
+            <p:spPr>
+              <a:xfrm>
+                <a:off x="2078560" y="2100905"/>
+                <a:ext cx="1955215" cy="276999"/>
+              </a:xfrm>
+              <a:prstGeom prst="rect">
+                <a:avLst/>
+              </a:prstGeom>
+              <a:noFill/>
+            </p:spPr>
+            <p:txBody>
+              <a:bodyPr wrap="none" rtlCol="0">
+                <a:spAutoFit/>
+              </a:bodyPr>
+              <a:lstStyle/>
+              <a:p>
+                <a:r>
+                  <a:rPr lang="en-SG" sz="1200" dirty="0">
+                    <a:solidFill>
+                      <a:srgbClr val="0070C0"/>
+                    </a:solidFill>
+                  </a:rPr>
+                  <a:t>parse(“feedback 1 fb/wow”)</a:t>
+                </a:r>
+              </a:p>
+            </p:txBody>
+          </p:sp>
+          <p:cxnSp>
+            <p:nvCxnSpPr>
+              <p:cNvPr id="140" name="Straight Arrow Connector 139">
+                <a:extLst>
+                  <a:ext uri="{FF2B5EF4-FFF2-40B4-BE49-F238E27FC236}">
+                    <a16:creationId xmlns:a16="http://schemas.microsoft.com/office/drawing/2014/main" id="{8127D1EC-1552-42F4-88F7-AD5173E3F695}"/>
+                  </a:ext>
+                </a:extLst>
+              </p:cNvPr>
+              <p:cNvCxnSpPr>
+                <a:cxnSpLocks/>
+              </p:cNvCxnSpPr>
+              <p:nvPr/>
+            </p:nvCxnSpPr>
+            <p:spPr>
+              <a:xfrm flipH="1">
+                <a:off x="4124141" y="2852276"/>
+                <a:ext cx="1782371" cy="0"/>
+              </a:xfrm>
+              <a:prstGeom prst="straightConnector1">
+                <a:avLst/>
+              </a:prstGeom>
+              <a:ln w="38100">
+                <a:solidFill>
+                  <a:srgbClr val="0070C0"/>
+                </a:solidFill>
+                <a:prstDash val="sysDot"/>
+                <a:tailEnd type="triangle"/>
+              </a:ln>
+            </p:spPr>
+            <p:style>
+              <a:lnRef idx="1">
+                <a:schemeClr val="accent1"/>
+              </a:lnRef>
+              <a:fillRef idx="0">
+                <a:schemeClr val="accent1"/>
+              </a:fillRef>
+              <a:effectRef idx="0">
+                <a:schemeClr val="accent1"/>
+              </a:effectRef>
+              <a:fontRef idx="minor">
+                <a:schemeClr val="tx1"/>
+              </a:fontRef>
+            </p:style>
+          </p:cxnSp>
+          <p:sp>
+            <p:nvSpPr>
+              <p:cNvPr id="141" name="TextBox 140">
+                <a:extLst>
+                  <a:ext uri="{FF2B5EF4-FFF2-40B4-BE49-F238E27FC236}">
+                    <a16:creationId xmlns:a16="http://schemas.microsoft.com/office/drawing/2014/main" id="{05B3A67C-34B9-4EB2-A21E-FEE47607E997}"/>
+                  </a:ext>
+                </a:extLst>
+              </p:cNvPr>
+              <p:cNvSpPr txBox="1"/>
+              <p:nvPr/>
+            </p:nvSpPr>
+            <p:spPr>
+              <a:xfrm>
+                <a:off x="4160777" y="3031280"/>
+                <a:ext cx="1745734" cy="338554"/>
+              </a:xfrm>
+              <a:prstGeom prst="rect">
+                <a:avLst/>
+              </a:prstGeom>
+              <a:noFill/>
+            </p:spPr>
+            <p:txBody>
+              <a:bodyPr wrap="none" rtlCol="0">
+                <a:spAutoFit/>
+              </a:bodyPr>
+              <a:lstStyle/>
+              <a:p>
+                <a:r>
+                  <a:rPr lang="en-SG" sz="1600" dirty="0">
+                    <a:solidFill>
+                      <a:srgbClr val="0070C0"/>
+                    </a:solidFill>
+                  </a:rPr>
+                  <a:t>parse(“1 fb/wow”)</a:t>
+                </a:r>
+              </a:p>
+            </p:txBody>
+          </p:sp>
+          <p:cxnSp>
+            <p:nvCxnSpPr>
+              <p:cNvPr id="142" name="Straight Arrow Connector 141">
+                <a:extLst>
+                  <a:ext uri="{FF2B5EF4-FFF2-40B4-BE49-F238E27FC236}">
+                    <a16:creationId xmlns:a16="http://schemas.microsoft.com/office/drawing/2014/main" id="{92F6575A-6154-4992-9661-3BE3C8EA7D99}"/>
+                  </a:ext>
+                </a:extLst>
+              </p:cNvPr>
+              <p:cNvCxnSpPr>
+                <a:cxnSpLocks/>
+              </p:cNvCxnSpPr>
+              <p:nvPr/>
+            </p:nvCxnSpPr>
+            <p:spPr>
+              <a:xfrm>
+                <a:off x="6072341" y="3048227"/>
+                <a:ext cx="1161937" cy="0"/>
+              </a:xfrm>
+              <a:prstGeom prst="straightConnector1">
+                <a:avLst/>
+              </a:prstGeom>
+              <a:ln w="38100">
+                <a:solidFill>
+                  <a:srgbClr val="0070C0"/>
+                </a:solidFill>
+                <a:tailEnd type="triangle"/>
+              </a:ln>
+            </p:spPr>
+            <p:style>
+              <a:lnRef idx="1">
+                <a:schemeClr val="accent1"/>
+              </a:lnRef>
+              <a:fillRef idx="0">
+                <a:schemeClr val="accent1"/>
+              </a:fillRef>
+              <a:effectRef idx="0">
+                <a:schemeClr val="accent1"/>
+              </a:effectRef>
+              <a:fontRef idx="minor">
+                <a:schemeClr val="tx1"/>
+              </a:fontRef>
+            </p:style>
+          </p:cxnSp>
+          <p:cxnSp>
+            <p:nvCxnSpPr>
+              <p:cNvPr id="143" name="Straight Arrow Connector 142">
+                <a:extLst>
+                  <a:ext uri="{FF2B5EF4-FFF2-40B4-BE49-F238E27FC236}">
+                    <a16:creationId xmlns:a16="http://schemas.microsoft.com/office/drawing/2014/main" id="{332DF62F-DE33-450F-94A7-F4247E9CBEDB}"/>
+                  </a:ext>
+                </a:extLst>
+              </p:cNvPr>
+              <p:cNvCxnSpPr>
+                <a:cxnSpLocks/>
+              </p:cNvCxnSpPr>
+              <p:nvPr/>
+            </p:nvCxnSpPr>
+            <p:spPr>
+              <a:xfrm flipH="1">
+                <a:off x="6086855" y="4140979"/>
+                <a:ext cx="1885937" cy="0"/>
+              </a:xfrm>
+              <a:prstGeom prst="straightConnector1">
+                <a:avLst/>
+              </a:prstGeom>
+              <a:ln w="38100">
+                <a:solidFill>
+                  <a:srgbClr val="0070C0"/>
+                </a:solidFill>
+                <a:prstDash val="sysDot"/>
+                <a:tailEnd type="triangle"/>
+              </a:ln>
+            </p:spPr>
+            <p:style>
+              <a:lnRef idx="1">
+                <a:schemeClr val="accent1"/>
+              </a:lnRef>
+              <a:fillRef idx="0">
+                <a:schemeClr val="accent1"/>
+              </a:fillRef>
+              <a:effectRef idx="0">
+                <a:schemeClr val="accent1"/>
+              </a:effectRef>
+              <a:fontRef idx="minor">
+                <a:schemeClr val="tx1"/>
+              </a:fontRef>
+            </p:style>
+          </p:cxnSp>
+          <p:sp>
+            <p:nvSpPr>
+              <p:cNvPr id="144" name="TextBox 143">
+                <a:extLst>
+                  <a:ext uri="{FF2B5EF4-FFF2-40B4-BE49-F238E27FC236}">
+                    <a16:creationId xmlns:a16="http://schemas.microsoft.com/office/drawing/2014/main" id="{ACB850A6-2C28-4846-AD29-922DFB0AE111}"/>
+                  </a:ext>
+                </a:extLst>
+              </p:cNvPr>
+              <p:cNvSpPr txBox="1"/>
+              <p:nvPr/>
+            </p:nvSpPr>
+            <p:spPr>
+              <a:xfrm>
+                <a:off x="10756005" y="1415629"/>
+                <a:ext cx="1243211" cy="369332"/>
+              </a:xfrm>
+              <a:prstGeom prst="rect">
+                <a:avLst/>
+              </a:prstGeom>
+              <a:solidFill>
+                <a:srgbClr val="B3A2C7"/>
+              </a:solidFill>
+            </p:spPr>
+            <p:txBody>
+              <a:bodyPr wrap="square" rtlCol="0">
+                <a:spAutoFit/>
+              </a:bodyPr>
+              <a:lstStyle/>
+              <a:p>
+                <a:pPr algn="ctr"/>
+                <a:r>
+                  <a:rPr lang="en-SG" dirty="0">
+                    <a:solidFill>
+                      <a:schemeClr val="bg1"/>
+                    </a:solidFill>
+                  </a:rPr>
+                  <a:t>:Model</a:t>
+                </a:r>
+              </a:p>
+            </p:txBody>
+          </p:sp>
+          <p:cxnSp>
+            <p:nvCxnSpPr>
+              <p:cNvPr id="145" name="Straight Connector 144">
+                <a:extLst>
+                  <a:ext uri="{FF2B5EF4-FFF2-40B4-BE49-F238E27FC236}">
+                    <a16:creationId xmlns:a16="http://schemas.microsoft.com/office/drawing/2014/main" id="{DC787FB7-7F69-464D-B549-7018F754C5D5}"/>
+                  </a:ext>
+                </a:extLst>
+              </p:cNvPr>
+              <p:cNvCxnSpPr>
+                <a:cxnSpLocks/>
+                <a:stCxn id="144" idx="2"/>
+                <a:endCxn id="146" idx="0"/>
+              </p:cNvCxnSpPr>
+              <p:nvPr/>
+            </p:nvCxnSpPr>
+            <p:spPr>
+              <a:xfrm>
+                <a:off x="11377611" y="1784961"/>
+                <a:ext cx="8650" cy="3123721"/>
+              </a:xfrm>
+              <a:prstGeom prst="line">
+                <a:avLst/>
+              </a:prstGeom>
+              <a:ln w="28575">
+                <a:solidFill>
+                  <a:srgbClr val="B3A2C7"/>
+                </a:solidFill>
+                <a:prstDash val="sysDot"/>
+              </a:ln>
+            </p:spPr>
+            <p:style>
+              <a:lnRef idx="1">
+                <a:schemeClr val="accent1"/>
+              </a:lnRef>
+              <a:fillRef idx="0">
+                <a:schemeClr val="accent1"/>
+              </a:fillRef>
+              <a:effectRef idx="0">
+                <a:schemeClr val="accent1"/>
+              </a:effectRef>
+              <a:fontRef idx="minor">
+                <a:schemeClr val="tx1"/>
+              </a:fontRef>
+            </p:style>
+          </p:cxnSp>
+          <p:sp>
+            <p:nvSpPr>
+              <p:cNvPr id="146" name="Rectangle 145">
+                <a:extLst>
+                  <a:ext uri="{FF2B5EF4-FFF2-40B4-BE49-F238E27FC236}">
+                    <a16:creationId xmlns:a16="http://schemas.microsoft.com/office/drawing/2014/main" id="{5B623754-E1FD-479A-81EA-4CD4444D95BF}"/>
+                  </a:ext>
+                </a:extLst>
+              </p:cNvPr>
+              <p:cNvSpPr/>
+              <p:nvPr/>
+            </p:nvSpPr>
+            <p:spPr>
+              <a:xfrm>
+                <a:off x="11298882" y="4908682"/>
+                <a:ext cx="174758" cy="227673"/>
+              </a:xfrm>
+              <a:prstGeom prst="rect">
+                <a:avLst/>
+              </a:prstGeom>
+              <a:solidFill>
+                <a:srgbClr val="B3A2C7"/>
+              </a:solidFill>
+              <a:ln>
+                <a:noFill/>
+              </a:ln>
+            </p:spPr>
+            <p:style>
+              <a:lnRef idx="2">
+                <a:schemeClr val="accent1">
+                  <a:shade val="50000"/>
+                </a:schemeClr>
+              </a:lnRef>
+              <a:fillRef idx="1">
+                <a:schemeClr val="accent1"/>
+              </a:fillRef>
+              <a:effectRef idx="0">
+                <a:schemeClr val="accent1"/>
+              </a:effectRef>
+              <a:fontRef idx="minor">
+                <a:schemeClr val="lt1"/>
+              </a:fontRef>
+            </p:style>
+            <p:txBody>
+              <a:bodyPr rtlCol="0" anchor="ctr"/>
+              <a:lstStyle/>
+              <a:p>
+                <a:pPr algn="ctr"/>
+                <a:endParaRPr lang="en-SG"/>
+              </a:p>
+            </p:txBody>
+          </p:sp>
+          <p:cxnSp>
+            <p:nvCxnSpPr>
+              <p:cNvPr id="147" name="Straight Connector 146">
+                <a:extLst>
+                  <a:ext uri="{FF2B5EF4-FFF2-40B4-BE49-F238E27FC236}">
+                    <a16:creationId xmlns:a16="http://schemas.microsoft.com/office/drawing/2014/main" id="{5E5497FC-CC3D-4694-AC80-876E26D79671}"/>
+                  </a:ext>
+                </a:extLst>
+              </p:cNvPr>
+              <p:cNvCxnSpPr>
+                <a:cxnSpLocks/>
+                <a:stCxn id="146" idx="2"/>
+              </p:cNvCxnSpPr>
+              <p:nvPr/>
+            </p:nvCxnSpPr>
+            <p:spPr>
+              <a:xfrm flipH="1">
+                <a:off x="11377611" y="5136355"/>
+                <a:ext cx="8650" cy="1065182"/>
+              </a:xfrm>
+              <a:prstGeom prst="line">
+                <a:avLst/>
+              </a:prstGeom>
+              <a:ln w="28575">
+                <a:solidFill>
+                  <a:srgbClr val="B3A2C7"/>
+                </a:solidFill>
+                <a:prstDash val="sysDot"/>
+              </a:ln>
+            </p:spPr>
+            <p:style>
+              <a:lnRef idx="1">
+                <a:schemeClr val="accent1"/>
+              </a:lnRef>
+              <a:fillRef idx="0">
+                <a:schemeClr val="accent1"/>
+              </a:fillRef>
+              <a:effectRef idx="0">
+                <a:schemeClr val="accent1"/>
+              </a:effectRef>
+              <a:fontRef idx="minor">
+                <a:schemeClr val="tx1"/>
+              </a:fontRef>
+            </p:style>
+          </p:cxnSp>
+          <p:cxnSp>
+            <p:nvCxnSpPr>
+              <p:cNvPr id="148" name="Straight Arrow Connector 147">
+                <a:extLst>
+                  <a:ext uri="{FF2B5EF4-FFF2-40B4-BE49-F238E27FC236}">
+                    <a16:creationId xmlns:a16="http://schemas.microsoft.com/office/drawing/2014/main" id="{A839A8FE-BD49-4362-B430-0BED58048A19}"/>
+                  </a:ext>
+                </a:extLst>
+              </p:cNvPr>
+              <p:cNvCxnSpPr>
+                <a:cxnSpLocks/>
+              </p:cNvCxnSpPr>
+              <p:nvPr/>
+            </p:nvCxnSpPr>
+            <p:spPr>
+              <a:xfrm>
+                <a:off x="8067939" y="4923196"/>
+                <a:ext cx="3230943" cy="0"/>
+              </a:xfrm>
+              <a:prstGeom prst="straightConnector1">
+                <a:avLst/>
+              </a:prstGeom>
+              <a:ln w="38100">
+                <a:solidFill>
+                  <a:srgbClr val="0070C0"/>
+                </a:solidFill>
+                <a:tailEnd type="triangle"/>
+              </a:ln>
+            </p:spPr>
+            <p:style>
+              <a:lnRef idx="1">
+                <a:schemeClr val="accent1"/>
+              </a:lnRef>
+              <a:fillRef idx="0">
+                <a:schemeClr val="accent1"/>
+              </a:fillRef>
+              <a:effectRef idx="0">
+                <a:schemeClr val="accent1"/>
+              </a:effectRef>
+              <a:fontRef idx="minor">
+                <a:schemeClr val="tx1"/>
+              </a:fontRef>
+            </p:style>
+          </p:cxnSp>
+          <p:cxnSp>
+            <p:nvCxnSpPr>
+              <p:cNvPr id="149" name="Straight Arrow Connector 148">
+                <a:extLst>
+                  <a:ext uri="{FF2B5EF4-FFF2-40B4-BE49-F238E27FC236}">
+                    <a16:creationId xmlns:a16="http://schemas.microsoft.com/office/drawing/2014/main" id="{FF65DB5A-0C70-41D8-8AA3-41DFA94936CB}"/>
+                  </a:ext>
+                </a:extLst>
+              </p:cNvPr>
+              <p:cNvCxnSpPr>
+                <a:cxnSpLocks/>
+              </p:cNvCxnSpPr>
+              <p:nvPr/>
+            </p:nvCxnSpPr>
+            <p:spPr>
+              <a:xfrm flipH="1">
+                <a:off x="8163089" y="5117992"/>
+                <a:ext cx="3135793" cy="0"/>
+              </a:xfrm>
+              <a:prstGeom prst="straightConnector1">
+                <a:avLst/>
+              </a:prstGeom>
+              <a:ln w="38100">
+                <a:solidFill>
+                  <a:srgbClr val="B3A2C7"/>
+                </a:solidFill>
+                <a:prstDash val="sysDot"/>
+                <a:tailEnd type="triangle"/>
+              </a:ln>
+            </p:spPr>
+            <p:style>
+              <a:lnRef idx="1">
+                <a:schemeClr val="accent1"/>
+              </a:lnRef>
+              <a:fillRef idx="0">
+                <a:schemeClr val="accent1"/>
+              </a:fillRef>
+              <a:effectRef idx="0">
+                <a:schemeClr val="accent1"/>
+              </a:effectRef>
+              <a:fontRef idx="minor">
+                <a:schemeClr val="tx1"/>
+              </a:fontRef>
+            </p:style>
+          </p:cxnSp>
+          <p:sp>
+            <p:nvSpPr>
+              <p:cNvPr id="150" name="TextBox 149">
+                <a:extLst>
+                  <a:ext uri="{FF2B5EF4-FFF2-40B4-BE49-F238E27FC236}">
+                    <a16:creationId xmlns:a16="http://schemas.microsoft.com/office/drawing/2014/main" id="{AC4C3A12-9639-41D3-9FAD-0F02583D47B3}"/>
+                  </a:ext>
+                </a:extLst>
+              </p:cNvPr>
+              <p:cNvSpPr txBox="1"/>
+              <p:nvPr/>
+            </p:nvSpPr>
+            <p:spPr>
+              <a:xfrm>
+                <a:off x="8573352" y="4525454"/>
+                <a:ext cx="1750416" cy="369332"/>
+              </a:xfrm>
+              <a:prstGeom prst="rect">
+                <a:avLst/>
+              </a:prstGeom>
+              <a:noFill/>
+            </p:spPr>
+            <p:txBody>
+              <a:bodyPr wrap="none" rtlCol="0">
+                <a:spAutoFit/>
+              </a:bodyPr>
+              <a:lstStyle/>
+              <a:p>
+                <a:r>
+                  <a:rPr lang="en-SG" dirty="0" err="1">
+                    <a:solidFill>
+                      <a:srgbClr val="7030A0"/>
+                    </a:solidFill>
+                  </a:rPr>
+                  <a:t>updatePerson</a:t>
+                </a:r>
+                <a:r>
+                  <a:rPr lang="en-SG" dirty="0">
+                    <a:solidFill>
+                      <a:srgbClr val="7030A0"/>
+                    </a:solidFill>
+                  </a:rPr>
+                  <a:t>(p)</a:t>
+                </a:r>
+              </a:p>
+            </p:txBody>
+          </p:sp>
+        </p:grpSp>
+        <p:sp>
+          <p:nvSpPr>
+            <p:cNvPr id="65" name="TextBox 64">
+              <a:extLst>
+                <a:ext uri="{FF2B5EF4-FFF2-40B4-BE49-F238E27FC236}">
+                  <a16:creationId xmlns:a16="http://schemas.microsoft.com/office/drawing/2014/main" id="{1C1AD184-3514-423F-BB4E-0F9D7D97C650}"/>
+                </a:ext>
+              </a:extLst>
+            </p:cNvPr>
+            <p:cNvSpPr txBox="1"/>
+            <p:nvPr/>
+          </p:nvSpPr>
+          <p:spPr>
+            <a:xfrm>
+              <a:off x="2906817" y="4003936"/>
+              <a:ext cx="255198" cy="369332"/>
+            </a:xfrm>
+            <a:prstGeom prst="rect">
+              <a:avLst/>
+            </a:prstGeom>
+            <a:noFill/>
+          </p:spPr>
+          <p:txBody>
+            <a:bodyPr wrap="none" rtlCol="0">
+              <a:spAutoFit/>
+            </a:bodyPr>
+            <a:lstStyle/>
+            <a:p>
+              <a:r>
+                <a:rPr lang="en-SG" dirty="0">
+                  <a:solidFill>
+                    <a:srgbClr val="0070C0"/>
+                  </a:solidFill>
+                </a:rPr>
+                <a:t>f</a:t>
+              </a:r>
+            </a:p>
+          </p:txBody>
+        </p:sp>
+      </p:grpSp>
+    </p:spTree>
+    <p:extLst>
+      <p:ext uri="{BB962C8B-B14F-4D97-AF65-F5344CB8AC3E}">
+        <p14:creationId xmlns:p14="http://schemas.microsoft.com/office/powerpoint/2010/main" val="2571757475"/>
+      </p:ext>
+    </p:extLst>
+  </p:cSld>
+  <p:clrMapOvr>
+    <a:masterClrMapping/>
+  </p:clrMapOvr>
+</p:sld>
+</file>
+
+<file path=ppt/slides/slide2.xml><?xml version="1.0" encoding="utf-8"?>
+<p:sld xmlns:a="http://schemas.openxmlformats.org/drawingml/2006/main" xmlns:r="http://schemas.openxmlformats.org/officeDocument/2006/relationships" xmlns:p="http://schemas.openxmlformats.org/presentationml/2006/main">
+  <p:cSld>
+    <p:spTree>
+      <p:nvGrpSpPr>
+        <p:cNvPr id="1" name=""/>
+        <p:cNvGrpSpPr/>
+        <p:nvPr/>
+      </p:nvGrpSpPr>
+      <p:grpSpPr>
+        <a:xfrm>
+          <a:off x="0" y="0"/>
+          <a:ext cx="0" cy="0"/>
+          <a:chOff x="0" y="0"/>
+          <a:chExt cx="0" cy="0"/>
+        </a:xfrm>
+      </p:grpSpPr>
+      <p:grpSp>
+        <p:nvGrpSpPr>
+          <p:cNvPr id="278" name="Group 277">
+            <a:extLst>
+              <a:ext uri="{FF2B5EF4-FFF2-40B4-BE49-F238E27FC236}">
+                <a16:creationId xmlns:a16="http://schemas.microsoft.com/office/drawing/2014/main" id="{C6A003F7-39A8-44ED-AAE6-7BE6BE837F4D}"/>
+              </a:ext>
+            </a:extLst>
+          </p:cNvPr>
+          <p:cNvGrpSpPr/>
+          <p:nvPr/>
+        </p:nvGrpSpPr>
+        <p:grpSpPr>
+          <a:xfrm>
+            <a:off x="554242" y="97447"/>
+            <a:ext cx="11293747" cy="6602291"/>
+            <a:chOff x="554242" y="97447"/>
+            <a:chExt cx="11293747" cy="6602291"/>
           </a:xfrm>
         </p:grpSpPr>
         <p:sp>
           <p:nvSpPr>
-            <p:cNvPr id="128" name="Rectangle: Rounded Corners 3">
+            <p:cNvPr id="74" name="Rectangle: Rounded Corners 3">
               <a:extLst>
                 <a:ext uri="{FF2B5EF4-FFF2-40B4-BE49-F238E27FC236}">
-                  <a16:creationId xmlns:a16="http://schemas.microsoft.com/office/drawing/2014/main" id="{B9097FD4-C5F7-4D2E-9644-A3229221086D}"/>
+                  <a16:creationId xmlns:a16="http://schemas.microsoft.com/office/drawing/2014/main" id="{E0730CC5-7D33-4A74-929E-00974864C688}"/>
                 </a:ext>
               </a:extLst>
             </p:cNvPr>
@@ -3381,8 +6040,8 @@
           </p:nvSpPr>
           <p:spPr>
             <a:xfrm>
-              <a:off x="957844" y="885858"/>
-              <a:ext cx="9884967" cy="5703620"/>
+              <a:off x="554242" y="97447"/>
+              <a:ext cx="3784674" cy="6602291"/>
             </a:xfrm>
             <a:custGeom>
               <a:avLst/>
@@ -3662,10 +6321,62 @@
         </p:sp>
         <p:sp>
           <p:nvSpPr>
+            <p:cNvPr id="4" name="Rectangle 3">
+              <a:extLst>
+                <a:ext uri="{FF2B5EF4-FFF2-40B4-BE49-F238E27FC236}">
+                  <a16:creationId xmlns:a16="http://schemas.microsoft.com/office/drawing/2014/main" id="{14865E1A-3948-4283-9D23-6DE003269B3B}"/>
+                </a:ext>
+              </a:extLst>
+            </p:cNvPr>
+            <p:cNvSpPr/>
+            <p:nvPr/>
+          </p:nvSpPr>
+          <p:spPr>
+            <a:xfrm>
+              <a:off x="2092586" y="604283"/>
+              <a:ext cx="190297" cy="111889"/>
+            </a:xfrm>
+            <a:prstGeom prst="rect">
+              <a:avLst/>
+            </a:prstGeom>
+            <a:solidFill>
+              <a:srgbClr val="0070C0"/>
+            </a:solidFill>
+            <a:ln>
+              <a:noFill/>
+            </a:ln>
+          </p:spPr>
+          <p:style>
+            <a:lnRef idx="2">
+              <a:schemeClr val="accent1">
+                <a:shade val="50000"/>
+              </a:schemeClr>
+            </a:lnRef>
+            <a:fillRef idx="1">
+              <a:schemeClr val="accent1"/>
+            </a:fillRef>
+            <a:effectRef idx="0">
+              <a:schemeClr val="accent1"/>
+            </a:effectRef>
+            <a:fontRef idx="minor">
+              <a:schemeClr val="lt1"/>
+            </a:fontRef>
+          </p:style>
+          <p:txBody>
+            <a:bodyPr rtlCol="0" anchor="ctr"/>
+            <a:lstStyle/>
+            <a:p>
+              <a:pPr algn="ctr"/>
+              <a:endParaRPr lang="en-SG"/>
+            </a:p>
+          </p:txBody>
+        </p:sp>
+        <p:sp>
+          <p:nvSpPr>
             <p:cNvPr id="5" name="TextBox 4">
               <a:extLst>
                 <a:ext uri="{FF2B5EF4-FFF2-40B4-BE49-F238E27FC236}">
-                  <a16:creationId xmlns:a16="http://schemas.microsoft.com/office/drawing/2014/main" id="{DF18E182-20AA-40BF-B390-A56F7C17E302}"/>
+                  <a16:creationId xmlns:a16="http://schemas.microsoft.com/office/drawing/2014/main" id="{2D2DECA8-716C-4F0F-A77B-A07C0B3733D4}"/>
                 </a:ext>
               </a:extLst>
             </p:cNvPr>
@@ -3674,7 +6385,3189 @@
           </p:nvSpPr>
           <p:spPr>
             <a:xfrm>
-              <a:off x="1114540" y="1009316"/>
+              <a:off x="1092526" y="293694"/>
+              <a:ext cx="2171947" cy="307777"/>
+            </a:xfrm>
+            <a:prstGeom prst="rect">
+              <a:avLst/>
+            </a:prstGeom>
+            <a:solidFill>
+              <a:srgbClr val="0070C0"/>
+            </a:solidFill>
+          </p:spPr>
+          <p:txBody>
+            <a:bodyPr wrap="square" rtlCol="0">
+              <a:spAutoFit/>
+            </a:bodyPr>
+            <a:lstStyle/>
+            <a:p>
+              <a:pPr algn="ctr"/>
+              <a:r>
+                <a:rPr lang="en-SG" sz="1400" dirty="0">
+                  <a:solidFill>
+                    <a:schemeClr val="bg1"/>
+                  </a:solidFill>
+                </a:rPr>
+                <a:t>:</a:t>
+              </a:r>
+              <a:r>
+                <a:rPr lang="en-SG" sz="1400" dirty="0" err="1">
+                  <a:solidFill>
+                    <a:schemeClr val="bg1"/>
+                  </a:solidFill>
+                </a:rPr>
+                <a:t>FeedbackCommandParser</a:t>
+              </a:r>
+              <a:endParaRPr lang="en-SG" sz="1400" dirty="0">
+                <a:solidFill>
+                  <a:schemeClr val="bg1"/>
+                </a:solidFill>
+              </a:endParaRPr>
+            </a:p>
+          </p:txBody>
+        </p:sp>
+        <p:cxnSp>
+          <p:nvCxnSpPr>
+            <p:cNvPr id="6" name="Straight Connector 5">
+              <a:extLst>
+                <a:ext uri="{FF2B5EF4-FFF2-40B4-BE49-F238E27FC236}">
+                  <a16:creationId xmlns:a16="http://schemas.microsoft.com/office/drawing/2014/main" id="{30C425CB-BF0A-4CA2-9E8C-39D2DD49F966}"/>
+                </a:ext>
+              </a:extLst>
+            </p:cNvPr>
+            <p:cNvCxnSpPr>
+              <a:cxnSpLocks/>
+              <a:stCxn id="4" idx="2"/>
+              <a:endCxn id="7" idx="0"/>
+            </p:cNvCxnSpPr>
+            <p:nvPr/>
+          </p:nvCxnSpPr>
+          <p:spPr>
+            <a:xfrm flipH="1">
+              <a:off x="2185633" y="716172"/>
+              <a:ext cx="2102" cy="139158"/>
+            </a:xfrm>
+            <a:prstGeom prst="line">
+              <a:avLst/>
+            </a:prstGeom>
+            <a:ln w="28575">
+              <a:solidFill>
+                <a:srgbClr val="0070C0"/>
+              </a:solidFill>
+              <a:prstDash val="sysDot"/>
+            </a:ln>
+          </p:spPr>
+          <p:style>
+            <a:lnRef idx="1">
+              <a:schemeClr val="accent1"/>
+            </a:lnRef>
+            <a:fillRef idx="0">
+              <a:schemeClr val="accent1"/>
+            </a:fillRef>
+            <a:effectRef idx="0">
+              <a:schemeClr val="accent1"/>
+            </a:effectRef>
+            <a:fontRef idx="minor">
+              <a:schemeClr val="tx1"/>
+            </a:fontRef>
+          </p:style>
+        </p:cxnSp>
+        <p:sp>
+          <p:nvSpPr>
+            <p:cNvPr id="7" name="Rectangle 6">
+              <a:extLst>
+                <a:ext uri="{FF2B5EF4-FFF2-40B4-BE49-F238E27FC236}">
+                  <a16:creationId xmlns:a16="http://schemas.microsoft.com/office/drawing/2014/main" id="{7D459E43-1EE5-4A8F-B9B0-47C9E7067CBE}"/>
+                </a:ext>
+              </a:extLst>
+            </p:cNvPr>
+            <p:cNvSpPr/>
+            <p:nvPr/>
+          </p:nvSpPr>
+          <p:spPr>
+            <a:xfrm>
+              <a:off x="2092585" y="855330"/>
+              <a:ext cx="186095" cy="5300013"/>
+            </a:xfrm>
+            <a:prstGeom prst="rect">
+              <a:avLst/>
+            </a:prstGeom>
+            <a:solidFill>
+              <a:srgbClr val="0070C0"/>
+            </a:solidFill>
+            <a:ln>
+              <a:noFill/>
+            </a:ln>
+          </p:spPr>
+          <p:style>
+            <a:lnRef idx="2">
+              <a:schemeClr val="accent1">
+                <a:shade val="50000"/>
+              </a:schemeClr>
+            </a:lnRef>
+            <a:fillRef idx="1">
+              <a:schemeClr val="accent1"/>
+            </a:fillRef>
+            <a:effectRef idx="0">
+              <a:schemeClr val="accent1"/>
+            </a:effectRef>
+            <a:fontRef idx="minor">
+              <a:schemeClr val="lt1"/>
+            </a:fontRef>
+          </p:style>
+          <p:txBody>
+            <a:bodyPr rtlCol="0" anchor="ctr"/>
+            <a:lstStyle/>
+            <a:p>
+              <a:pPr algn="ctr"/>
+              <a:endParaRPr lang="en-SG"/>
+            </a:p>
+          </p:txBody>
+        </p:sp>
+        <p:sp>
+          <p:nvSpPr>
+            <p:cNvPr id="8" name="TextBox 7">
+              <a:extLst>
+                <a:ext uri="{FF2B5EF4-FFF2-40B4-BE49-F238E27FC236}">
+                  <a16:creationId xmlns:a16="http://schemas.microsoft.com/office/drawing/2014/main" id="{47FB81B9-A666-48EA-AC73-1100A52945DB}"/>
+                </a:ext>
+              </a:extLst>
+            </p:cNvPr>
+            <p:cNvSpPr txBox="1"/>
+            <p:nvPr/>
+          </p:nvSpPr>
+          <p:spPr>
+            <a:xfrm>
+              <a:off x="2035287" y="6249506"/>
+              <a:ext cx="304892" cy="369332"/>
+            </a:xfrm>
+            <a:prstGeom prst="rect">
+              <a:avLst/>
+            </a:prstGeom>
+            <a:noFill/>
+          </p:spPr>
+          <p:txBody>
+            <a:bodyPr wrap="square" rtlCol="0">
+              <a:spAutoFit/>
+            </a:bodyPr>
+            <a:lstStyle/>
+            <a:p>
+              <a:r>
+                <a:rPr lang="en-SG" dirty="0"/>
+                <a:t>X</a:t>
+              </a:r>
+            </a:p>
+          </p:txBody>
+        </p:sp>
+        <p:sp>
+          <p:nvSpPr>
+            <p:cNvPr id="9" name="Rectangle 8">
+              <a:extLst>
+                <a:ext uri="{FF2B5EF4-FFF2-40B4-BE49-F238E27FC236}">
+                  <a16:creationId xmlns:a16="http://schemas.microsoft.com/office/drawing/2014/main" id="{4D27DAA3-55E9-4949-9345-DCD6EC2B9466}"/>
+                </a:ext>
+              </a:extLst>
+            </p:cNvPr>
+            <p:cNvSpPr/>
+            <p:nvPr/>
+          </p:nvSpPr>
+          <p:spPr>
+            <a:xfrm>
+              <a:off x="3295776" y="5617777"/>
+              <a:ext cx="190293" cy="391257"/>
+            </a:xfrm>
+            <a:prstGeom prst="rect">
+              <a:avLst/>
+            </a:prstGeom>
+            <a:solidFill>
+              <a:srgbClr val="0070C0"/>
+            </a:solidFill>
+            <a:ln>
+              <a:noFill/>
+            </a:ln>
+          </p:spPr>
+          <p:style>
+            <a:lnRef idx="2">
+              <a:schemeClr val="accent1">
+                <a:shade val="50000"/>
+              </a:schemeClr>
+            </a:lnRef>
+            <a:fillRef idx="1">
+              <a:schemeClr val="accent1"/>
+            </a:fillRef>
+            <a:effectRef idx="0">
+              <a:schemeClr val="accent1"/>
+            </a:effectRef>
+            <a:fontRef idx="minor">
+              <a:schemeClr val="lt1"/>
+            </a:fontRef>
+          </p:style>
+          <p:txBody>
+            <a:bodyPr rtlCol="0" anchor="ctr"/>
+            <a:lstStyle/>
+            <a:p>
+              <a:pPr algn="ctr"/>
+              <a:endParaRPr lang="en-SG"/>
+            </a:p>
+          </p:txBody>
+        </p:sp>
+        <p:sp>
+          <p:nvSpPr>
+            <p:cNvPr id="10" name="TextBox 9">
+              <a:extLst>
+                <a:ext uri="{FF2B5EF4-FFF2-40B4-BE49-F238E27FC236}">
+                  <a16:creationId xmlns:a16="http://schemas.microsoft.com/office/drawing/2014/main" id="{12D5A703-E395-46FF-B40B-E1F252D61154}"/>
+                </a:ext>
+              </a:extLst>
+            </p:cNvPr>
+            <p:cNvSpPr txBox="1"/>
+            <p:nvPr/>
+          </p:nvSpPr>
+          <p:spPr>
+            <a:xfrm>
+              <a:off x="2571777" y="5568634"/>
+              <a:ext cx="1638300" cy="276999"/>
+            </a:xfrm>
+            <a:prstGeom prst="rect">
+              <a:avLst/>
+            </a:prstGeom>
+            <a:solidFill>
+              <a:srgbClr val="0070C0"/>
+            </a:solidFill>
+          </p:spPr>
+          <p:txBody>
+            <a:bodyPr wrap="square" rtlCol="0">
+              <a:spAutoFit/>
+            </a:bodyPr>
+            <a:lstStyle/>
+            <a:p>
+              <a:pPr algn="ctr"/>
+              <a:r>
+                <a:rPr lang="en-SG" sz="1200" dirty="0">
+                  <a:solidFill>
+                    <a:schemeClr val="bg1"/>
+                  </a:solidFill>
+                </a:rPr>
+                <a:t>f:FeedbackCommand</a:t>
+              </a:r>
+            </a:p>
+          </p:txBody>
+        </p:sp>
+        <p:cxnSp>
+          <p:nvCxnSpPr>
+            <p:cNvPr id="11" name="Straight Connector 10">
+              <a:extLst>
+                <a:ext uri="{FF2B5EF4-FFF2-40B4-BE49-F238E27FC236}">
+                  <a16:creationId xmlns:a16="http://schemas.microsoft.com/office/drawing/2014/main" id="{5EB697D6-0599-49F8-9163-38FF7C2410D2}"/>
+                </a:ext>
+              </a:extLst>
+            </p:cNvPr>
+            <p:cNvCxnSpPr>
+              <a:cxnSpLocks/>
+              <a:stCxn id="9" idx="2"/>
+            </p:cNvCxnSpPr>
+            <p:nvPr/>
+          </p:nvCxnSpPr>
+          <p:spPr>
+            <a:xfrm>
+              <a:off x="3390923" y="6009034"/>
+              <a:ext cx="2" cy="320920"/>
+            </a:xfrm>
+            <a:prstGeom prst="line">
+              <a:avLst/>
+            </a:prstGeom>
+            <a:ln w="28575">
+              <a:solidFill>
+                <a:srgbClr val="0070C0"/>
+              </a:solidFill>
+              <a:prstDash val="sysDot"/>
+            </a:ln>
+          </p:spPr>
+          <p:style>
+            <a:lnRef idx="1">
+              <a:schemeClr val="accent1"/>
+            </a:lnRef>
+            <a:fillRef idx="0">
+              <a:schemeClr val="accent1"/>
+            </a:fillRef>
+            <a:effectRef idx="0">
+              <a:schemeClr val="accent1"/>
+            </a:effectRef>
+            <a:fontRef idx="minor">
+              <a:schemeClr val="tx1"/>
+            </a:fontRef>
+          </p:style>
+        </p:cxnSp>
+        <p:cxnSp>
+          <p:nvCxnSpPr>
+            <p:cNvPr id="12" name="Straight Arrow Connector 11">
+              <a:extLst>
+                <a:ext uri="{FF2B5EF4-FFF2-40B4-BE49-F238E27FC236}">
+                  <a16:creationId xmlns:a16="http://schemas.microsoft.com/office/drawing/2014/main" id="{82BB27E7-FD2F-4EA3-B024-DD496A943237}"/>
+                </a:ext>
+              </a:extLst>
+            </p:cNvPr>
+            <p:cNvCxnSpPr>
+              <a:cxnSpLocks/>
+              <a:endCxn id="10" idx="1"/>
+            </p:cNvCxnSpPr>
+            <p:nvPr/>
+          </p:nvCxnSpPr>
+          <p:spPr>
+            <a:xfrm>
+              <a:off x="2093586" y="5707134"/>
+              <a:ext cx="478191" cy="0"/>
+            </a:xfrm>
+            <a:prstGeom prst="straightConnector1">
+              <a:avLst/>
+            </a:prstGeom>
+            <a:ln w="38100">
+              <a:solidFill>
+                <a:srgbClr val="0070C0"/>
+              </a:solidFill>
+              <a:tailEnd type="triangle"/>
+            </a:ln>
+          </p:spPr>
+          <p:style>
+            <a:lnRef idx="1">
+              <a:schemeClr val="accent1"/>
+            </a:lnRef>
+            <a:fillRef idx="0">
+              <a:schemeClr val="accent1"/>
+            </a:fillRef>
+            <a:effectRef idx="0">
+              <a:schemeClr val="accent1"/>
+            </a:effectRef>
+            <a:fontRef idx="minor">
+              <a:schemeClr val="tx1"/>
+            </a:fontRef>
+          </p:style>
+        </p:cxnSp>
+        <p:cxnSp>
+          <p:nvCxnSpPr>
+            <p:cNvPr id="13" name="Straight Arrow Connector 12">
+              <a:extLst>
+                <a:ext uri="{FF2B5EF4-FFF2-40B4-BE49-F238E27FC236}">
+                  <a16:creationId xmlns:a16="http://schemas.microsoft.com/office/drawing/2014/main" id="{88F4DEAE-62E9-4799-BA78-8883C3B6ABEE}"/>
+                </a:ext>
+              </a:extLst>
+            </p:cNvPr>
+            <p:cNvCxnSpPr>
+              <a:cxnSpLocks/>
+            </p:cNvCxnSpPr>
+            <p:nvPr/>
+          </p:nvCxnSpPr>
+          <p:spPr>
+            <a:xfrm flipH="1">
+              <a:off x="2282882" y="5995646"/>
+              <a:ext cx="1194933" cy="0"/>
+            </a:xfrm>
+            <a:prstGeom prst="straightConnector1">
+              <a:avLst/>
+            </a:prstGeom>
+            <a:ln w="38100">
+              <a:solidFill>
+                <a:srgbClr val="0070C0"/>
+              </a:solidFill>
+              <a:prstDash val="sysDot"/>
+              <a:tailEnd type="triangle"/>
+            </a:ln>
+          </p:spPr>
+          <p:style>
+            <a:lnRef idx="1">
+              <a:schemeClr val="accent1"/>
+            </a:lnRef>
+            <a:fillRef idx="0">
+              <a:schemeClr val="accent1"/>
+            </a:fillRef>
+            <a:effectRef idx="0">
+              <a:schemeClr val="accent1"/>
+            </a:effectRef>
+            <a:fontRef idx="minor">
+              <a:schemeClr val="tx1"/>
+            </a:fontRef>
+          </p:style>
+        </p:cxnSp>
+        <p:cxnSp>
+          <p:nvCxnSpPr>
+            <p:cNvPr id="15" name="Straight Connector 14">
+              <a:extLst>
+                <a:ext uri="{FF2B5EF4-FFF2-40B4-BE49-F238E27FC236}">
+                  <a16:creationId xmlns:a16="http://schemas.microsoft.com/office/drawing/2014/main" id="{E9B85BA3-6238-4144-B041-4C4C63D652A8}"/>
+                </a:ext>
+              </a:extLst>
+            </p:cNvPr>
+            <p:cNvCxnSpPr>
+              <a:cxnSpLocks/>
+            </p:cNvCxnSpPr>
+            <p:nvPr/>
+          </p:nvCxnSpPr>
+          <p:spPr>
+            <a:xfrm>
+              <a:off x="2187734" y="6155360"/>
+              <a:ext cx="0" cy="251048"/>
+            </a:xfrm>
+            <a:prstGeom prst="line">
+              <a:avLst/>
+            </a:prstGeom>
+            <a:ln w="28575">
+              <a:solidFill>
+                <a:srgbClr val="0070C0"/>
+              </a:solidFill>
+              <a:prstDash val="sysDot"/>
+            </a:ln>
+          </p:spPr>
+          <p:style>
+            <a:lnRef idx="1">
+              <a:schemeClr val="accent1"/>
+            </a:lnRef>
+            <a:fillRef idx="0">
+              <a:schemeClr val="accent1"/>
+            </a:fillRef>
+            <a:effectRef idx="0">
+              <a:schemeClr val="accent1"/>
+            </a:effectRef>
+            <a:fontRef idx="minor">
+              <a:schemeClr val="tx1"/>
+            </a:fontRef>
+          </p:style>
+        </p:cxnSp>
+        <p:sp>
+          <p:nvSpPr>
+            <p:cNvPr id="75" name="Rectangle: Rounded Corners 3">
+              <a:extLst>
+                <a:ext uri="{FF2B5EF4-FFF2-40B4-BE49-F238E27FC236}">
+                  <a16:creationId xmlns:a16="http://schemas.microsoft.com/office/drawing/2014/main" id="{47A4C711-99BC-44EE-B71D-67F326AF1E51}"/>
+                </a:ext>
+              </a:extLst>
+            </p:cNvPr>
+            <p:cNvSpPr/>
+            <p:nvPr/>
+          </p:nvSpPr>
+          <p:spPr>
+            <a:xfrm>
+              <a:off x="4441953" y="115032"/>
+              <a:ext cx="5978033" cy="6584706"/>
+            </a:xfrm>
+            <a:custGeom>
+              <a:avLst/>
+              <a:gdLst>
+                <a:gd name="connsiteX0" fmla="*/ 0 w 9810750"/>
+                <a:gd name="connsiteY0" fmla="*/ 868380 h 5210175"/>
+                <a:gd name="connsiteX1" fmla="*/ 868380 w 9810750"/>
+                <a:gd name="connsiteY1" fmla="*/ 0 h 5210175"/>
+                <a:gd name="connsiteX2" fmla="*/ 8942370 w 9810750"/>
+                <a:gd name="connsiteY2" fmla="*/ 0 h 5210175"/>
+                <a:gd name="connsiteX3" fmla="*/ 9810750 w 9810750"/>
+                <a:gd name="connsiteY3" fmla="*/ 868380 h 5210175"/>
+                <a:gd name="connsiteX4" fmla="*/ 9810750 w 9810750"/>
+                <a:gd name="connsiteY4" fmla="*/ 4341795 h 5210175"/>
+                <a:gd name="connsiteX5" fmla="*/ 8942370 w 9810750"/>
+                <a:gd name="connsiteY5" fmla="*/ 5210175 h 5210175"/>
+                <a:gd name="connsiteX6" fmla="*/ 868380 w 9810750"/>
+                <a:gd name="connsiteY6" fmla="*/ 5210175 h 5210175"/>
+                <a:gd name="connsiteX7" fmla="*/ 0 w 9810750"/>
+                <a:gd name="connsiteY7" fmla="*/ 4341795 h 5210175"/>
+                <a:gd name="connsiteX8" fmla="*/ 0 w 9810750"/>
+                <a:gd name="connsiteY8" fmla="*/ 868380 h 5210175"/>
+                <a:gd name="connsiteX0" fmla="*/ 0 w 9858375"/>
+                <a:gd name="connsiteY0" fmla="*/ 468352 h 5210197"/>
+                <a:gd name="connsiteX1" fmla="*/ 916005 w 9858375"/>
+                <a:gd name="connsiteY1" fmla="*/ 22 h 5210197"/>
+                <a:gd name="connsiteX2" fmla="*/ 8989995 w 9858375"/>
+                <a:gd name="connsiteY2" fmla="*/ 22 h 5210197"/>
+                <a:gd name="connsiteX3" fmla="*/ 9858375 w 9858375"/>
+                <a:gd name="connsiteY3" fmla="*/ 868402 h 5210197"/>
+                <a:gd name="connsiteX4" fmla="*/ 9858375 w 9858375"/>
+                <a:gd name="connsiteY4" fmla="*/ 4341817 h 5210197"/>
+                <a:gd name="connsiteX5" fmla="*/ 8989995 w 9858375"/>
+                <a:gd name="connsiteY5" fmla="*/ 5210197 h 5210197"/>
+                <a:gd name="connsiteX6" fmla="*/ 916005 w 9858375"/>
+                <a:gd name="connsiteY6" fmla="*/ 5210197 h 5210197"/>
+                <a:gd name="connsiteX7" fmla="*/ 47625 w 9858375"/>
+                <a:gd name="connsiteY7" fmla="*/ 4341817 h 5210197"/>
+                <a:gd name="connsiteX8" fmla="*/ 0 w 9858375"/>
+                <a:gd name="connsiteY8" fmla="*/ 468352 h 5210197"/>
+                <a:gd name="connsiteX0" fmla="*/ 0 w 9858375"/>
+                <a:gd name="connsiteY0" fmla="*/ 468330 h 5210175"/>
+                <a:gd name="connsiteX1" fmla="*/ 649305 w 9858375"/>
+                <a:gd name="connsiteY1" fmla="*/ 19050 h 5210175"/>
+                <a:gd name="connsiteX2" fmla="*/ 8989995 w 9858375"/>
+                <a:gd name="connsiteY2" fmla="*/ 0 h 5210175"/>
+                <a:gd name="connsiteX3" fmla="*/ 9858375 w 9858375"/>
+                <a:gd name="connsiteY3" fmla="*/ 868380 h 5210175"/>
+                <a:gd name="connsiteX4" fmla="*/ 9858375 w 9858375"/>
+                <a:gd name="connsiteY4" fmla="*/ 4341795 h 5210175"/>
+                <a:gd name="connsiteX5" fmla="*/ 8989995 w 9858375"/>
+                <a:gd name="connsiteY5" fmla="*/ 5210175 h 5210175"/>
+                <a:gd name="connsiteX6" fmla="*/ 916005 w 9858375"/>
+                <a:gd name="connsiteY6" fmla="*/ 5210175 h 5210175"/>
+                <a:gd name="connsiteX7" fmla="*/ 47625 w 9858375"/>
+                <a:gd name="connsiteY7" fmla="*/ 4341795 h 5210175"/>
+                <a:gd name="connsiteX8" fmla="*/ 0 w 9858375"/>
+                <a:gd name="connsiteY8" fmla="*/ 468330 h 5210175"/>
+                <a:gd name="connsiteX0" fmla="*/ 0 w 9858375"/>
+                <a:gd name="connsiteY0" fmla="*/ 468330 h 5210175"/>
+                <a:gd name="connsiteX1" fmla="*/ 649305 w 9858375"/>
+                <a:gd name="connsiteY1" fmla="*/ 19050 h 5210175"/>
+                <a:gd name="connsiteX2" fmla="*/ 9370995 w 9858375"/>
+                <a:gd name="connsiteY2" fmla="*/ 0 h 5210175"/>
+                <a:gd name="connsiteX3" fmla="*/ 9858375 w 9858375"/>
+                <a:gd name="connsiteY3" fmla="*/ 868380 h 5210175"/>
+                <a:gd name="connsiteX4" fmla="*/ 9858375 w 9858375"/>
+                <a:gd name="connsiteY4" fmla="*/ 4341795 h 5210175"/>
+                <a:gd name="connsiteX5" fmla="*/ 8989995 w 9858375"/>
+                <a:gd name="connsiteY5" fmla="*/ 5210175 h 5210175"/>
+                <a:gd name="connsiteX6" fmla="*/ 916005 w 9858375"/>
+                <a:gd name="connsiteY6" fmla="*/ 5210175 h 5210175"/>
+                <a:gd name="connsiteX7" fmla="*/ 47625 w 9858375"/>
+                <a:gd name="connsiteY7" fmla="*/ 4341795 h 5210175"/>
+                <a:gd name="connsiteX8" fmla="*/ 0 w 9858375"/>
+                <a:gd name="connsiteY8" fmla="*/ 468330 h 5210175"/>
+                <a:gd name="connsiteX0" fmla="*/ 0 w 9858375"/>
+                <a:gd name="connsiteY0" fmla="*/ 468330 h 5210175"/>
+                <a:gd name="connsiteX1" fmla="*/ 649305 w 9858375"/>
+                <a:gd name="connsiteY1" fmla="*/ 19050 h 5210175"/>
+                <a:gd name="connsiteX2" fmla="*/ 9370995 w 9858375"/>
+                <a:gd name="connsiteY2" fmla="*/ 0 h 5210175"/>
+                <a:gd name="connsiteX3" fmla="*/ 9858375 w 9858375"/>
+                <a:gd name="connsiteY3" fmla="*/ 563580 h 5210175"/>
+                <a:gd name="connsiteX4" fmla="*/ 9858375 w 9858375"/>
+                <a:gd name="connsiteY4" fmla="*/ 4341795 h 5210175"/>
+                <a:gd name="connsiteX5" fmla="*/ 8989995 w 9858375"/>
+                <a:gd name="connsiteY5" fmla="*/ 5210175 h 5210175"/>
+                <a:gd name="connsiteX6" fmla="*/ 916005 w 9858375"/>
+                <a:gd name="connsiteY6" fmla="*/ 5210175 h 5210175"/>
+                <a:gd name="connsiteX7" fmla="*/ 47625 w 9858375"/>
+                <a:gd name="connsiteY7" fmla="*/ 4341795 h 5210175"/>
+                <a:gd name="connsiteX8" fmla="*/ 0 w 9858375"/>
+                <a:gd name="connsiteY8" fmla="*/ 468330 h 5210175"/>
+                <a:gd name="connsiteX0" fmla="*/ 0 w 9877425"/>
+                <a:gd name="connsiteY0" fmla="*/ 468330 h 5210175"/>
+                <a:gd name="connsiteX1" fmla="*/ 649305 w 9877425"/>
+                <a:gd name="connsiteY1" fmla="*/ 19050 h 5210175"/>
+                <a:gd name="connsiteX2" fmla="*/ 9370995 w 9877425"/>
+                <a:gd name="connsiteY2" fmla="*/ 0 h 5210175"/>
+                <a:gd name="connsiteX3" fmla="*/ 9858375 w 9877425"/>
+                <a:gd name="connsiteY3" fmla="*/ 563580 h 5210175"/>
+                <a:gd name="connsiteX4" fmla="*/ 9877425 w 9877425"/>
+                <a:gd name="connsiteY4" fmla="*/ 4675170 h 5210175"/>
+                <a:gd name="connsiteX5" fmla="*/ 8989995 w 9877425"/>
+                <a:gd name="connsiteY5" fmla="*/ 5210175 h 5210175"/>
+                <a:gd name="connsiteX6" fmla="*/ 916005 w 9877425"/>
+                <a:gd name="connsiteY6" fmla="*/ 5210175 h 5210175"/>
+                <a:gd name="connsiteX7" fmla="*/ 47625 w 9877425"/>
+                <a:gd name="connsiteY7" fmla="*/ 4341795 h 5210175"/>
+                <a:gd name="connsiteX8" fmla="*/ 0 w 9877425"/>
+                <a:gd name="connsiteY8" fmla="*/ 468330 h 5210175"/>
+                <a:gd name="connsiteX0" fmla="*/ 0 w 9877425"/>
+                <a:gd name="connsiteY0" fmla="*/ 468330 h 5210175"/>
+                <a:gd name="connsiteX1" fmla="*/ 649305 w 9877425"/>
+                <a:gd name="connsiteY1" fmla="*/ 19050 h 5210175"/>
+                <a:gd name="connsiteX2" fmla="*/ 9370995 w 9877425"/>
+                <a:gd name="connsiteY2" fmla="*/ 0 h 5210175"/>
+                <a:gd name="connsiteX3" fmla="*/ 9858375 w 9877425"/>
+                <a:gd name="connsiteY3" fmla="*/ 563580 h 5210175"/>
+                <a:gd name="connsiteX4" fmla="*/ 9877425 w 9877425"/>
+                <a:gd name="connsiteY4" fmla="*/ 4675170 h 5210175"/>
+                <a:gd name="connsiteX5" fmla="*/ 9390045 w 9877425"/>
+                <a:gd name="connsiteY5" fmla="*/ 5191125 h 5210175"/>
+                <a:gd name="connsiteX6" fmla="*/ 916005 w 9877425"/>
+                <a:gd name="connsiteY6" fmla="*/ 5210175 h 5210175"/>
+                <a:gd name="connsiteX7" fmla="*/ 47625 w 9877425"/>
+                <a:gd name="connsiteY7" fmla="*/ 4341795 h 5210175"/>
+                <a:gd name="connsiteX8" fmla="*/ 0 w 9877425"/>
+                <a:gd name="connsiteY8" fmla="*/ 468330 h 5210175"/>
+                <a:gd name="connsiteX0" fmla="*/ 0 w 9877425"/>
+                <a:gd name="connsiteY0" fmla="*/ 468330 h 5210175"/>
+                <a:gd name="connsiteX1" fmla="*/ 649305 w 9877425"/>
+                <a:gd name="connsiteY1" fmla="*/ 19050 h 5210175"/>
+                <a:gd name="connsiteX2" fmla="*/ 9370995 w 9877425"/>
+                <a:gd name="connsiteY2" fmla="*/ 0 h 5210175"/>
+                <a:gd name="connsiteX3" fmla="*/ 9858375 w 9877425"/>
+                <a:gd name="connsiteY3" fmla="*/ 563580 h 5210175"/>
+                <a:gd name="connsiteX4" fmla="*/ 9877425 w 9877425"/>
+                <a:gd name="connsiteY4" fmla="*/ 4675170 h 5210175"/>
+                <a:gd name="connsiteX5" fmla="*/ 9390045 w 9877425"/>
+                <a:gd name="connsiteY5" fmla="*/ 5191125 h 5210175"/>
+                <a:gd name="connsiteX6" fmla="*/ 630255 w 9877425"/>
+                <a:gd name="connsiteY6" fmla="*/ 5210175 h 5210175"/>
+                <a:gd name="connsiteX7" fmla="*/ 47625 w 9877425"/>
+                <a:gd name="connsiteY7" fmla="*/ 4341795 h 5210175"/>
+                <a:gd name="connsiteX8" fmla="*/ 0 w 9877425"/>
+                <a:gd name="connsiteY8" fmla="*/ 468330 h 5210175"/>
+                <a:gd name="connsiteX0" fmla="*/ 0 w 9877425"/>
+                <a:gd name="connsiteY0" fmla="*/ 468330 h 5210175"/>
+                <a:gd name="connsiteX1" fmla="*/ 649305 w 9877425"/>
+                <a:gd name="connsiteY1" fmla="*/ 19050 h 5210175"/>
+                <a:gd name="connsiteX2" fmla="*/ 9370995 w 9877425"/>
+                <a:gd name="connsiteY2" fmla="*/ 0 h 5210175"/>
+                <a:gd name="connsiteX3" fmla="*/ 9858375 w 9877425"/>
+                <a:gd name="connsiteY3" fmla="*/ 563580 h 5210175"/>
+                <a:gd name="connsiteX4" fmla="*/ 9877425 w 9877425"/>
+                <a:gd name="connsiteY4" fmla="*/ 4675170 h 5210175"/>
+                <a:gd name="connsiteX5" fmla="*/ 9390045 w 9877425"/>
+                <a:gd name="connsiteY5" fmla="*/ 5191125 h 5210175"/>
+                <a:gd name="connsiteX6" fmla="*/ 630255 w 9877425"/>
+                <a:gd name="connsiteY6" fmla="*/ 5210175 h 5210175"/>
+                <a:gd name="connsiteX7" fmla="*/ 0 w 9877425"/>
+                <a:gd name="connsiteY7" fmla="*/ 4598970 h 5210175"/>
+                <a:gd name="connsiteX8" fmla="*/ 0 w 9877425"/>
+                <a:gd name="connsiteY8" fmla="*/ 468330 h 5210175"/>
+              </a:gdLst>
+              <a:ahLst/>
+              <a:cxnLst>
+                <a:cxn ang="0">
+                  <a:pos x="connsiteX0" y="connsiteY0"/>
+                </a:cxn>
+                <a:cxn ang="0">
+                  <a:pos x="connsiteX1" y="connsiteY1"/>
+                </a:cxn>
+                <a:cxn ang="0">
+                  <a:pos x="connsiteX2" y="connsiteY2"/>
+                </a:cxn>
+                <a:cxn ang="0">
+                  <a:pos x="connsiteX3" y="connsiteY3"/>
+                </a:cxn>
+                <a:cxn ang="0">
+                  <a:pos x="connsiteX4" y="connsiteY4"/>
+                </a:cxn>
+                <a:cxn ang="0">
+                  <a:pos x="connsiteX5" y="connsiteY5"/>
+                </a:cxn>
+                <a:cxn ang="0">
+                  <a:pos x="connsiteX6" y="connsiteY6"/>
+                </a:cxn>
+                <a:cxn ang="0">
+                  <a:pos x="connsiteX7" y="connsiteY7"/>
+                </a:cxn>
+                <a:cxn ang="0">
+                  <a:pos x="connsiteX8" y="connsiteY8"/>
+                </a:cxn>
+              </a:cxnLst>
+              <a:rect l="l" t="t" r="r" b="b"/>
+              <a:pathLst>
+                <a:path w="9877425" h="5210175">
+                  <a:moveTo>
+                    <a:pt x="0" y="468330"/>
+                  </a:moveTo>
+                  <a:cubicBezTo>
+                    <a:pt x="0" y="-11263"/>
+                    <a:pt x="169712" y="19050"/>
+                    <a:pt x="649305" y="19050"/>
+                  </a:cubicBezTo>
+                  <a:lnTo>
+                    <a:pt x="9370995" y="0"/>
+                  </a:lnTo>
+                  <a:cubicBezTo>
+                    <a:pt x="9850588" y="0"/>
+                    <a:pt x="9858375" y="83987"/>
+                    <a:pt x="9858375" y="563580"/>
+                  </a:cubicBezTo>
+                  <a:lnTo>
+                    <a:pt x="9877425" y="4675170"/>
+                  </a:lnTo>
+                  <a:cubicBezTo>
+                    <a:pt x="9877425" y="5154763"/>
+                    <a:pt x="9869638" y="5191125"/>
+                    <a:pt x="9390045" y="5191125"/>
+                  </a:cubicBezTo>
+                  <a:lnTo>
+                    <a:pt x="630255" y="5210175"/>
+                  </a:lnTo>
+                  <a:cubicBezTo>
+                    <a:pt x="150662" y="5210175"/>
+                    <a:pt x="0" y="5078563"/>
+                    <a:pt x="0" y="4598970"/>
+                  </a:cubicBezTo>
+                  <a:lnTo>
+                    <a:pt x="0" y="468330"/>
+                  </a:lnTo>
+                  <a:close/>
+                </a:path>
+              </a:pathLst>
+            </a:custGeom>
+            <a:solidFill>
+              <a:srgbClr val="B3A2C7"/>
+            </a:solidFill>
+            <a:ln>
+              <a:noFill/>
+            </a:ln>
+            <a:effectLst>
+              <a:softEdge rad="0"/>
+            </a:effectLst>
+          </p:spPr>
+          <p:style>
+            <a:lnRef idx="2">
+              <a:schemeClr val="accent1">
+                <a:shade val="50000"/>
+              </a:schemeClr>
+            </a:lnRef>
+            <a:fillRef idx="1">
+              <a:schemeClr val="accent1"/>
+            </a:fillRef>
+            <a:effectRef idx="0">
+              <a:schemeClr val="accent1"/>
+            </a:effectRef>
+            <a:fontRef idx="minor">
+              <a:schemeClr val="lt1"/>
+            </a:fontRef>
+          </p:style>
+          <p:txBody>
+            <a:bodyPr rtlCol="0" anchor="ctr"/>
+            <a:lstStyle/>
+            <a:p>
+              <a:pPr algn="ctr"/>
+              <a:endParaRPr lang="en-SG" dirty="0"/>
+            </a:p>
+          </p:txBody>
+        </p:sp>
+        <p:sp>
+          <p:nvSpPr>
+            <p:cNvPr id="76" name="TextBox 75">
+              <a:extLst>
+                <a:ext uri="{FF2B5EF4-FFF2-40B4-BE49-F238E27FC236}">
+                  <a16:creationId xmlns:a16="http://schemas.microsoft.com/office/drawing/2014/main" id="{EAD4AE56-A70F-42CF-A506-0DA11E0498F8}"/>
+                </a:ext>
+              </a:extLst>
+            </p:cNvPr>
+            <p:cNvSpPr txBox="1"/>
+            <p:nvPr/>
+          </p:nvSpPr>
+          <p:spPr>
+            <a:xfrm>
+              <a:off x="4846795" y="726846"/>
+              <a:ext cx="1638300" cy="369332"/>
+            </a:xfrm>
+            <a:prstGeom prst="rect">
+              <a:avLst/>
+            </a:prstGeom>
+            <a:solidFill>
+              <a:srgbClr val="7030A0"/>
+            </a:solidFill>
+          </p:spPr>
+          <p:txBody>
+            <a:bodyPr wrap="square" rtlCol="0">
+              <a:spAutoFit/>
+            </a:bodyPr>
+            <a:lstStyle/>
+            <a:p>
+              <a:pPr algn="ctr"/>
+              <a:r>
+                <a:rPr lang="en-SG" dirty="0" err="1">
+                  <a:solidFill>
+                    <a:schemeClr val="bg1"/>
+                  </a:solidFill>
+                </a:rPr>
+                <a:t>fb:Feedback</a:t>
+              </a:r>
+              <a:endParaRPr lang="en-SG" dirty="0">
+                <a:solidFill>
+                  <a:schemeClr val="bg1"/>
+                </a:solidFill>
+              </a:endParaRPr>
+            </a:p>
+          </p:txBody>
+        </p:sp>
+        <p:cxnSp>
+          <p:nvCxnSpPr>
+            <p:cNvPr id="77" name="Straight Arrow Connector 76">
+              <a:extLst>
+                <a:ext uri="{FF2B5EF4-FFF2-40B4-BE49-F238E27FC236}">
+                  <a16:creationId xmlns:a16="http://schemas.microsoft.com/office/drawing/2014/main" id="{B121D6F6-86DD-446F-8D59-03D0DC5DF6A2}"/>
+                </a:ext>
+              </a:extLst>
+            </p:cNvPr>
+            <p:cNvCxnSpPr>
+              <a:cxnSpLocks/>
+            </p:cNvCxnSpPr>
+            <p:nvPr/>
+          </p:nvCxnSpPr>
+          <p:spPr>
+            <a:xfrm flipV="1">
+              <a:off x="2192541" y="911512"/>
+              <a:ext cx="2654254" cy="10874"/>
+            </a:xfrm>
+            <a:prstGeom prst="straightConnector1">
+              <a:avLst/>
+            </a:prstGeom>
+            <a:ln w="38100">
+              <a:solidFill>
+                <a:srgbClr val="0070C0"/>
+              </a:solidFill>
+              <a:tailEnd type="triangle"/>
+            </a:ln>
+          </p:spPr>
+          <p:style>
+            <a:lnRef idx="1">
+              <a:schemeClr val="accent1"/>
+            </a:lnRef>
+            <a:fillRef idx="0">
+              <a:schemeClr val="accent1"/>
+            </a:fillRef>
+            <a:effectRef idx="0">
+              <a:schemeClr val="accent1"/>
+            </a:effectRef>
+            <a:fontRef idx="minor">
+              <a:schemeClr val="tx1"/>
+            </a:fontRef>
+          </p:style>
+        </p:cxnSp>
+        <p:sp>
+          <p:nvSpPr>
+            <p:cNvPr id="80" name="Rectangle 79">
+              <a:extLst>
+                <a:ext uri="{FF2B5EF4-FFF2-40B4-BE49-F238E27FC236}">
+                  <a16:creationId xmlns:a16="http://schemas.microsoft.com/office/drawing/2014/main" id="{95C442E1-11C4-44AD-B124-376C29DD3727}"/>
+                </a:ext>
+              </a:extLst>
+            </p:cNvPr>
+            <p:cNvSpPr/>
+            <p:nvPr/>
+          </p:nvSpPr>
+          <p:spPr>
+            <a:xfrm>
+              <a:off x="5566878" y="1096177"/>
+              <a:ext cx="202054" cy="4357187"/>
+            </a:xfrm>
+            <a:prstGeom prst="rect">
+              <a:avLst/>
+            </a:prstGeom>
+            <a:solidFill>
+              <a:srgbClr val="7030A0"/>
+            </a:solidFill>
+            <a:ln>
+              <a:noFill/>
+            </a:ln>
+          </p:spPr>
+          <p:style>
+            <a:lnRef idx="2">
+              <a:schemeClr val="accent1">
+                <a:shade val="50000"/>
+              </a:schemeClr>
+            </a:lnRef>
+            <a:fillRef idx="1">
+              <a:schemeClr val="accent1"/>
+            </a:fillRef>
+            <a:effectRef idx="0">
+              <a:schemeClr val="accent1"/>
+            </a:effectRef>
+            <a:fontRef idx="minor">
+              <a:schemeClr val="lt1"/>
+            </a:fontRef>
+          </p:style>
+          <p:txBody>
+            <a:bodyPr rtlCol="0" anchor="ctr"/>
+            <a:lstStyle/>
+            <a:p>
+              <a:pPr algn="ctr"/>
+              <a:endParaRPr lang="en-SG"/>
+            </a:p>
+          </p:txBody>
+        </p:sp>
+        <p:sp>
+          <p:nvSpPr>
+            <p:cNvPr id="81" name="Rectangle 80">
+              <a:extLst>
+                <a:ext uri="{FF2B5EF4-FFF2-40B4-BE49-F238E27FC236}">
+                  <a16:creationId xmlns:a16="http://schemas.microsoft.com/office/drawing/2014/main" id="{0FF59B3A-7B50-483E-850E-FE43674A2C5D}"/>
+                </a:ext>
+              </a:extLst>
+            </p:cNvPr>
+            <p:cNvSpPr/>
+            <p:nvPr/>
+          </p:nvSpPr>
+          <p:spPr>
+            <a:xfrm>
+              <a:off x="5665944" y="1341392"/>
+              <a:ext cx="190297" cy="369332"/>
+            </a:xfrm>
+            <a:prstGeom prst="rect">
+              <a:avLst/>
+            </a:prstGeom>
+            <a:solidFill>
+              <a:srgbClr val="7030A0"/>
+            </a:solidFill>
+            <a:ln>
+              <a:solidFill>
+                <a:srgbClr val="E4B4FA"/>
+              </a:solidFill>
+            </a:ln>
+          </p:spPr>
+          <p:style>
+            <a:lnRef idx="2">
+              <a:schemeClr val="accent1">
+                <a:shade val="50000"/>
+              </a:schemeClr>
+            </a:lnRef>
+            <a:fillRef idx="1">
+              <a:schemeClr val="accent1"/>
+            </a:fillRef>
+            <a:effectRef idx="0">
+              <a:schemeClr val="accent1"/>
+            </a:effectRef>
+            <a:fontRef idx="minor">
+              <a:schemeClr val="lt1"/>
+            </a:fontRef>
+          </p:style>
+          <p:txBody>
+            <a:bodyPr rtlCol="0" anchor="ctr"/>
+            <a:lstStyle/>
+            <a:p>
+              <a:pPr algn="ctr"/>
+              <a:endParaRPr lang="en-SG"/>
+            </a:p>
+          </p:txBody>
+        </p:sp>
+        <p:sp>
+          <p:nvSpPr>
+            <p:cNvPr id="82" name="TextBox 81">
+              <a:extLst>
+                <a:ext uri="{FF2B5EF4-FFF2-40B4-BE49-F238E27FC236}">
+                  <a16:creationId xmlns:a16="http://schemas.microsoft.com/office/drawing/2014/main" id="{1FFEC995-4504-4227-8D19-FC418CF494C0}"/>
+                </a:ext>
+              </a:extLst>
+            </p:cNvPr>
+            <p:cNvSpPr txBox="1"/>
+            <p:nvPr/>
+          </p:nvSpPr>
+          <p:spPr>
+            <a:xfrm>
+              <a:off x="10736438" y="855330"/>
+              <a:ext cx="1111551" cy="369332"/>
+            </a:xfrm>
+            <a:prstGeom prst="rect">
+              <a:avLst/>
+            </a:prstGeom>
+            <a:solidFill>
+              <a:schemeClr val="bg1"/>
+            </a:solidFill>
+            <a:ln>
+              <a:solidFill>
+                <a:schemeClr val="tx1"/>
+              </a:solidFill>
+            </a:ln>
+          </p:spPr>
+          <p:txBody>
+            <a:bodyPr wrap="square" rtlCol="0">
+              <a:spAutoFit/>
+            </a:bodyPr>
+            <a:lstStyle/>
+            <a:p>
+              <a:pPr algn="ctr"/>
+              <a:r>
+                <a:rPr lang="en-SG" dirty="0"/>
+                <a:t>:</a:t>
+              </a:r>
+              <a:r>
+                <a:rPr lang="en-SG" dirty="0" err="1"/>
+                <a:t>AppUtil</a:t>
+              </a:r>
+              <a:endParaRPr lang="en-SG" dirty="0"/>
+            </a:p>
+          </p:txBody>
+        </p:sp>
+        <p:cxnSp>
+          <p:nvCxnSpPr>
+            <p:cNvPr id="109" name="Connector: Curved 108">
+              <a:extLst>
+                <a:ext uri="{FF2B5EF4-FFF2-40B4-BE49-F238E27FC236}">
+                  <a16:creationId xmlns:a16="http://schemas.microsoft.com/office/drawing/2014/main" id="{447999B8-4C7C-4486-A790-5138127B1BFC}"/>
+                </a:ext>
+              </a:extLst>
+            </p:cNvPr>
+            <p:cNvCxnSpPr/>
+            <p:nvPr/>
+          </p:nvCxnSpPr>
+          <p:spPr>
+            <a:xfrm rot="16200000" flipH="1">
+              <a:off x="5733268" y="1218419"/>
+              <a:ext cx="150796" cy="95149"/>
+            </a:xfrm>
+            <a:prstGeom prst="curvedConnector3">
+              <a:avLst>
+                <a:gd name="adj1" fmla="val -32116"/>
+              </a:avLst>
+            </a:prstGeom>
+            <a:ln w="38100">
+              <a:solidFill>
+                <a:srgbClr val="7030A0"/>
+              </a:solidFill>
+              <a:tailEnd type="triangle"/>
+            </a:ln>
+          </p:spPr>
+          <p:style>
+            <a:lnRef idx="1">
+              <a:schemeClr val="accent1"/>
+            </a:lnRef>
+            <a:fillRef idx="0">
+              <a:schemeClr val="accent1"/>
+            </a:fillRef>
+            <a:effectRef idx="0">
+              <a:schemeClr val="accent1"/>
+            </a:effectRef>
+            <a:fontRef idx="minor">
+              <a:schemeClr val="tx1"/>
+            </a:fontRef>
+          </p:style>
+        </p:cxnSp>
+        <p:sp>
+          <p:nvSpPr>
+            <p:cNvPr id="111" name="TextBox 110">
+              <a:extLst>
+                <a:ext uri="{FF2B5EF4-FFF2-40B4-BE49-F238E27FC236}">
+                  <a16:creationId xmlns:a16="http://schemas.microsoft.com/office/drawing/2014/main" id="{4804F322-86B3-46DC-BA39-881D8BAB5F2D}"/>
+                </a:ext>
+              </a:extLst>
+            </p:cNvPr>
+            <p:cNvSpPr txBox="1"/>
+            <p:nvPr/>
+          </p:nvSpPr>
+          <p:spPr>
+            <a:xfrm>
+              <a:off x="5833598" y="1062946"/>
+              <a:ext cx="1702389" cy="276999"/>
+            </a:xfrm>
+            <a:prstGeom prst="rect">
+              <a:avLst/>
+            </a:prstGeom>
+            <a:noFill/>
+          </p:spPr>
+          <p:txBody>
+            <a:bodyPr wrap="none" rtlCol="0">
+              <a:spAutoFit/>
+            </a:bodyPr>
+            <a:lstStyle/>
+            <a:p>
+              <a:r>
+                <a:rPr lang="en-SG" sz="1200" dirty="0" err="1">
+                  <a:solidFill>
+                    <a:srgbClr val="7030A0"/>
+                  </a:solidFill>
+                </a:rPr>
+                <a:t>isValidFeedback</a:t>
+              </a:r>
+              <a:r>
+                <a:rPr lang="en-SG" sz="1200" dirty="0">
+                  <a:solidFill>
+                    <a:srgbClr val="7030A0"/>
+                  </a:solidFill>
+                </a:rPr>
+                <a:t>(“wow”)</a:t>
+              </a:r>
+            </a:p>
+          </p:txBody>
+        </p:sp>
+        <p:sp>
+          <p:nvSpPr>
+            <p:cNvPr id="112" name="TextBox 111">
+              <a:extLst>
+                <a:ext uri="{FF2B5EF4-FFF2-40B4-BE49-F238E27FC236}">
+                  <a16:creationId xmlns:a16="http://schemas.microsoft.com/office/drawing/2014/main" id="{08E493B0-B3F8-40C6-9FC8-70E757FA8F21}"/>
+                </a:ext>
+              </a:extLst>
+            </p:cNvPr>
+            <p:cNvSpPr txBox="1"/>
+            <p:nvPr/>
+          </p:nvSpPr>
+          <p:spPr>
+            <a:xfrm>
+              <a:off x="745480" y="873866"/>
+              <a:ext cx="1353127" cy="276999"/>
+            </a:xfrm>
+            <a:prstGeom prst="rect">
+              <a:avLst/>
+            </a:prstGeom>
+            <a:noFill/>
+          </p:spPr>
+          <p:txBody>
+            <a:bodyPr wrap="none" rtlCol="0">
+              <a:spAutoFit/>
+            </a:bodyPr>
+            <a:lstStyle/>
+            <a:p>
+              <a:r>
+                <a:rPr lang="en-SG" sz="1200" dirty="0">
+                  <a:solidFill>
+                    <a:srgbClr val="0070C0"/>
+                  </a:solidFill>
+                </a:rPr>
+                <a:t>parse(“1 fb/wow”)</a:t>
+              </a:r>
+            </a:p>
+          </p:txBody>
+        </p:sp>
+        <p:cxnSp>
+          <p:nvCxnSpPr>
+            <p:cNvPr id="113" name="Straight Arrow Connector 112">
+              <a:extLst>
+                <a:ext uri="{FF2B5EF4-FFF2-40B4-BE49-F238E27FC236}">
+                  <a16:creationId xmlns:a16="http://schemas.microsoft.com/office/drawing/2014/main" id="{66F37D90-D135-44FA-9EB3-84653A2930CB}"/>
+                </a:ext>
+              </a:extLst>
+            </p:cNvPr>
+            <p:cNvCxnSpPr>
+              <a:cxnSpLocks/>
+            </p:cNvCxnSpPr>
+            <p:nvPr/>
+          </p:nvCxnSpPr>
+          <p:spPr>
+            <a:xfrm>
+              <a:off x="739459" y="873413"/>
+              <a:ext cx="1353127" cy="1"/>
+            </a:xfrm>
+            <a:prstGeom prst="straightConnector1">
+              <a:avLst/>
+            </a:prstGeom>
+            <a:ln w="38100">
+              <a:solidFill>
+                <a:srgbClr val="0070C0"/>
+              </a:solidFill>
+              <a:tailEnd type="triangle"/>
+            </a:ln>
+          </p:spPr>
+          <p:style>
+            <a:lnRef idx="1">
+              <a:schemeClr val="accent1"/>
+            </a:lnRef>
+            <a:fillRef idx="0">
+              <a:schemeClr val="accent1"/>
+            </a:fillRef>
+            <a:effectRef idx="0">
+              <a:schemeClr val="accent1"/>
+            </a:effectRef>
+            <a:fontRef idx="minor">
+              <a:schemeClr val="tx1"/>
+            </a:fontRef>
+          </p:style>
+        </p:cxnSp>
+        <p:cxnSp>
+          <p:nvCxnSpPr>
+            <p:cNvPr id="119" name="Straight Arrow Connector 118">
+              <a:extLst>
+                <a:ext uri="{FF2B5EF4-FFF2-40B4-BE49-F238E27FC236}">
+                  <a16:creationId xmlns:a16="http://schemas.microsoft.com/office/drawing/2014/main" id="{D66CD40C-0116-4877-B1FC-D0EF8510C28E}"/>
+                </a:ext>
+              </a:extLst>
+            </p:cNvPr>
+            <p:cNvCxnSpPr>
+              <a:cxnSpLocks/>
+              <a:endCxn id="5" idx="1"/>
+            </p:cNvCxnSpPr>
+            <p:nvPr/>
+          </p:nvCxnSpPr>
+          <p:spPr>
+            <a:xfrm>
+              <a:off x="729762" y="447583"/>
+              <a:ext cx="362764" cy="0"/>
+            </a:xfrm>
+            <a:prstGeom prst="straightConnector1">
+              <a:avLst/>
+            </a:prstGeom>
+            <a:ln w="38100">
+              <a:solidFill>
+                <a:srgbClr val="0070C0"/>
+              </a:solidFill>
+              <a:tailEnd type="triangle"/>
+            </a:ln>
+          </p:spPr>
+          <p:style>
+            <a:lnRef idx="1">
+              <a:schemeClr val="accent1"/>
+            </a:lnRef>
+            <a:fillRef idx="0">
+              <a:schemeClr val="accent1"/>
+            </a:fillRef>
+            <a:effectRef idx="0">
+              <a:schemeClr val="accent1"/>
+            </a:effectRef>
+            <a:fontRef idx="minor">
+              <a:schemeClr val="tx1"/>
+            </a:fontRef>
+          </p:style>
+        </p:cxnSp>
+        <p:cxnSp>
+          <p:nvCxnSpPr>
+            <p:cNvPr id="122" name="Straight Arrow Connector 121">
+              <a:extLst>
+                <a:ext uri="{FF2B5EF4-FFF2-40B4-BE49-F238E27FC236}">
+                  <a16:creationId xmlns:a16="http://schemas.microsoft.com/office/drawing/2014/main" id="{86267ABA-EF5B-4AB4-9038-EF75B6977D95}"/>
+                </a:ext>
+              </a:extLst>
+            </p:cNvPr>
+            <p:cNvCxnSpPr>
+              <a:cxnSpLocks/>
+            </p:cNvCxnSpPr>
+            <p:nvPr/>
+          </p:nvCxnSpPr>
+          <p:spPr>
+            <a:xfrm flipH="1">
+              <a:off x="729762" y="698248"/>
+              <a:ext cx="1519557" cy="0"/>
+            </a:xfrm>
+            <a:prstGeom prst="straightConnector1">
+              <a:avLst/>
+            </a:prstGeom>
+            <a:ln w="38100">
+              <a:solidFill>
+                <a:srgbClr val="0070C0"/>
+              </a:solidFill>
+              <a:prstDash val="sysDot"/>
+              <a:tailEnd type="triangle"/>
+            </a:ln>
+          </p:spPr>
+          <p:style>
+            <a:lnRef idx="1">
+              <a:schemeClr val="accent1"/>
+            </a:lnRef>
+            <a:fillRef idx="0">
+              <a:schemeClr val="accent1"/>
+            </a:fillRef>
+            <a:effectRef idx="0">
+              <a:schemeClr val="accent1"/>
+            </a:effectRef>
+            <a:fontRef idx="minor">
+              <a:schemeClr val="tx1"/>
+            </a:fontRef>
+          </p:style>
+        </p:cxnSp>
+        <p:cxnSp>
+          <p:nvCxnSpPr>
+            <p:cNvPr id="124" name="Straight Arrow Connector 123">
+              <a:extLst>
+                <a:ext uri="{FF2B5EF4-FFF2-40B4-BE49-F238E27FC236}">
+                  <a16:creationId xmlns:a16="http://schemas.microsoft.com/office/drawing/2014/main" id="{87227525-2975-4221-8B48-C82082BF65FA}"/>
+                </a:ext>
+              </a:extLst>
+            </p:cNvPr>
+            <p:cNvCxnSpPr>
+              <a:cxnSpLocks/>
+            </p:cNvCxnSpPr>
+            <p:nvPr/>
+          </p:nvCxnSpPr>
+          <p:spPr>
+            <a:xfrm flipH="1">
+              <a:off x="820062" y="6137776"/>
+              <a:ext cx="1429257" cy="0"/>
+            </a:xfrm>
+            <a:prstGeom prst="straightConnector1">
+              <a:avLst/>
+            </a:prstGeom>
+            <a:ln w="38100">
+              <a:solidFill>
+                <a:srgbClr val="0070C0"/>
+              </a:solidFill>
+              <a:prstDash val="sysDot"/>
+              <a:tailEnd type="triangle"/>
+            </a:ln>
+          </p:spPr>
+          <p:style>
+            <a:lnRef idx="1">
+              <a:schemeClr val="accent1"/>
+            </a:lnRef>
+            <a:fillRef idx="0">
+              <a:schemeClr val="accent1"/>
+            </a:fillRef>
+            <a:effectRef idx="0">
+              <a:schemeClr val="accent1"/>
+            </a:effectRef>
+            <a:fontRef idx="minor">
+              <a:schemeClr val="tx1"/>
+            </a:fontRef>
+          </p:style>
+        </p:cxnSp>
+        <p:cxnSp>
+          <p:nvCxnSpPr>
+            <p:cNvPr id="125" name="Connector: Curved 124">
+              <a:extLst>
+                <a:ext uri="{FF2B5EF4-FFF2-40B4-BE49-F238E27FC236}">
+                  <a16:creationId xmlns:a16="http://schemas.microsoft.com/office/drawing/2014/main" id="{3E0A3C32-A6B9-45EA-B653-BF25C110DA19}"/>
+                </a:ext>
+              </a:extLst>
+            </p:cNvPr>
+            <p:cNvCxnSpPr>
+              <a:cxnSpLocks/>
+            </p:cNvCxnSpPr>
+            <p:nvPr/>
+          </p:nvCxnSpPr>
+          <p:spPr>
+            <a:xfrm rot="5400000">
+              <a:off x="5711134" y="1769256"/>
+              <a:ext cx="180775" cy="82764"/>
+            </a:xfrm>
+            <a:prstGeom prst="curvedConnector3">
+              <a:avLst>
+                <a:gd name="adj1" fmla="val 71076"/>
+              </a:avLst>
+            </a:prstGeom>
+            <a:ln w="38100">
+              <a:solidFill>
+                <a:srgbClr val="7030A0"/>
+              </a:solidFill>
+              <a:tailEnd type="triangle"/>
+            </a:ln>
+          </p:spPr>
+          <p:style>
+            <a:lnRef idx="1">
+              <a:schemeClr val="accent1"/>
+            </a:lnRef>
+            <a:fillRef idx="0">
+              <a:schemeClr val="accent1"/>
+            </a:fillRef>
+            <a:effectRef idx="0">
+              <a:schemeClr val="accent1"/>
+            </a:effectRef>
+            <a:fontRef idx="minor">
+              <a:schemeClr val="tx1"/>
+            </a:fontRef>
+          </p:style>
+        </p:cxnSp>
+        <p:sp>
+          <p:nvSpPr>
+            <p:cNvPr id="133" name="Rectangle 132">
+              <a:extLst>
+                <a:ext uri="{FF2B5EF4-FFF2-40B4-BE49-F238E27FC236}">
+                  <a16:creationId xmlns:a16="http://schemas.microsoft.com/office/drawing/2014/main" id="{0311A931-DEA4-41C8-B2B2-9A51DC385299}"/>
+                </a:ext>
+              </a:extLst>
+            </p:cNvPr>
+            <p:cNvSpPr/>
+            <p:nvPr/>
+          </p:nvSpPr>
+          <p:spPr>
+            <a:xfrm>
+              <a:off x="11197064" y="1931336"/>
+              <a:ext cx="190297" cy="369332"/>
+            </a:xfrm>
+            <a:prstGeom prst="rect">
+              <a:avLst/>
+            </a:prstGeom>
+            <a:solidFill>
+              <a:schemeClr val="bg1"/>
+            </a:solidFill>
+            <a:ln>
+              <a:solidFill>
+                <a:schemeClr val="tx1"/>
+              </a:solidFill>
+            </a:ln>
+          </p:spPr>
+          <p:style>
+            <a:lnRef idx="2">
+              <a:schemeClr val="accent1">
+                <a:shade val="50000"/>
+              </a:schemeClr>
+            </a:lnRef>
+            <a:fillRef idx="1">
+              <a:schemeClr val="accent1"/>
+            </a:fillRef>
+            <a:effectRef idx="0">
+              <a:schemeClr val="accent1"/>
+            </a:effectRef>
+            <a:fontRef idx="minor">
+              <a:schemeClr val="lt1"/>
+            </a:fontRef>
+          </p:style>
+          <p:txBody>
+            <a:bodyPr rtlCol="0" anchor="ctr"/>
+            <a:lstStyle/>
+            <a:p>
+              <a:pPr algn="ctr"/>
+              <a:endParaRPr lang="en-SG"/>
+            </a:p>
+          </p:txBody>
+        </p:sp>
+        <p:cxnSp>
+          <p:nvCxnSpPr>
+            <p:cNvPr id="134" name="Straight Arrow Connector 133">
+              <a:extLst>
+                <a:ext uri="{FF2B5EF4-FFF2-40B4-BE49-F238E27FC236}">
+                  <a16:creationId xmlns:a16="http://schemas.microsoft.com/office/drawing/2014/main" id="{3DE44836-E80E-4258-A984-8242F56F3D0E}"/>
+                </a:ext>
+              </a:extLst>
+            </p:cNvPr>
+            <p:cNvCxnSpPr>
+              <a:cxnSpLocks/>
+            </p:cNvCxnSpPr>
+            <p:nvPr/>
+          </p:nvCxnSpPr>
+          <p:spPr>
+            <a:xfrm>
+              <a:off x="5764339" y="1968325"/>
+              <a:ext cx="5432725" cy="25737"/>
+            </a:xfrm>
+            <a:prstGeom prst="straightConnector1">
+              <a:avLst/>
+            </a:prstGeom>
+            <a:ln w="38100">
+              <a:solidFill>
+                <a:srgbClr val="7030A0"/>
+              </a:solidFill>
+              <a:tailEnd type="triangle"/>
+            </a:ln>
+          </p:spPr>
+          <p:style>
+            <a:lnRef idx="1">
+              <a:schemeClr val="accent1"/>
+            </a:lnRef>
+            <a:fillRef idx="0">
+              <a:schemeClr val="accent1"/>
+            </a:fillRef>
+            <a:effectRef idx="0">
+              <a:schemeClr val="accent1"/>
+            </a:effectRef>
+            <a:fontRef idx="minor">
+              <a:schemeClr val="tx1"/>
+            </a:fontRef>
+          </p:style>
+        </p:cxnSp>
+        <p:cxnSp>
+          <p:nvCxnSpPr>
+            <p:cNvPr id="136" name="Straight Arrow Connector 135">
+              <a:extLst>
+                <a:ext uri="{FF2B5EF4-FFF2-40B4-BE49-F238E27FC236}">
+                  <a16:creationId xmlns:a16="http://schemas.microsoft.com/office/drawing/2014/main" id="{68A0E509-EDC9-49AB-9066-807F795F259B}"/>
+                </a:ext>
+              </a:extLst>
+            </p:cNvPr>
+            <p:cNvCxnSpPr>
+              <a:cxnSpLocks/>
+            </p:cNvCxnSpPr>
+            <p:nvPr/>
+          </p:nvCxnSpPr>
+          <p:spPr>
+            <a:xfrm flipH="1" flipV="1">
+              <a:off x="5760141" y="2269016"/>
+              <a:ext cx="5436923" cy="13139"/>
+            </a:xfrm>
+            <a:prstGeom prst="straightConnector1">
+              <a:avLst/>
+            </a:prstGeom>
+            <a:ln w="38100">
+              <a:solidFill>
+                <a:schemeClr val="tx1"/>
+              </a:solidFill>
+              <a:prstDash val="sysDot"/>
+              <a:tailEnd type="triangle"/>
+            </a:ln>
+          </p:spPr>
+          <p:style>
+            <a:lnRef idx="1">
+              <a:schemeClr val="accent1"/>
+            </a:lnRef>
+            <a:fillRef idx="0">
+              <a:schemeClr val="accent1"/>
+            </a:fillRef>
+            <a:effectRef idx="0">
+              <a:schemeClr val="accent1"/>
+            </a:effectRef>
+            <a:fontRef idx="minor">
+              <a:schemeClr val="tx1"/>
+            </a:fontRef>
+          </p:style>
+        </p:cxnSp>
+        <p:cxnSp>
+          <p:nvCxnSpPr>
+            <p:cNvPr id="153" name="Connector: Curved 152">
+              <a:extLst>
+                <a:ext uri="{FF2B5EF4-FFF2-40B4-BE49-F238E27FC236}">
+                  <a16:creationId xmlns:a16="http://schemas.microsoft.com/office/drawing/2014/main" id="{462F89C2-6181-4656-A5A6-68DE00ED2687}"/>
+                </a:ext>
+              </a:extLst>
+            </p:cNvPr>
+            <p:cNvCxnSpPr/>
+            <p:nvPr/>
+          </p:nvCxnSpPr>
+          <p:spPr>
+            <a:xfrm rot="16200000" flipH="1">
+              <a:off x="5742060" y="2511440"/>
+              <a:ext cx="150796" cy="95149"/>
+            </a:xfrm>
+            <a:prstGeom prst="curvedConnector3">
+              <a:avLst>
+                <a:gd name="adj1" fmla="val -32116"/>
+              </a:avLst>
+            </a:prstGeom>
+            <a:ln w="38100">
+              <a:solidFill>
+                <a:srgbClr val="7030A0"/>
+              </a:solidFill>
+              <a:tailEnd type="triangle"/>
+            </a:ln>
+          </p:spPr>
+          <p:style>
+            <a:lnRef idx="1">
+              <a:schemeClr val="accent1"/>
+            </a:lnRef>
+            <a:fillRef idx="0">
+              <a:schemeClr val="accent1"/>
+            </a:fillRef>
+            <a:effectRef idx="0">
+              <a:schemeClr val="accent1"/>
+            </a:effectRef>
+            <a:fontRef idx="minor">
+              <a:schemeClr val="tx1"/>
+            </a:fontRef>
+          </p:style>
+        </p:cxnSp>
+        <p:sp>
+          <p:nvSpPr>
+            <p:cNvPr id="154" name="TextBox 153">
+              <a:extLst>
+                <a:ext uri="{FF2B5EF4-FFF2-40B4-BE49-F238E27FC236}">
+                  <a16:creationId xmlns:a16="http://schemas.microsoft.com/office/drawing/2014/main" id="{83607618-F7E0-4BA9-AB06-AC05C628359E}"/>
+                </a:ext>
+              </a:extLst>
+            </p:cNvPr>
+            <p:cNvSpPr txBox="1"/>
+            <p:nvPr/>
+          </p:nvSpPr>
+          <p:spPr>
+            <a:xfrm>
+              <a:off x="6667779" y="1709762"/>
+              <a:ext cx="2790572" cy="276999"/>
+            </a:xfrm>
+            <a:prstGeom prst="rect">
+              <a:avLst/>
+            </a:prstGeom>
+            <a:noFill/>
+          </p:spPr>
+          <p:txBody>
+            <a:bodyPr wrap="none" rtlCol="0">
+              <a:spAutoFit/>
+            </a:bodyPr>
+            <a:lstStyle/>
+            <a:p>
+              <a:r>
+                <a:rPr lang="en-SG" sz="1200" dirty="0" err="1"/>
+                <a:t>checkArgument</a:t>
+              </a:r>
+              <a:r>
+                <a:rPr lang="en-SG" sz="1200" dirty="0"/>
+                <a:t>(</a:t>
+              </a:r>
+              <a:r>
+                <a:rPr lang="en-SG" sz="1200" dirty="0">
+                  <a:solidFill>
+                    <a:schemeClr val="bg1"/>
+                  </a:solidFill>
+                </a:rPr>
+                <a:t>condition</a:t>
+              </a:r>
+              <a:r>
+                <a:rPr lang="en-SG" sz="1200" dirty="0"/>
+                <a:t>, </a:t>
+              </a:r>
+              <a:r>
+                <a:rPr lang="en-SG" sz="1200" dirty="0" err="1"/>
+                <a:t>errorMessage</a:t>
+              </a:r>
+              <a:r>
+                <a:rPr lang="en-SG" sz="1200" dirty="0"/>
+                <a:t>)</a:t>
+              </a:r>
+            </a:p>
+          </p:txBody>
+        </p:sp>
+        <p:cxnSp>
+          <p:nvCxnSpPr>
+            <p:cNvPr id="155" name="Connector: Curved 154">
+              <a:extLst>
+                <a:ext uri="{FF2B5EF4-FFF2-40B4-BE49-F238E27FC236}">
+                  <a16:creationId xmlns:a16="http://schemas.microsoft.com/office/drawing/2014/main" id="{E4E01F5B-AC18-4F53-B3D6-A26D07D1DD7D}"/>
+                </a:ext>
+              </a:extLst>
+            </p:cNvPr>
+            <p:cNvCxnSpPr>
+              <a:cxnSpLocks/>
+            </p:cNvCxnSpPr>
+            <p:nvPr/>
+          </p:nvCxnSpPr>
+          <p:spPr>
+            <a:xfrm rot="5400000">
+              <a:off x="5719926" y="4708580"/>
+              <a:ext cx="180775" cy="82764"/>
+            </a:xfrm>
+            <a:prstGeom prst="curvedConnector3">
+              <a:avLst>
+                <a:gd name="adj1" fmla="val 71076"/>
+              </a:avLst>
+            </a:prstGeom>
+            <a:ln w="38100">
+              <a:solidFill>
+                <a:srgbClr val="7030A0"/>
+              </a:solidFill>
+              <a:tailEnd type="triangle"/>
+            </a:ln>
+          </p:spPr>
+          <p:style>
+            <a:lnRef idx="1">
+              <a:schemeClr val="accent1"/>
+            </a:lnRef>
+            <a:fillRef idx="0">
+              <a:schemeClr val="accent1"/>
+            </a:fillRef>
+            <a:effectRef idx="0">
+              <a:schemeClr val="accent1"/>
+            </a:effectRef>
+            <a:fontRef idx="minor">
+              <a:schemeClr val="tx1"/>
+            </a:fontRef>
+          </p:style>
+        </p:cxnSp>
+        <p:cxnSp>
+          <p:nvCxnSpPr>
+            <p:cNvPr id="156" name="Straight Arrow Connector 155">
+              <a:extLst>
+                <a:ext uri="{FF2B5EF4-FFF2-40B4-BE49-F238E27FC236}">
+                  <a16:creationId xmlns:a16="http://schemas.microsoft.com/office/drawing/2014/main" id="{FEF46F0E-A961-48AC-8D9E-77651D9EB898}"/>
+                </a:ext>
+              </a:extLst>
+            </p:cNvPr>
+            <p:cNvCxnSpPr>
+              <a:cxnSpLocks/>
+            </p:cNvCxnSpPr>
+            <p:nvPr/>
+          </p:nvCxnSpPr>
+          <p:spPr>
+            <a:xfrm>
+              <a:off x="5773131" y="4928040"/>
+              <a:ext cx="5423933" cy="11399"/>
+            </a:xfrm>
+            <a:prstGeom prst="straightConnector1">
+              <a:avLst/>
+            </a:prstGeom>
+            <a:ln w="38100">
+              <a:solidFill>
+                <a:srgbClr val="7030A0"/>
+              </a:solidFill>
+              <a:tailEnd type="triangle"/>
+            </a:ln>
+          </p:spPr>
+          <p:style>
+            <a:lnRef idx="1">
+              <a:schemeClr val="accent1"/>
+            </a:lnRef>
+            <a:fillRef idx="0">
+              <a:schemeClr val="accent1"/>
+            </a:fillRef>
+            <a:effectRef idx="0">
+              <a:schemeClr val="accent1"/>
+            </a:effectRef>
+            <a:fontRef idx="minor">
+              <a:schemeClr val="tx1"/>
+            </a:fontRef>
+          </p:style>
+        </p:cxnSp>
+        <p:cxnSp>
+          <p:nvCxnSpPr>
+            <p:cNvPr id="157" name="Straight Arrow Connector 156">
+              <a:extLst>
+                <a:ext uri="{FF2B5EF4-FFF2-40B4-BE49-F238E27FC236}">
+                  <a16:creationId xmlns:a16="http://schemas.microsoft.com/office/drawing/2014/main" id="{E1AE6D58-EEB4-4EBD-9D8D-58D68ED4CD67}"/>
+                </a:ext>
+              </a:extLst>
+            </p:cNvPr>
+            <p:cNvCxnSpPr>
+              <a:cxnSpLocks/>
+            </p:cNvCxnSpPr>
+            <p:nvPr/>
+          </p:nvCxnSpPr>
+          <p:spPr>
+            <a:xfrm flipH="1">
+              <a:off x="5768933" y="5237522"/>
+              <a:ext cx="5428131" cy="0"/>
+            </a:xfrm>
+            <a:prstGeom prst="straightConnector1">
+              <a:avLst/>
+            </a:prstGeom>
+            <a:ln w="38100">
+              <a:solidFill>
+                <a:schemeClr val="tx1"/>
+              </a:solidFill>
+              <a:prstDash val="sysDot"/>
+              <a:tailEnd type="triangle"/>
+            </a:ln>
+          </p:spPr>
+          <p:style>
+            <a:lnRef idx="1">
+              <a:schemeClr val="accent1"/>
+            </a:lnRef>
+            <a:fillRef idx="0">
+              <a:schemeClr val="accent1"/>
+            </a:fillRef>
+            <a:effectRef idx="0">
+              <a:schemeClr val="accent1"/>
+            </a:effectRef>
+            <a:fontRef idx="minor">
+              <a:schemeClr val="tx1"/>
+            </a:fontRef>
+          </p:style>
+        </p:cxnSp>
+        <p:sp>
+          <p:nvSpPr>
+            <p:cNvPr id="161" name="TextBox 160">
+              <a:extLst>
+                <a:ext uri="{FF2B5EF4-FFF2-40B4-BE49-F238E27FC236}">
+                  <a16:creationId xmlns:a16="http://schemas.microsoft.com/office/drawing/2014/main" id="{11D34A02-C506-4229-ABF7-9A81FD2B74FD}"/>
+                </a:ext>
+              </a:extLst>
+            </p:cNvPr>
+            <p:cNvSpPr txBox="1"/>
+            <p:nvPr/>
+          </p:nvSpPr>
+          <p:spPr>
+            <a:xfrm>
+              <a:off x="7742062" y="2489217"/>
+              <a:ext cx="1638300" cy="369332"/>
+            </a:xfrm>
+            <a:prstGeom prst="rect">
+              <a:avLst/>
+            </a:prstGeom>
+            <a:solidFill>
+              <a:srgbClr val="7030A0"/>
+            </a:solidFill>
+          </p:spPr>
+          <p:txBody>
+            <a:bodyPr wrap="square" rtlCol="0">
+              <a:spAutoFit/>
+            </a:bodyPr>
+            <a:lstStyle/>
+            <a:p>
+              <a:pPr algn="ctr"/>
+              <a:r>
+                <a:rPr lang="en-SG" dirty="0">
+                  <a:solidFill>
+                    <a:schemeClr val="bg1"/>
+                  </a:solidFill>
+                </a:rPr>
+                <a:t>:</a:t>
+              </a:r>
+              <a:r>
+                <a:rPr lang="en-SG" dirty="0" err="1">
+                  <a:solidFill>
+                    <a:schemeClr val="bg1"/>
+                  </a:solidFill>
+                </a:rPr>
+                <a:t>ProfanityFilter</a:t>
+              </a:r>
+              <a:endParaRPr lang="en-SG" dirty="0">
+                <a:solidFill>
+                  <a:schemeClr val="bg1"/>
+                </a:solidFill>
+              </a:endParaRPr>
+            </a:p>
+          </p:txBody>
+        </p:sp>
+        <p:cxnSp>
+          <p:nvCxnSpPr>
+            <p:cNvPr id="163" name="Straight Arrow Connector 162">
+              <a:extLst>
+                <a:ext uri="{FF2B5EF4-FFF2-40B4-BE49-F238E27FC236}">
+                  <a16:creationId xmlns:a16="http://schemas.microsoft.com/office/drawing/2014/main" id="{D22C0D86-FE82-42D8-A17D-BAE3942FD473}"/>
+                </a:ext>
+              </a:extLst>
+            </p:cNvPr>
+            <p:cNvCxnSpPr>
+              <a:cxnSpLocks/>
+            </p:cNvCxnSpPr>
+            <p:nvPr/>
+          </p:nvCxnSpPr>
+          <p:spPr>
+            <a:xfrm flipV="1">
+              <a:off x="5851696" y="2696743"/>
+              <a:ext cx="1890366" cy="15269"/>
+            </a:xfrm>
+            <a:prstGeom prst="straightConnector1">
+              <a:avLst/>
+            </a:prstGeom>
+            <a:ln w="38100">
+              <a:solidFill>
+                <a:srgbClr val="7030A0"/>
+              </a:solidFill>
+              <a:tailEnd type="triangle"/>
+            </a:ln>
+          </p:spPr>
+          <p:style>
+            <a:lnRef idx="1">
+              <a:schemeClr val="accent1"/>
+            </a:lnRef>
+            <a:fillRef idx="0">
+              <a:schemeClr val="accent1"/>
+            </a:fillRef>
+            <a:effectRef idx="0">
+              <a:schemeClr val="accent1"/>
+            </a:effectRef>
+            <a:fontRef idx="minor">
+              <a:schemeClr val="tx1"/>
+            </a:fontRef>
+          </p:style>
+        </p:cxnSp>
+        <p:cxnSp>
+          <p:nvCxnSpPr>
+            <p:cNvPr id="167" name="Straight Connector 166">
+              <a:extLst>
+                <a:ext uri="{FF2B5EF4-FFF2-40B4-BE49-F238E27FC236}">
+                  <a16:creationId xmlns:a16="http://schemas.microsoft.com/office/drawing/2014/main" id="{D24F2DEA-A11D-409E-AFC0-D89A2ECC118E}"/>
+                </a:ext>
+              </a:extLst>
+            </p:cNvPr>
+            <p:cNvCxnSpPr>
+              <a:cxnSpLocks/>
+              <a:stCxn id="80" idx="2"/>
+            </p:cNvCxnSpPr>
+            <p:nvPr/>
+          </p:nvCxnSpPr>
+          <p:spPr>
+            <a:xfrm>
+              <a:off x="5667905" y="5453364"/>
+              <a:ext cx="0" cy="245214"/>
+            </a:xfrm>
+            <a:prstGeom prst="line">
+              <a:avLst/>
+            </a:prstGeom>
+            <a:ln w="28575">
+              <a:solidFill>
+                <a:srgbClr val="7030A0"/>
+              </a:solidFill>
+              <a:prstDash val="sysDot"/>
+            </a:ln>
+          </p:spPr>
+          <p:style>
+            <a:lnRef idx="1">
+              <a:schemeClr val="accent1"/>
+            </a:lnRef>
+            <a:fillRef idx="0">
+              <a:schemeClr val="accent1"/>
+            </a:fillRef>
+            <a:effectRef idx="0">
+              <a:schemeClr val="accent1"/>
+            </a:effectRef>
+            <a:fontRef idx="minor">
+              <a:schemeClr val="tx1"/>
+            </a:fontRef>
+          </p:style>
+        </p:cxnSp>
+        <p:cxnSp>
+          <p:nvCxnSpPr>
+            <p:cNvPr id="178" name="Straight Arrow Connector 177">
+              <a:extLst>
+                <a:ext uri="{FF2B5EF4-FFF2-40B4-BE49-F238E27FC236}">
+                  <a16:creationId xmlns:a16="http://schemas.microsoft.com/office/drawing/2014/main" id="{3EBECFC8-917D-4E3E-9526-5BAB7D3E6763}"/>
+                </a:ext>
+              </a:extLst>
+            </p:cNvPr>
+            <p:cNvCxnSpPr>
+              <a:cxnSpLocks/>
+            </p:cNvCxnSpPr>
+            <p:nvPr/>
+          </p:nvCxnSpPr>
+          <p:spPr>
+            <a:xfrm flipH="1">
+              <a:off x="5882424" y="3433836"/>
+              <a:ext cx="2670007" cy="0"/>
+            </a:xfrm>
+            <a:prstGeom prst="straightConnector1">
+              <a:avLst/>
+            </a:prstGeom>
+            <a:ln w="38100">
+              <a:solidFill>
+                <a:srgbClr val="7030A0"/>
+              </a:solidFill>
+              <a:prstDash val="sysDot"/>
+              <a:tailEnd type="triangle"/>
+            </a:ln>
+          </p:spPr>
+          <p:style>
+            <a:lnRef idx="1">
+              <a:schemeClr val="accent1"/>
+            </a:lnRef>
+            <a:fillRef idx="0">
+              <a:schemeClr val="accent1"/>
+            </a:fillRef>
+            <a:effectRef idx="0">
+              <a:schemeClr val="accent1"/>
+            </a:effectRef>
+            <a:fontRef idx="minor">
+              <a:schemeClr val="tx1"/>
+            </a:fontRef>
+          </p:style>
+        </p:cxnSp>
+        <p:sp>
+          <p:nvSpPr>
+            <p:cNvPr id="180" name="Rectangle 179">
+              <a:extLst>
+                <a:ext uri="{FF2B5EF4-FFF2-40B4-BE49-F238E27FC236}">
+                  <a16:creationId xmlns:a16="http://schemas.microsoft.com/office/drawing/2014/main" id="{1945CBE9-4CDD-45B7-B87B-3D1E9297403B}"/>
+                </a:ext>
+              </a:extLst>
+            </p:cNvPr>
+            <p:cNvSpPr/>
+            <p:nvPr/>
+          </p:nvSpPr>
+          <p:spPr>
+            <a:xfrm>
+              <a:off x="8462144" y="2790795"/>
+              <a:ext cx="198135" cy="665998"/>
+            </a:xfrm>
+            <a:prstGeom prst="rect">
+              <a:avLst/>
+            </a:prstGeom>
+            <a:solidFill>
+              <a:srgbClr val="7030A0"/>
+            </a:solidFill>
+            <a:ln>
+              <a:noFill/>
+            </a:ln>
+          </p:spPr>
+          <p:style>
+            <a:lnRef idx="2">
+              <a:schemeClr val="accent1">
+                <a:shade val="50000"/>
+              </a:schemeClr>
+            </a:lnRef>
+            <a:fillRef idx="1">
+              <a:schemeClr val="accent1"/>
+            </a:fillRef>
+            <a:effectRef idx="0">
+              <a:schemeClr val="accent1"/>
+            </a:effectRef>
+            <a:fontRef idx="minor">
+              <a:schemeClr val="lt1"/>
+            </a:fontRef>
+          </p:style>
+          <p:txBody>
+            <a:bodyPr rtlCol="0" anchor="ctr"/>
+            <a:lstStyle/>
+            <a:p>
+              <a:pPr algn="ctr"/>
+              <a:endParaRPr lang="en-SG"/>
+            </a:p>
+          </p:txBody>
+        </p:sp>
+        <p:cxnSp>
+          <p:nvCxnSpPr>
+            <p:cNvPr id="182" name="Connector: Curved 181">
+              <a:extLst>
+                <a:ext uri="{FF2B5EF4-FFF2-40B4-BE49-F238E27FC236}">
+                  <a16:creationId xmlns:a16="http://schemas.microsoft.com/office/drawing/2014/main" id="{9A59D296-677B-4823-B2F9-74DFC47D17BA}"/>
+                </a:ext>
+              </a:extLst>
+            </p:cNvPr>
+            <p:cNvCxnSpPr>
+              <a:cxnSpLocks/>
+            </p:cNvCxnSpPr>
+            <p:nvPr/>
+          </p:nvCxnSpPr>
+          <p:spPr>
+            <a:xfrm rot="16200000" flipH="1">
+              <a:off x="8636321" y="2959923"/>
+              <a:ext cx="150796" cy="95149"/>
+            </a:xfrm>
+            <a:prstGeom prst="curvedConnector3">
+              <a:avLst>
+                <a:gd name="adj1" fmla="val -32116"/>
+              </a:avLst>
+            </a:prstGeom>
+            <a:ln w="38100">
+              <a:solidFill>
+                <a:srgbClr val="7030A0"/>
+              </a:solidFill>
+              <a:tailEnd type="triangle"/>
+            </a:ln>
+          </p:spPr>
+          <p:style>
+            <a:lnRef idx="1">
+              <a:schemeClr val="accent1"/>
+            </a:lnRef>
+            <a:fillRef idx="0">
+              <a:schemeClr val="accent1"/>
+            </a:fillRef>
+            <a:effectRef idx="0">
+              <a:schemeClr val="accent1"/>
+            </a:effectRef>
+            <a:fontRef idx="minor">
+              <a:schemeClr val="tx1"/>
+            </a:fontRef>
+          </p:style>
+        </p:cxnSp>
+        <p:sp>
+          <p:nvSpPr>
+            <p:cNvPr id="183" name="TextBox 182">
+              <a:extLst>
+                <a:ext uri="{FF2B5EF4-FFF2-40B4-BE49-F238E27FC236}">
+                  <a16:creationId xmlns:a16="http://schemas.microsoft.com/office/drawing/2014/main" id="{2243471F-75A7-4EC4-A4C3-71BAEB8704A3}"/>
+                </a:ext>
+              </a:extLst>
+            </p:cNvPr>
+            <p:cNvSpPr txBox="1"/>
+            <p:nvPr/>
+          </p:nvSpPr>
+          <p:spPr>
+            <a:xfrm>
+              <a:off x="8774533" y="2832996"/>
+              <a:ext cx="1006109" cy="276999"/>
+            </a:xfrm>
+            <a:prstGeom prst="rect">
+              <a:avLst/>
+            </a:prstGeom>
+            <a:noFill/>
+          </p:spPr>
+          <p:txBody>
+            <a:bodyPr wrap="none" rtlCol="0">
+              <a:spAutoFit/>
+            </a:bodyPr>
+            <a:lstStyle/>
+            <a:p>
+              <a:r>
+                <a:rPr lang="en-SG" sz="1200" dirty="0" err="1">
+                  <a:solidFill>
+                    <a:srgbClr val="7030A0"/>
+                  </a:solidFill>
+                </a:rPr>
+                <a:t>loadConfigs</a:t>
+              </a:r>
+              <a:r>
+                <a:rPr lang="en-SG" sz="1200" dirty="0">
+                  <a:solidFill>
+                    <a:srgbClr val="7030A0"/>
+                  </a:solidFill>
+                </a:rPr>
+                <a:t>()</a:t>
+              </a:r>
+            </a:p>
+          </p:txBody>
+        </p:sp>
+        <p:cxnSp>
+          <p:nvCxnSpPr>
+            <p:cNvPr id="184" name="Connector: Curved 183">
+              <a:extLst>
+                <a:ext uri="{FF2B5EF4-FFF2-40B4-BE49-F238E27FC236}">
+                  <a16:creationId xmlns:a16="http://schemas.microsoft.com/office/drawing/2014/main" id="{34188AF7-7822-438F-A6D8-79B4B7F5D938}"/>
+                </a:ext>
+              </a:extLst>
+            </p:cNvPr>
+            <p:cNvCxnSpPr>
+              <a:cxnSpLocks/>
+            </p:cNvCxnSpPr>
+            <p:nvPr/>
+          </p:nvCxnSpPr>
+          <p:spPr>
+            <a:xfrm rot="5400000">
+              <a:off x="8614187" y="3257834"/>
+              <a:ext cx="180775" cy="82764"/>
+            </a:xfrm>
+            <a:prstGeom prst="curvedConnector3">
+              <a:avLst>
+                <a:gd name="adj1" fmla="val 71076"/>
+              </a:avLst>
+            </a:prstGeom>
+            <a:ln w="38100">
+              <a:solidFill>
+                <a:srgbClr val="7030A0"/>
+              </a:solidFill>
+              <a:tailEnd type="triangle"/>
+            </a:ln>
+          </p:spPr>
+          <p:style>
+            <a:lnRef idx="1">
+              <a:schemeClr val="accent1"/>
+            </a:lnRef>
+            <a:fillRef idx="0">
+              <a:schemeClr val="accent1"/>
+            </a:fillRef>
+            <a:effectRef idx="0">
+              <a:schemeClr val="accent1"/>
+            </a:effectRef>
+            <a:fontRef idx="minor">
+              <a:schemeClr val="tx1"/>
+            </a:fontRef>
+          </p:style>
+        </p:cxnSp>
+        <p:sp>
+          <p:nvSpPr>
+            <p:cNvPr id="181" name="Rectangle 180">
+              <a:extLst>
+                <a:ext uri="{FF2B5EF4-FFF2-40B4-BE49-F238E27FC236}">
+                  <a16:creationId xmlns:a16="http://schemas.microsoft.com/office/drawing/2014/main" id="{2A198FE8-B886-4D5E-B95D-8702D3FE5F82}"/>
+                </a:ext>
+              </a:extLst>
+            </p:cNvPr>
+            <p:cNvSpPr/>
+            <p:nvPr/>
+          </p:nvSpPr>
+          <p:spPr>
+            <a:xfrm>
+              <a:off x="8568997" y="3082896"/>
+              <a:ext cx="190297" cy="146891"/>
+            </a:xfrm>
+            <a:prstGeom prst="rect">
+              <a:avLst/>
+            </a:prstGeom>
+            <a:solidFill>
+              <a:srgbClr val="7030A0"/>
+            </a:solidFill>
+            <a:ln>
+              <a:solidFill>
+                <a:srgbClr val="E4B4FA"/>
+              </a:solidFill>
+            </a:ln>
+          </p:spPr>
+          <p:style>
+            <a:lnRef idx="2">
+              <a:schemeClr val="accent1">
+                <a:shade val="50000"/>
+              </a:schemeClr>
+            </a:lnRef>
+            <a:fillRef idx="1">
+              <a:schemeClr val="accent1"/>
+            </a:fillRef>
+            <a:effectRef idx="0">
+              <a:schemeClr val="accent1"/>
+            </a:effectRef>
+            <a:fontRef idx="minor">
+              <a:schemeClr val="lt1"/>
+            </a:fontRef>
+          </p:style>
+          <p:txBody>
+            <a:bodyPr rtlCol="0" anchor="ctr"/>
+            <a:lstStyle/>
+            <a:p>
+              <a:pPr algn="ctr"/>
+              <a:endParaRPr lang="en-SG"/>
+            </a:p>
+          </p:txBody>
+        </p:sp>
+        <p:sp>
+          <p:nvSpPr>
+            <p:cNvPr id="192" name="Rectangle 191">
+              <a:extLst>
+                <a:ext uri="{FF2B5EF4-FFF2-40B4-BE49-F238E27FC236}">
+                  <a16:creationId xmlns:a16="http://schemas.microsoft.com/office/drawing/2014/main" id="{8B61C6EB-763F-4674-A01A-F0956C19E9E2}"/>
+                </a:ext>
+              </a:extLst>
+            </p:cNvPr>
+            <p:cNvSpPr/>
+            <p:nvPr/>
+          </p:nvSpPr>
+          <p:spPr>
+            <a:xfrm>
+              <a:off x="8453363" y="3688761"/>
+              <a:ext cx="198135" cy="657448"/>
+            </a:xfrm>
+            <a:prstGeom prst="rect">
+              <a:avLst/>
+            </a:prstGeom>
+            <a:solidFill>
+              <a:srgbClr val="7030A0"/>
+            </a:solidFill>
+            <a:ln>
+              <a:noFill/>
+            </a:ln>
+          </p:spPr>
+          <p:style>
+            <a:lnRef idx="2">
+              <a:schemeClr val="accent1">
+                <a:shade val="50000"/>
+              </a:schemeClr>
+            </a:lnRef>
+            <a:fillRef idx="1">
+              <a:schemeClr val="accent1"/>
+            </a:fillRef>
+            <a:effectRef idx="0">
+              <a:schemeClr val="accent1"/>
+            </a:effectRef>
+            <a:fontRef idx="minor">
+              <a:schemeClr val="lt1"/>
+            </a:fontRef>
+          </p:style>
+          <p:txBody>
+            <a:bodyPr rtlCol="0" anchor="ctr"/>
+            <a:lstStyle/>
+            <a:p>
+              <a:pPr algn="ctr"/>
+              <a:endParaRPr lang="en-SG"/>
+            </a:p>
+          </p:txBody>
+        </p:sp>
+        <p:cxnSp>
+          <p:nvCxnSpPr>
+            <p:cNvPr id="193" name="Straight Connector 192">
+              <a:extLst>
+                <a:ext uri="{FF2B5EF4-FFF2-40B4-BE49-F238E27FC236}">
+                  <a16:creationId xmlns:a16="http://schemas.microsoft.com/office/drawing/2014/main" id="{C0122834-602B-4808-ADBC-517979893C24}"/>
+                </a:ext>
+              </a:extLst>
+            </p:cNvPr>
+            <p:cNvCxnSpPr>
+              <a:cxnSpLocks/>
+              <a:stCxn id="192" idx="2"/>
+            </p:cNvCxnSpPr>
+            <p:nvPr/>
+          </p:nvCxnSpPr>
+          <p:spPr>
+            <a:xfrm>
+              <a:off x="8552431" y="4346209"/>
+              <a:ext cx="0" cy="253311"/>
+            </a:xfrm>
+            <a:prstGeom prst="line">
+              <a:avLst/>
+            </a:prstGeom>
+            <a:ln w="28575">
+              <a:solidFill>
+                <a:srgbClr val="7030A0"/>
+              </a:solidFill>
+              <a:prstDash val="sysDot"/>
+            </a:ln>
+          </p:spPr>
+          <p:style>
+            <a:lnRef idx="1">
+              <a:schemeClr val="accent1"/>
+            </a:lnRef>
+            <a:fillRef idx="0">
+              <a:schemeClr val="accent1"/>
+            </a:fillRef>
+            <a:effectRef idx="0">
+              <a:schemeClr val="accent1"/>
+            </a:effectRef>
+            <a:fontRef idx="minor">
+              <a:schemeClr val="tx1"/>
+            </a:fontRef>
+          </p:style>
+        </p:cxnSp>
+        <p:cxnSp>
+          <p:nvCxnSpPr>
+            <p:cNvPr id="195" name="Straight Arrow Connector 194">
+              <a:extLst>
+                <a:ext uri="{FF2B5EF4-FFF2-40B4-BE49-F238E27FC236}">
+                  <a16:creationId xmlns:a16="http://schemas.microsoft.com/office/drawing/2014/main" id="{D4F8BB60-C240-4134-BA8F-B05B402A9D51}"/>
+                </a:ext>
+              </a:extLst>
+            </p:cNvPr>
+            <p:cNvCxnSpPr>
+              <a:cxnSpLocks/>
+            </p:cNvCxnSpPr>
+            <p:nvPr/>
+          </p:nvCxnSpPr>
+          <p:spPr>
+            <a:xfrm>
+              <a:off x="5851696" y="3700062"/>
+              <a:ext cx="2601667" cy="0"/>
+            </a:xfrm>
+            <a:prstGeom prst="straightConnector1">
+              <a:avLst/>
+            </a:prstGeom>
+            <a:ln w="38100">
+              <a:solidFill>
+                <a:srgbClr val="7030A0"/>
+              </a:solidFill>
+              <a:tailEnd type="triangle"/>
+            </a:ln>
+          </p:spPr>
+          <p:style>
+            <a:lnRef idx="1">
+              <a:schemeClr val="accent1"/>
+            </a:lnRef>
+            <a:fillRef idx="0">
+              <a:schemeClr val="accent1"/>
+            </a:fillRef>
+            <a:effectRef idx="0">
+              <a:schemeClr val="accent1"/>
+            </a:effectRef>
+            <a:fontRef idx="minor">
+              <a:schemeClr val="tx1"/>
+            </a:fontRef>
+          </p:style>
+        </p:cxnSp>
+        <p:sp>
+          <p:nvSpPr>
+            <p:cNvPr id="152" name="Rectangle 151">
+              <a:extLst>
+                <a:ext uri="{FF2B5EF4-FFF2-40B4-BE49-F238E27FC236}">
+                  <a16:creationId xmlns:a16="http://schemas.microsoft.com/office/drawing/2014/main" id="{26028D93-6077-4E42-9502-904F7B031C4E}"/>
+                </a:ext>
+              </a:extLst>
+            </p:cNvPr>
+            <p:cNvSpPr/>
+            <p:nvPr/>
+          </p:nvSpPr>
+          <p:spPr>
+            <a:xfrm>
+              <a:off x="5674736" y="2634412"/>
+              <a:ext cx="196744" cy="2025158"/>
+            </a:xfrm>
+            <a:prstGeom prst="rect">
+              <a:avLst/>
+            </a:prstGeom>
+            <a:solidFill>
+              <a:srgbClr val="7030A0"/>
+            </a:solidFill>
+            <a:ln>
+              <a:solidFill>
+                <a:srgbClr val="E4B4FA"/>
+              </a:solidFill>
+            </a:ln>
+          </p:spPr>
+          <p:style>
+            <a:lnRef idx="2">
+              <a:schemeClr val="accent1">
+                <a:shade val="50000"/>
+              </a:schemeClr>
+            </a:lnRef>
+            <a:fillRef idx="1">
+              <a:schemeClr val="accent1"/>
+            </a:fillRef>
+            <a:effectRef idx="0">
+              <a:schemeClr val="accent1"/>
+            </a:effectRef>
+            <a:fontRef idx="minor">
+              <a:schemeClr val="lt1"/>
+            </a:fontRef>
+          </p:style>
+          <p:txBody>
+            <a:bodyPr rtlCol="0" anchor="ctr"/>
+            <a:lstStyle/>
+            <a:p>
+              <a:pPr algn="ctr"/>
+              <a:endParaRPr lang="en-SG"/>
+            </a:p>
+          </p:txBody>
+        </p:sp>
+        <p:sp>
+          <p:nvSpPr>
+            <p:cNvPr id="202" name="TextBox 201">
+              <a:extLst>
+                <a:ext uri="{FF2B5EF4-FFF2-40B4-BE49-F238E27FC236}">
+                  <a16:creationId xmlns:a16="http://schemas.microsoft.com/office/drawing/2014/main" id="{C3CB40ED-218F-4981-AAF0-629C9E45BB9A}"/>
+                </a:ext>
+              </a:extLst>
+            </p:cNvPr>
+            <p:cNvSpPr txBox="1"/>
+            <p:nvPr/>
+          </p:nvSpPr>
+          <p:spPr>
+            <a:xfrm>
+              <a:off x="6391901" y="3449912"/>
+              <a:ext cx="1518557" cy="276999"/>
+            </a:xfrm>
+            <a:prstGeom prst="rect">
+              <a:avLst/>
+            </a:prstGeom>
+            <a:noFill/>
+          </p:spPr>
+          <p:txBody>
+            <a:bodyPr wrap="none" rtlCol="0">
+              <a:spAutoFit/>
+            </a:bodyPr>
+            <a:lstStyle/>
+            <a:p>
+              <a:r>
+                <a:rPr lang="en-SG" sz="1200" dirty="0" err="1">
+                  <a:solidFill>
+                    <a:srgbClr val="7030A0"/>
+                  </a:solidFill>
+                </a:rPr>
+                <a:t>findProfanity</a:t>
+              </a:r>
+              <a:r>
+                <a:rPr lang="en-SG" sz="1200" dirty="0">
+                  <a:solidFill>
+                    <a:srgbClr val="7030A0"/>
+                  </a:solidFill>
+                </a:rPr>
+                <a:t>(“wow”)</a:t>
+              </a:r>
+            </a:p>
+          </p:txBody>
+        </p:sp>
+        <p:cxnSp>
+          <p:nvCxnSpPr>
+            <p:cNvPr id="203" name="Straight Connector 202">
+              <a:extLst>
+                <a:ext uri="{FF2B5EF4-FFF2-40B4-BE49-F238E27FC236}">
+                  <a16:creationId xmlns:a16="http://schemas.microsoft.com/office/drawing/2014/main" id="{58FB48F4-1BFD-4FED-A8F0-331A853D93D6}"/>
+                </a:ext>
+              </a:extLst>
+            </p:cNvPr>
+            <p:cNvCxnSpPr>
+              <a:cxnSpLocks/>
+              <a:stCxn id="180" idx="2"/>
+              <a:endCxn id="192" idx="0"/>
+            </p:cNvCxnSpPr>
+            <p:nvPr/>
+          </p:nvCxnSpPr>
+          <p:spPr>
+            <a:xfrm flipH="1">
+              <a:off x="8552431" y="3456793"/>
+              <a:ext cx="8781" cy="231968"/>
+            </a:xfrm>
+            <a:prstGeom prst="line">
+              <a:avLst/>
+            </a:prstGeom>
+            <a:ln w="28575">
+              <a:solidFill>
+                <a:srgbClr val="7030A0"/>
+              </a:solidFill>
+              <a:prstDash val="sysDot"/>
+            </a:ln>
+          </p:spPr>
+          <p:style>
+            <a:lnRef idx="1">
+              <a:schemeClr val="accent1"/>
+            </a:lnRef>
+            <a:fillRef idx="0">
+              <a:schemeClr val="accent1"/>
+            </a:fillRef>
+            <a:effectRef idx="0">
+              <a:schemeClr val="accent1"/>
+            </a:effectRef>
+            <a:fontRef idx="minor">
+              <a:schemeClr val="tx1"/>
+            </a:fontRef>
+          </p:style>
+        </p:cxnSp>
+        <p:cxnSp>
+          <p:nvCxnSpPr>
+            <p:cNvPr id="207" name="Connector: Curved 206">
+              <a:extLst>
+                <a:ext uri="{FF2B5EF4-FFF2-40B4-BE49-F238E27FC236}">
+                  <a16:creationId xmlns:a16="http://schemas.microsoft.com/office/drawing/2014/main" id="{12E4E72F-2CB7-43CE-8814-9F1AEA256486}"/>
+                </a:ext>
+              </a:extLst>
+            </p:cNvPr>
+            <p:cNvCxnSpPr>
+              <a:cxnSpLocks/>
+            </p:cNvCxnSpPr>
+            <p:nvPr/>
+          </p:nvCxnSpPr>
+          <p:spPr>
+            <a:xfrm rot="16200000" flipH="1">
+              <a:off x="8636321" y="3832284"/>
+              <a:ext cx="150796" cy="95149"/>
+            </a:xfrm>
+            <a:prstGeom prst="curvedConnector3">
+              <a:avLst>
+                <a:gd name="adj1" fmla="val -32116"/>
+              </a:avLst>
+            </a:prstGeom>
+            <a:ln w="38100">
+              <a:solidFill>
+                <a:srgbClr val="7030A0"/>
+              </a:solidFill>
+              <a:tailEnd type="triangle"/>
+            </a:ln>
+          </p:spPr>
+          <p:style>
+            <a:lnRef idx="1">
+              <a:schemeClr val="accent1"/>
+            </a:lnRef>
+            <a:fillRef idx="0">
+              <a:schemeClr val="accent1"/>
+            </a:fillRef>
+            <a:effectRef idx="0">
+              <a:schemeClr val="accent1"/>
+            </a:effectRef>
+            <a:fontRef idx="minor">
+              <a:schemeClr val="tx1"/>
+            </a:fontRef>
+          </p:style>
+        </p:cxnSp>
+        <p:sp>
+          <p:nvSpPr>
+            <p:cNvPr id="208" name="TextBox 207">
+              <a:extLst>
+                <a:ext uri="{FF2B5EF4-FFF2-40B4-BE49-F238E27FC236}">
+                  <a16:creationId xmlns:a16="http://schemas.microsoft.com/office/drawing/2014/main" id="{94768669-3A38-438B-BD9A-EFA83745A3B2}"/>
+                </a:ext>
+              </a:extLst>
+            </p:cNvPr>
+            <p:cNvSpPr txBox="1"/>
+            <p:nvPr/>
+          </p:nvSpPr>
+          <p:spPr>
+            <a:xfrm>
+              <a:off x="8774533" y="3705357"/>
+              <a:ext cx="1739387" cy="276999"/>
+            </a:xfrm>
+            <a:prstGeom prst="rect">
+              <a:avLst/>
+            </a:prstGeom>
+            <a:noFill/>
+          </p:spPr>
+          <p:txBody>
+            <a:bodyPr wrap="none" rtlCol="0">
+              <a:spAutoFit/>
+            </a:bodyPr>
+            <a:lstStyle/>
+            <a:p>
+              <a:r>
+                <a:rPr lang="en-SG" sz="1200" dirty="0" err="1">
+                  <a:solidFill>
+                    <a:srgbClr val="7030A0"/>
+                  </a:solidFill>
+                </a:rPr>
+                <a:t>badWordsFound</a:t>
+              </a:r>
+              <a:r>
+                <a:rPr lang="en-SG" sz="1200" dirty="0">
+                  <a:solidFill>
+                    <a:srgbClr val="7030A0"/>
+                  </a:solidFill>
+                </a:rPr>
+                <a:t>(“wow”)</a:t>
+              </a:r>
+            </a:p>
+          </p:txBody>
+        </p:sp>
+        <p:cxnSp>
+          <p:nvCxnSpPr>
+            <p:cNvPr id="209" name="Connector: Curved 208">
+              <a:extLst>
+                <a:ext uri="{FF2B5EF4-FFF2-40B4-BE49-F238E27FC236}">
+                  <a16:creationId xmlns:a16="http://schemas.microsoft.com/office/drawing/2014/main" id="{897A4D72-9FE3-4329-BB54-D0504D831215}"/>
+                </a:ext>
+              </a:extLst>
+            </p:cNvPr>
+            <p:cNvCxnSpPr>
+              <a:cxnSpLocks/>
+            </p:cNvCxnSpPr>
+            <p:nvPr/>
+          </p:nvCxnSpPr>
+          <p:spPr>
+            <a:xfrm rot="5400000">
+              <a:off x="8614187" y="4130195"/>
+              <a:ext cx="180775" cy="82764"/>
+            </a:xfrm>
+            <a:prstGeom prst="curvedConnector3">
+              <a:avLst>
+                <a:gd name="adj1" fmla="val 71076"/>
+              </a:avLst>
+            </a:prstGeom>
+            <a:ln w="38100">
+              <a:solidFill>
+                <a:srgbClr val="7030A0"/>
+              </a:solidFill>
+              <a:tailEnd type="triangle"/>
+            </a:ln>
+          </p:spPr>
+          <p:style>
+            <a:lnRef idx="1">
+              <a:schemeClr val="accent1"/>
+            </a:lnRef>
+            <a:fillRef idx="0">
+              <a:schemeClr val="accent1"/>
+            </a:fillRef>
+            <a:effectRef idx="0">
+              <a:schemeClr val="accent1"/>
+            </a:effectRef>
+            <a:fontRef idx="minor">
+              <a:schemeClr val="tx1"/>
+            </a:fontRef>
+          </p:style>
+        </p:cxnSp>
+        <p:sp>
+          <p:nvSpPr>
+            <p:cNvPr id="210" name="Rectangle 209">
+              <a:extLst>
+                <a:ext uri="{FF2B5EF4-FFF2-40B4-BE49-F238E27FC236}">
+                  <a16:creationId xmlns:a16="http://schemas.microsoft.com/office/drawing/2014/main" id="{7D5A4033-E46B-42C4-9F27-9CD4668F68D1}"/>
+                </a:ext>
+              </a:extLst>
+            </p:cNvPr>
+            <p:cNvSpPr/>
+            <p:nvPr/>
+          </p:nvSpPr>
+          <p:spPr>
+            <a:xfrm>
+              <a:off x="8568997" y="3955257"/>
+              <a:ext cx="190297" cy="146891"/>
+            </a:xfrm>
+            <a:prstGeom prst="rect">
+              <a:avLst/>
+            </a:prstGeom>
+            <a:solidFill>
+              <a:srgbClr val="7030A0"/>
+            </a:solidFill>
+            <a:ln>
+              <a:solidFill>
+                <a:srgbClr val="E4B4FA"/>
+              </a:solidFill>
+            </a:ln>
+          </p:spPr>
+          <p:style>
+            <a:lnRef idx="2">
+              <a:schemeClr val="accent1">
+                <a:shade val="50000"/>
+              </a:schemeClr>
+            </a:lnRef>
+            <a:fillRef idx="1">
+              <a:schemeClr val="accent1"/>
+            </a:fillRef>
+            <a:effectRef idx="0">
+              <a:schemeClr val="accent1"/>
+            </a:effectRef>
+            <a:fontRef idx="minor">
+              <a:schemeClr val="lt1"/>
+            </a:fontRef>
+          </p:style>
+          <p:txBody>
+            <a:bodyPr rtlCol="0" anchor="ctr"/>
+            <a:lstStyle/>
+            <a:p>
+              <a:pPr algn="ctr"/>
+              <a:endParaRPr lang="en-SG"/>
+            </a:p>
+          </p:txBody>
+        </p:sp>
+        <p:cxnSp>
+          <p:nvCxnSpPr>
+            <p:cNvPr id="216" name="Straight Arrow Connector 215">
+              <a:extLst>
+                <a:ext uri="{FF2B5EF4-FFF2-40B4-BE49-F238E27FC236}">
+                  <a16:creationId xmlns:a16="http://schemas.microsoft.com/office/drawing/2014/main" id="{CDA9136E-DE0D-42F6-B9C1-C92775517A2B}"/>
+                </a:ext>
+              </a:extLst>
+            </p:cNvPr>
+            <p:cNvCxnSpPr>
+              <a:cxnSpLocks/>
+            </p:cNvCxnSpPr>
+            <p:nvPr/>
+          </p:nvCxnSpPr>
+          <p:spPr>
+            <a:xfrm flipH="1">
+              <a:off x="5882424" y="4320141"/>
+              <a:ext cx="2670007" cy="0"/>
+            </a:xfrm>
+            <a:prstGeom prst="straightConnector1">
+              <a:avLst/>
+            </a:prstGeom>
+            <a:ln w="38100">
+              <a:solidFill>
+                <a:srgbClr val="7030A0"/>
+              </a:solidFill>
+              <a:prstDash val="sysDot"/>
+              <a:tailEnd type="triangle"/>
+            </a:ln>
+          </p:spPr>
+          <p:style>
+            <a:lnRef idx="1">
+              <a:schemeClr val="accent1"/>
+            </a:lnRef>
+            <a:fillRef idx="0">
+              <a:schemeClr val="accent1"/>
+            </a:fillRef>
+            <a:effectRef idx="0">
+              <a:schemeClr val="accent1"/>
+            </a:effectRef>
+            <a:fontRef idx="minor">
+              <a:schemeClr val="tx1"/>
+            </a:fontRef>
+          </p:style>
+        </p:cxnSp>
+        <p:sp>
+          <p:nvSpPr>
+            <p:cNvPr id="217" name="TextBox 216">
+              <a:extLst>
+                <a:ext uri="{FF2B5EF4-FFF2-40B4-BE49-F238E27FC236}">
+                  <a16:creationId xmlns:a16="http://schemas.microsoft.com/office/drawing/2014/main" id="{C2115B87-7D7A-4270-9928-AC8D3B7352E6}"/>
+                </a:ext>
+              </a:extLst>
+            </p:cNvPr>
+            <p:cNvSpPr txBox="1"/>
+            <p:nvPr/>
+          </p:nvSpPr>
+          <p:spPr>
+            <a:xfrm>
+              <a:off x="5799507" y="1644755"/>
+              <a:ext cx="774892" cy="276999"/>
+            </a:xfrm>
+            <a:prstGeom prst="rect">
+              <a:avLst/>
+            </a:prstGeom>
+            <a:noFill/>
+          </p:spPr>
+          <p:txBody>
+            <a:bodyPr wrap="none" rtlCol="0">
+              <a:spAutoFit/>
+            </a:bodyPr>
+            <a:lstStyle/>
+            <a:p>
+              <a:r>
+                <a:rPr lang="en-SG" sz="1200" dirty="0">
+                  <a:solidFill>
+                    <a:schemeClr val="bg1"/>
+                  </a:solidFill>
+                </a:rPr>
+                <a:t>condition</a:t>
+              </a:r>
+            </a:p>
+          </p:txBody>
+        </p:sp>
+        <p:sp>
+          <p:nvSpPr>
+            <p:cNvPr id="218" name="TextBox 217">
+              <a:extLst>
+                <a:ext uri="{FF2B5EF4-FFF2-40B4-BE49-F238E27FC236}">
+                  <a16:creationId xmlns:a16="http://schemas.microsoft.com/office/drawing/2014/main" id="{46378756-E0F0-4B82-8487-FDEFBBEB66CB}"/>
+                </a:ext>
+              </a:extLst>
+            </p:cNvPr>
+            <p:cNvSpPr txBox="1"/>
+            <p:nvPr/>
+          </p:nvSpPr>
+          <p:spPr>
+            <a:xfrm>
+              <a:off x="5817714" y="4593601"/>
+              <a:ext cx="774892" cy="276999"/>
+            </a:xfrm>
+            <a:prstGeom prst="rect">
+              <a:avLst/>
+            </a:prstGeom>
+            <a:noFill/>
+          </p:spPr>
+          <p:txBody>
+            <a:bodyPr wrap="none" rtlCol="0">
+              <a:spAutoFit/>
+            </a:bodyPr>
+            <a:lstStyle/>
+            <a:p>
+              <a:r>
+                <a:rPr lang="en-SG" sz="1200" dirty="0">
+                  <a:solidFill>
+                    <a:schemeClr val="bg1"/>
+                  </a:solidFill>
+                </a:rPr>
+                <a:t>condition</a:t>
+              </a:r>
+            </a:p>
+          </p:txBody>
+        </p:sp>
+        <p:sp>
+          <p:nvSpPr>
+            <p:cNvPr id="219" name="TextBox 218">
+              <a:extLst>
+                <a:ext uri="{FF2B5EF4-FFF2-40B4-BE49-F238E27FC236}">
+                  <a16:creationId xmlns:a16="http://schemas.microsoft.com/office/drawing/2014/main" id="{95804144-D6F7-4D21-8C40-AC9507082BFF}"/>
+                </a:ext>
+              </a:extLst>
+            </p:cNvPr>
+            <p:cNvSpPr txBox="1"/>
+            <p:nvPr/>
+          </p:nvSpPr>
+          <p:spPr>
+            <a:xfrm>
+              <a:off x="5799507" y="2336313"/>
+              <a:ext cx="1672446" cy="276999"/>
+            </a:xfrm>
+            <a:prstGeom prst="rect">
+              <a:avLst/>
+            </a:prstGeom>
+            <a:noFill/>
+          </p:spPr>
+          <p:txBody>
+            <a:bodyPr wrap="none" rtlCol="0">
+              <a:spAutoFit/>
+            </a:bodyPr>
+            <a:lstStyle/>
+            <a:p>
+              <a:r>
+                <a:rPr lang="en-SG" sz="1200" dirty="0" err="1">
+                  <a:solidFill>
+                    <a:srgbClr val="7030A0"/>
+                  </a:solidFill>
+                </a:rPr>
+                <a:t>hasNoProfanity</a:t>
+              </a:r>
+              <a:r>
+                <a:rPr lang="en-SG" sz="1200" dirty="0">
+                  <a:solidFill>
+                    <a:srgbClr val="7030A0"/>
+                  </a:solidFill>
+                </a:rPr>
+                <a:t>(“wow”)</a:t>
+              </a:r>
+            </a:p>
+          </p:txBody>
+        </p:sp>
+        <p:sp>
+          <p:nvSpPr>
+            <p:cNvPr id="220" name="Rectangle 219">
+              <a:extLst>
+                <a:ext uri="{FF2B5EF4-FFF2-40B4-BE49-F238E27FC236}">
+                  <a16:creationId xmlns:a16="http://schemas.microsoft.com/office/drawing/2014/main" id="{4373FDE7-966E-4D20-8712-316606E0BED7}"/>
+                </a:ext>
+              </a:extLst>
+            </p:cNvPr>
+            <p:cNvSpPr/>
+            <p:nvPr/>
+          </p:nvSpPr>
+          <p:spPr>
+            <a:xfrm>
+              <a:off x="11199012" y="4882590"/>
+              <a:ext cx="190297" cy="369332"/>
+            </a:xfrm>
+            <a:prstGeom prst="rect">
+              <a:avLst/>
+            </a:prstGeom>
+            <a:solidFill>
+              <a:schemeClr val="bg1"/>
+            </a:solidFill>
+            <a:ln>
+              <a:solidFill>
+                <a:schemeClr val="tx1"/>
+              </a:solidFill>
+            </a:ln>
+          </p:spPr>
+          <p:style>
+            <a:lnRef idx="2">
+              <a:schemeClr val="accent1">
+                <a:shade val="50000"/>
+              </a:schemeClr>
+            </a:lnRef>
+            <a:fillRef idx="1">
+              <a:schemeClr val="accent1"/>
+            </a:fillRef>
+            <a:effectRef idx="0">
+              <a:schemeClr val="accent1"/>
+            </a:effectRef>
+            <a:fontRef idx="minor">
+              <a:schemeClr val="lt1"/>
+            </a:fontRef>
+          </p:style>
+          <p:txBody>
+            <a:bodyPr rtlCol="0" anchor="ctr"/>
+            <a:lstStyle/>
+            <a:p>
+              <a:pPr algn="ctr"/>
+              <a:endParaRPr lang="en-SG" dirty="0"/>
+            </a:p>
+          </p:txBody>
+        </p:sp>
+        <p:sp>
+          <p:nvSpPr>
+            <p:cNvPr id="224" name="TextBox 223">
+              <a:extLst>
+                <a:ext uri="{FF2B5EF4-FFF2-40B4-BE49-F238E27FC236}">
+                  <a16:creationId xmlns:a16="http://schemas.microsoft.com/office/drawing/2014/main" id="{05A9AAA9-DB95-4309-8D5D-2C8691330393}"/>
+                </a:ext>
+              </a:extLst>
+            </p:cNvPr>
+            <p:cNvSpPr txBox="1"/>
+            <p:nvPr/>
+          </p:nvSpPr>
+          <p:spPr>
+            <a:xfrm>
+              <a:off x="6667779" y="4674523"/>
+              <a:ext cx="2790572" cy="276999"/>
+            </a:xfrm>
+            <a:prstGeom prst="rect">
+              <a:avLst/>
+            </a:prstGeom>
+            <a:noFill/>
+          </p:spPr>
+          <p:txBody>
+            <a:bodyPr wrap="none" rtlCol="0">
+              <a:spAutoFit/>
+            </a:bodyPr>
+            <a:lstStyle/>
+            <a:p>
+              <a:r>
+                <a:rPr lang="en-SG" sz="1200" dirty="0" err="1"/>
+                <a:t>checkArgument</a:t>
+              </a:r>
+              <a:r>
+                <a:rPr lang="en-SG" sz="1200" dirty="0"/>
+                <a:t>(</a:t>
+              </a:r>
+              <a:r>
+                <a:rPr lang="en-SG" sz="1200" dirty="0">
+                  <a:solidFill>
+                    <a:schemeClr val="bg1"/>
+                  </a:solidFill>
+                </a:rPr>
+                <a:t>condition</a:t>
+              </a:r>
+              <a:r>
+                <a:rPr lang="en-SG" sz="1200" dirty="0"/>
+                <a:t>, </a:t>
+              </a:r>
+              <a:r>
+                <a:rPr lang="en-SG" sz="1200" dirty="0" err="1"/>
+                <a:t>errorMessage</a:t>
+              </a:r>
+              <a:r>
+                <a:rPr lang="en-SG" sz="1200" dirty="0"/>
+                <a:t>)</a:t>
+              </a:r>
+            </a:p>
+          </p:txBody>
+        </p:sp>
+        <p:cxnSp>
+          <p:nvCxnSpPr>
+            <p:cNvPr id="231" name="Straight Connector 230">
+              <a:extLst>
+                <a:ext uri="{FF2B5EF4-FFF2-40B4-BE49-F238E27FC236}">
+                  <a16:creationId xmlns:a16="http://schemas.microsoft.com/office/drawing/2014/main" id="{DF0F7B6B-E07D-491F-B359-090B3B2CEE49}"/>
+                </a:ext>
+              </a:extLst>
+            </p:cNvPr>
+            <p:cNvCxnSpPr>
+              <a:cxnSpLocks/>
+              <a:stCxn id="82" idx="2"/>
+              <a:endCxn id="133" idx="0"/>
+            </p:cNvCxnSpPr>
+            <p:nvPr/>
+          </p:nvCxnSpPr>
+          <p:spPr>
+            <a:xfrm flipH="1">
+              <a:off x="11292213" y="1224662"/>
+              <a:ext cx="1" cy="706674"/>
+            </a:xfrm>
+            <a:prstGeom prst="line">
+              <a:avLst/>
+            </a:prstGeom>
+            <a:ln w="28575">
+              <a:solidFill>
+                <a:schemeClr val="tx1"/>
+              </a:solidFill>
+              <a:prstDash val="sysDot"/>
+            </a:ln>
+          </p:spPr>
+          <p:style>
+            <a:lnRef idx="1">
+              <a:schemeClr val="accent1"/>
+            </a:lnRef>
+            <a:fillRef idx="0">
+              <a:schemeClr val="accent1"/>
+            </a:fillRef>
+            <a:effectRef idx="0">
+              <a:schemeClr val="accent1"/>
+            </a:effectRef>
+            <a:fontRef idx="minor">
+              <a:schemeClr val="tx1"/>
+            </a:fontRef>
+          </p:style>
+        </p:cxnSp>
+        <p:cxnSp>
+          <p:nvCxnSpPr>
+            <p:cNvPr id="234" name="Straight Connector 233">
+              <a:extLst>
+                <a:ext uri="{FF2B5EF4-FFF2-40B4-BE49-F238E27FC236}">
+                  <a16:creationId xmlns:a16="http://schemas.microsoft.com/office/drawing/2014/main" id="{42366547-0FFE-44DD-BCF5-B38A637394D8}"/>
+                </a:ext>
+              </a:extLst>
+            </p:cNvPr>
+            <p:cNvCxnSpPr>
+              <a:cxnSpLocks/>
+              <a:stCxn id="133" idx="2"/>
+              <a:endCxn id="220" idx="0"/>
+            </p:cNvCxnSpPr>
+            <p:nvPr/>
+          </p:nvCxnSpPr>
+          <p:spPr>
+            <a:xfrm>
+              <a:off x="11292213" y="2300668"/>
+              <a:ext cx="1948" cy="2581922"/>
+            </a:xfrm>
+            <a:prstGeom prst="line">
+              <a:avLst/>
+            </a:prstGeom>
+            <a:ln w="28575">
+              <a:solidFill>
+                <a:schemeClr val="tx1"/>
+              </a:solidFill>
+              <a:prstDash val="sysDot"/>
+            </a:ln>
+          </p:spPr>
+          <p:style>
+            <a:lnRef idx="1">
+              <a:schemeClr val="accent1"/>
+            </a:lnRef>
+            <a:fillRef idx="0">
+              <a:schemeClr val="accent1"/>
+            </a:fillRef>
+            <a:effectRef idx="0">
+              <a:schemeClr val="accent1"/>
+            </a:effectRef>
+            <a:fontRef idx="minor">
+              <a:schemeClr val="tx1"/>
+            </a:fontRef>
+          </p:style>
+        </p:cxnSp>
+        <p:cxnSp>
+          <p:nvCxnSpPr>
+            <p:cNvPr id="237" name="Straight Connector 236">
+              <a:extLst>
+                <a:ext uri="{FF2B5EF4-FFF2-40B4-BE49-F238E27FC236}">
+                  <a16:creationId xmlns:a16="http://schemas.microsoft.com/office/drawing/2014/main" id="{D100556A-46DA-4FD7-B63E-DE7E6FD4AB29}"/>
+                </a:ext>
+              </a:extLst>
+            </p:cNvPr>
+            <p:cNvCxnSpPr>
+              <a:cxnSpLocks/>
+              <a:stCxn id="220" idx="2"/>
+            </p:cNvCxnSpPr>
+            <p:nvPr/>
+          </p:nvCxnSpPr>
+          <p:spPr>
+            <a:xfrm>
+              <a:off x="11294161" y="5251922"/>
+              <a:ext cx="0" cy="294751"/>
+            </a:xfrm>
+            <a:prstGeom prst="line">
+              <a:avLst/>
+            </a:prstGeom>
+            <a:ln w="28575">
+              <a:solidFill>
+                <a:schemeClr val="tx1"/>
+              </a:solidFill>
+              <a:prstDash val="sysDot"/>
+            </a:ln>
+          </p:spPr>
+          <p:style>
+            <a:lnRef idx="1">
+              <a:schemeClr val="accent1"/>
+            </a:lnRef>
+            <a:fillRef idx="0">
+              <a:schemeClr val="accent1"/>
+            </a:fillRef>
+            <a:effectRef idx="0">
+              <a:schemeClr val="accent1"/>
+            </a:effectRef>
+            <a:fontRef idx="minor">
+              <a:schemeClr val="tx1"/>
+            </a:fontRef>
+          </p:style>
+        </p:cxnSp>
+        <p:sp>
+          <p:nvSpPr>
+            <p:cNvPr id="242" name="TextBox 241">
+              <a:extLst>
+                <a:ext uri="{FF2B5EF4-FFF2-40B4-BE49-F238E27FC236}">
+                  <a16:creationId xmlns:a16="http://schemas.microsoft.com/office/drawing/2014/main" id="{24E4C6F4-5740-41BC-A671-F74E9D67BFBC}"/>
+                </a:ext>
+              </a:extLst>
+            </p:cNvPr>
+            <p:cNvSpPr txBox="1"/>
+            <p:nvPr/>
+          </p:nvSpPr>
+          <p:spPr>
+            <a:xfrm>
+              <a:off x="11148558" y="5399297"/>
+              <a:ext cx="304892" cy="369332"/>
+            </a:xfrm>
+            <a:prstGeom prst="rect">
+              <a:avLst/>
+            </a:prstGeom>
+            <a:noFill/>
+          </p:spPr>
+          <p:txBody>
+            <a:bodyPr wrap="square" rtlCol="0">
+              <a:spAutoFit/>
+            </a:bodyPr>
+            <a:lstStyle/>
+            <a:p>
+              <a:r>
+                <a:rPr lang="en-SG" dirty="0"/>
+                <a:t>X</a:t>
+              </a:r>
+            </a:p>
+          </p:txBody>
+        </p:sp>
+        <p:sp>
+          <p:nvSpPr>
+            <p:cNvPr id="243" name="TextBox 242">
+              <a:extLst>
+                <a:ext uri="{FF2B5EF4-FFF2-40B4-BE49-F238E27FC236}">
+                  <a16:creationId xmlns:a16="http://schemas.microsoft.com/office/drawing/2014/main" id="{58E9C276-33B1-4105-8F9B-800750615937}"/>
+                </a:ext>
+              </a:extLst>
+            </p:cNvPr>
+            <p:cNvSpPr txBox="1"/>
+            <p:nvPr/>
+          </p:nvSpPr>
+          <p:spPr>
+            <a:xfrm>
+              <a:off x="8408765" y="4408935"/>
+              <a:ext cx="304892" cy="369332"/>
+            </a:xfrm>
+            <a:prstGeom prst="rect">
+              <a:avLst/>
+            </a:prstGeom>
+            <a:noFill/>
+          </p:spPr>
+          <p:txBody>
+            <a:bodyPr wrap="square" rtlCol="0">
+              <a:spAutoFit/>
+            </a:bodyPr>
+            <a:lstStyle/>
+            <a:p>
+              <a:r>
+                <a:rPr lang="en-SG" dirty="0"/>
+                <a:t>X</a:t>
+              </a:r>
+            </a:p>
+          </p:txBody>
+        </p:sp>
+        <p:cxnSp>
+          <p:nvCxnSpPr>
+            <p:cNvPr id="250" name="Straight Arrow Connector 249">
+              <a:extLst>
+                <a:ext uri="{FF2B5EF4-FFF2-40B4-BE49-F238E27FC236}">
+                  <a16:creationId xmlns:a16="http://schemas.microsoft.com/office/drawing/2014/main" id="{C6698E3A-EA7C-4814-8F01-65F97614BF18}"/>
+                </a:ext>
+              </a:extLst>
+            </p:cNvPr>
+            <p:cNvCxnSpPr>
+              <a:cxnSpLocks/>
+            </p:cNvCxnSpPr>
+            <p:nvPr/>
+          </p:nvCxnSpPr>
+          <p:spPr>
+            <a:xfrm flipH="1">
+              <a:off x="2278680" y="5399297"/>
+              <a:ext cx="3433895" cy="0"/>
+            </a:xfrm>
+            <a:prstGeom prst="straightConnector1">
+              <a:avLst/>
+            </a:prstGeom>
+            <a:ln w="38100">
+              <a:solidFill>
+                <a:srgbClr val="7030A0"/>
+              </a:solidFill>
+              <a:prstDash val="sysDot"/>
+              <a:tailEnd type="triangle"/>
+            </a:ln>
+          </p:spPr>
+          <p:style>
+            <a:lnRef idx="1">
+              <a:schemeClr val="accent1"/>
+            </a:lnRef>
+            <a:fillRef idx="0">
+              <a:schemeClr val="accent1"/>
+            </a:fillRef>
+            <a:effectRef idx="0">
+              <a:schemeClr val="accent1"/>
+            </a:effectRef>
+            <a:fontRef idx="minor">
+              <a:schemeClr val="tx1"/>
+            </a:fontRef>
+          </p:style>
+        </p:cxnSp>
+        <p:sp>
+          <p:nvSpPr>
+            <p:cNvPr id="276" name="TextBox 275">
+              <a:extLst>
+                <a:ext uri="{FF2B5EF4-FFF2-40B4-BE49-F238E27FC236}">
+                  <a16:creationId xmlns:a16="http://schemas.microsoft.com/office/drawing/2014/main" id="{6024C245-93F7-48E6-BC79-CAA1ED871060}"/>
+                </a:ext>
+              </a:extLst>
+            </p:cNvPr>
+            <p:cNvSpPr txBox="1"/>
+            <p:nvPr/>
+          </p:nvSpPr>
+          <p:spPr>
+            <a:xfrm>
+              <a:off x="3632116" y="172780"/>
               <a:ext cx="663964" cy="369332"/>
             </a:xfrm>
             <a:prstGeom prst="rect">
@@ -3701,10 +9594,10 @@
         </p:sp>
         <p:sp>
           <p:nvSpPr>
-            <p:cNvPr id="7" name="TextBox 6">
+            <p:cNvPr id="277" name="TextBox 276">
               <a:extLst>
                 <a:ext uri="{FF2B5EF4-FFF2-40B4-BE49-F238E27FC236}">
-                  <a16:creationId xmlns:a16="http://schemas.microsoft.com/office/drawing/2014/main" id="{3BE19ABA-60DF-498C-9354-3689F495507F}"/>
+                  <a16:creationId xmlns:a16="http://schemas.microsoft.com/office/drawing/2014/main" id="{F4222563-AAC7-4CBB-A080-D820E9385292}"/>
                 </a:ext>
               </a:extLst>
             </p:cNvPr>
@@ -3713,1545 +9606,8 @@
           </p:nvSpPr>
           <p:spPr>
             <a:xfrm>
-              <a:off x="1228808" y="1415629"/>
-              <a:ext cx="1638300" cy="369332"/>
-            </a:xfrm>
-            <a:prstGeom prst="rect">
-              <a:avLst/>
-            </a:prstGeom>
-            <a:solidFill>
-              <a:srgbClr val="0070C0"/>
-            </a:solidFill>
-          </p:spPr>
-          <p:txBody>
-            <a:bodyPr wrap="square" rtlCol="0">
-              <a:spAutoFit/>
-            </a:bodyPr>
-            <a:lstStyle/>
-            <a:p>
-              <a:pPr algn="ctr"/>
-              <a:r>
-                <a:rPr lang="en-SG" dirty="0">
-                  <a:solidFill>
-                    <a:schemeClr val="bg1"/>
-                  </a:solidFill>
-                </a:rPr>
-                <a:t>:</a:t>
-              </a:r>
-              <a:r>
-                <a:rPr lang="en-SG" dirty="0" err="1">
-                  <a:solidFill>
-                    <a:schemeClr val="bg1"/>
-                  </a:solidFill>
-                </a:rPr>
-                <a:t>LogicManager</a:t>
-              </a:r>
-              <a:endParaRPr lang="en-SG" dirty="0">
-                <a:solidFill>
-                  <a:schemeClr val="bg1"/>
-                </a:solidFill>
-              </a:endParaRPr>
-            </a:p>
-          </p:txBody>
-        </p:sp>
-        <p:cxnSp>
-          <p:nvCxnSpPr>
-            <p:cNvPr id="9" name="Straight Connector 8">
-              <a:extLst>
-                <a:ext uri="{FF2B5EF4-FFF2-40B4-BE49-F238E27FC236}">
-                  <a16:creationId xmlns:a16="http://schemas.microsoft.com/office/drawing/2014/main" id="{3222A64F-A5E9-4C6F-B0EE-FE8D3C582C9B}"/>
-                </a:ext>
-              </a:extLst>
-            </p:cNvPr>
-            <p:cNvCxnSpPr/>
-            <p:nvPr/>
-          </p:nvCxnSpPr>
-          <p:spPr>
-            <a:xfrm>
-              <a:off x="2144601" y="2026682"/>
-              <a:ext cx="0" cy="2143"/>
-            </a:xfrm>
-            <a:prstGeom prst="line">
-              <a:avLst/>
-            </a:prstGeom>
-          </p:spPr>
-          <p:style>
-            <a:lnRef idx="1">
-              <a:schemeClr val="accent1"/>
-            </a:lnRef>
-            <a:fillRef idx="0">
-              <a:schemeClr val="accent1"/>
-            </a:fillRef>
-            <a:effectRef idx="0">
-              <a:schemeClr val="accent1"/>
-            </a:effectRef>
-            <a:fontRef idx="minor">
-              <a:schemeClr val="tx1"/>
-            </a:fontRef>
-          </p:style>
-        </p:cxnSp>
-        <p:cxnSp>
-          <p:nvCxnSpPr>
-            <p:cNvPr id="11" name="Straight Connector 10">
-              <a:extLst>
-                <a:ext uri="{FF2B5EF4-FFF2-40B4-BE49-F238E27FC236}">
-                  <a16:creationId xmlns:a16="http://schemas.microsoft.com/office/drawing/2014/main" id="{BA53E53F-28BB-47F2-9190-739149BB20F3}"/>
-                </a:ext>
-              </a:extLst>
-            </p:cNvPr>
-            <p:cNvCxnSpPr>
-              <a:cxnSpLocks/>
-              <a:stCxn id="7" idx="2"/>
-              <a:endCxn id="12" idx="0"/>
-            </p:cNvCxnSpPr>
-            <p:nvPr/>
-          </p:nvCxnSpPr>
-          <p:spPr>
-            <a:xfrm flipH="1">
-              <a:off x="2047933" y="1784961"/>
-              <a:ext cx="25" cy="475559"/>
-            </a:xfrm>
-            <a:prstGeom prst="line">
-              <a:avLst/>
-            </a:prstGeom>
-            <a:ln w="28575">
-              <a:solidFill>
-                <a:srgbClr val="0070C0"/>
-              </a:solidFill>
-              <a:prstDash val="sysDot"/>
-            </a:ln>
-          </p:spPr>
-          <p:style>
-            <a:lnRef idx="1">
-              <a:schemeClr val="accent1"/>
-            </a:lnRef>
-            <a:fillRef idx="0">
-              <a:schemeClr val="accent1"/>
-            </a:fillRef>
-            <a:effectRef idx="0">
-              <a:schemeClr val="accent1"/>
-            </a:effectRef>
-            <a:fontRef idx="minor">
-              <a:schemeClr val="tx1"/>
-            </a:fontRef>
-          </p:style>
-        </p:cxnSp>
-        <p:sp>
-          <p:nvSpPr>
-            <p:cNvPr id="12" name="Rectangle 11">
-              <a:extLst>
-                <a:ext uri="{FF2B5EF4-FFF2-40B4-BE49-F238E27FC236}">
-                  <a16:creationId xmlns:a16="http://schemas.microsoft.com/office/drawing/2014/main" id="{D193A0F9-2A6F-4738-BC7E-85495C254069}"/>
-                </a:ext>
-              </a:extLst>
-            </p:cNvPr>
-            <p:cNvSpPr/>
-            <p:nvPr/>
-          </p:nvSpPr>
-          <p:spPr>
-            <a:xfrm>
-              <a:off x="1952802" y="2260520"/>
-              <a:ext cx="190261" cy="4102179"/>
-            </a:xfrm>
-            <a:prstGeom prst="rect">
-              <a:avLst/>
-            </a:prstGeom>
-            <a:solidFill>
-              <a:srgbClr val="0070C0"/>
-            </a:solidFill>
-            <a:ln>
-              <a:noFill/>
-            </a:ln>
-          </p:spPr>
-          <p:style>
-            <a:lnRef idx="2">
-              <a:schemeClr val="accent1">
-                <a:shade val="50000"/>
-              </a:schemeClr>
-            </a:lnRef>
-            <a:fillRef idx="1">
-              <a:schemeClr val="accent1"/>
-            </a:fillRef>
-            <a:effectRef idx="0">
-              <a:schemeClr val="accent1"/>
-            </a:effectRef>
-            <a:fontRef idx="minor">
-              <a:schemeClr val="lt1"/>
-            </a:fontRef>
-          </p:style>
-          <p:txBody>
-            <a:bodyPr rtlCol="0" anchor="ctr"/>
-            <a:lstStyle/>
-            <a:p>
-              <a:pPr algn="ctr"/>
-              <a:endParaRPr lang="en-SG"/>
-            </a:p>
-          </p:txBody>
-        </p:sp>
-        <p:sp>
-          <p:nvSpPr>
-            <p:cNvPr id="15" name="Rectangle 14">
-              <a:extLst>
-                <a:ext uri="{FF2B5EF4-FFF2-40B4-BE49-F238E27FC236}">
-                  <a16:creationId xmlns:a16="http://schemas.microsoft.com/office/drawing/2014/main" id="{42025285-A837-4DF0-9D29-04805EAB0C23}"/>
-                </a:ext>
-              </a:extLst>
-            </p:cNvPr>
-            <p:cNvSpPr/>
-            <p:nvPr/>
-          </p:nvSpPr>
-          <p:spPr>
-            <a:xfrm>
-              <a:off x="3925433" y="2372412"/>
-              <a:ext cx="198708" cy="2022168"/>
-            </a:xfrm>
-            <a:prstGeom prst="rect">
-              <a:avLst/>
-            </a:prstGeom>
-            <a:solidFill>
-              <a:srgbClr val="0070C0"/>
-            </a:solidFill>
-            <a:ln>
-              <a:noFill/>
-            </a:ln>
-          </p:spPr>
-          <p:style>
-            <a:lnRef idx="2">
-              <a:schemeClr val="accent1">
-                <a:shade val="50000"/>
-              </a:schemeClr>
-            </a:lnRef>
-            <a:fillRef idx="1">
-              <a:schemeClr val="accent1"/>
-            </a:fillRef>
-            <a:effectRef idx="0">
-              <a:schemeClr val="accent1"/>
-            </a:effectRef>
-            <a:fontRef idx="minor">
-              <a:schemeClr val="lt1"/>
-            </a:fontRef>
-          </p:style>
-          <p:txBody>
-            <a:bodyPr rtlCol="0" anchor="ctr"/>
-            <a:lstStyle/>
-            <a:p>
-              <a:pPr algn="ctr"/>
-              <a:endParaRPr lang="en-SG"/>
-            </a:p>
-          </p:txBody>
-        </p:sp>
-        <p:sp>
-          <p:nvSpPr>
-            <p:cNvPr id="16" name="TextBox 15">
-              <a:extLst>
-                <a:ext uri="{FF2B5EF4-FFF2-40B4-BE49-F238E27FC236}">
-                  <a16:creationId xmlns:a16="http://schemas.microsoft.com/office/drawing/2014/main" id="{B2B17F48-2DE8-4F54-9F14-C6DD2FBAD7C8}"/>
-                </a:ext>
-              </a:extLst>
-            </p:cNvPr>
-            <p:cNvSpPr txBox="1"/>
-            <p:nvPr/>
-          </p:nvSpPr>
-          <p:spPr>
-            <a:xfrm>
-              <a:off x="3201438" y="1337191"/>
-              <a:ext cx="1638300" cy="646331"/>
-            </a:xfrm>
-            <a:prstGeom prst="rect">
-              <a:avLst/>
-            </a:prstGeom>
-            <a:solidFill>
-              <a:srgbClr val="0070C0"/>
-            </a:solidFill>
-          </p:spPr>
-          <p:txBody>
-            <a:bodyPr wrap="square" rtlCol="0">
-              <a:spAutoFit/>
-            </a:bodyPr>
-            <a:lstStyle/>
-            <a:p>
-              <a:pPr algn="ctr"/>
-              <a:r>
-                <a:rPr lang="en-SG" dirty="0">
-                  <a:solidFill>
-                    <a:schemeClr val="bg1"/>
-                  </a:solidFill>
-                </a:rPr>
-                <a:t>:Address</a:t>
-              </a:r>
-            </a:p>
-            <a:p>
-              <a:pPr algn="ctr"/>
-              <a:r>
-                <a:rPr lang="en-SG" dirty="0" err="1">
-                  <a:solidFill>
-                    <a:schemeClr val="bg1"/>
-                  </a:solidFill>
-                </a:rPr>
-                <a:t>BookParser</a:t>
-              </a:r>
-              <a:endParaRPr lang="en-SG" dirty="0">
-                <a:solidFill>
-                  <a:schemeClr val="bg1"/>
-                </a:solidFill>
-              </a:endParaRPr>
-            </a:p>
-          </p:txBody>
-        </p:sp>
-        <p:cxnSp>
-          <p:nvCxnSpPr>
-            <p:cNvPr id="17" name="Straight Connector 16">
-              <a:extLst>
-                <a:ext uri="{FF2B5EF4-FFF2-40B4-BE49-F238E27FC236}">
-                  <a16:creationId xmlns:a16="http://schemas.microsoft.com/office/drawing/2014/main" id="{C9B21610-66A1-4CAC-A492-9182E517B555}"/>
-                </a:ext>
-              </a:extLst>
-            </p:cNvPr>
-            <p:cNvCxnSpPr>
-              <a:cxnSpLocks/>
-              <a:stCxn id="16" idx="2"/>
-              <a:endCxn id="15" idx="0"/>
-            </p:cNvCxnSpPr>
-            <p:nvPr/>
-          </p:nvCxnSpPr>
-          <p:spPr>
-            <a:xfrm>
-              <a:off x="4020588" y="1983522"/>
-              <a:ext cx="4199" cy="388890"/>
-            </a:xfrm>
-            <a:prstGeom prst="line">
-              <a:avLst/>
-            </a:prstGeom>
-            <a:ln w="28575">
-              <a:solidFill>
-                <a:srgbClr val="0070C0"/>
-              </a:solidFill>
-              <a:prstDash val="sysDot"/>
-            </a:ln>
-          </p:spPr>
-          <p:style>
-            <a:lnRef idx="1">
-              <a:schemeClr val="accent1"/>
-            </a:lnRef>
-            <a:fillRef idx="0">
-              <a:schemeClr val="accent1"/>
-            </a:fillRef>
-            <a:effectRef idx="0">
-              <a:schemeClr val="accent1"/>
-            </a:effectRef>
-            <a:fontRef idx="minor">
-              <a:schemeClr val="tx1"/>
-            </a:fontRef>
-          </p:style>
-        </p:cxnSp>
-        <p:sp>
-          <p:nvSpPr>
-            <p:cNvPr id="21" name="Rectangle 20">
-              <a:extLst>
-                <a:ext uri="{FF2B5EF4-FFF2-40B4-BE49-F238E27FC236}">
-                  <a16:creationId xmlns:a16="http://schemas.microsoft.com/office/drawing/2014/main" id="{66E11651-FDD6-4E5A-B60C-C5E941AE5E5D}"/>
-                </a:ext>
-              </a:extLst>
-            </p:cNvPr>
-            <p:cNvSpPr/>
-            <p:nvPr/>
-          </p:nvSpPr>
-          <p:spPr>
-            <a:xfrm>
-              <a:off x="5896559" y="2769415"/>
-              <a:ext cx="190297" cy="111889"/>
-            </a:xfrm>
-            <a:prstGeom prst="rect">
-              <a:avLst/>
-            </a:prstGeom>
-            <a:solidFill>
-              <a:srgbClr val="0070C0"/>
-            </a:solidFill>
-            <a:ln>
-              <a:noFill/>
-            </a:ln>
-          </p:spPr>
-          <p:style>
-            <a:lnRef idx="2">
-              <a:schemeClr val="accent1">
-                <a:shade val="50000"/>
-              </a:schemeClr>
-            </a:lnRef>
-            <a:fillRef idx="1">
-              <a:schemeClr val="accent1"/>
-            </a:fillRef>
-            <a:effectRef idx="0">
-              <a:schemeClr val="accent1"/>
-            </a:effectRef>
-            <a:fontRef idx="minor">
-              <a:schemeClr val="lt1"/>
-            </a:fontRef>
-          </p:style>
-          <p:txBody>
-            <a:bodyPr rtlCol="0" anchor="ctr"/>
-            <a:lstStyle/>
-            <a:p>
-              <a:pPr algn="ctr"/>
-              <a:endParaRPr lang="en-SG"/>
-            </a:p>
-          </p:txBody>
-        </p:sp>
-        <p:sp>
-          <p:nvSpPr>
-            <p:cNvPr id="22" name="TextBox 21">
-              <a:extLst>
-                <a:ext uri="{FF2B5EF4-FFF2-40B4-BE49-F238E27FC236}">
-                  <a16:creationId xmlns:a16="http://schemas.microsoft.com/office/drawing/2014/main" id="{70528CC6-0136-4523-BCE5-13F0BA3A965D}"/>
-                </a:ext>
-              </a:extLst>
-            </p:cNvPr>
-            <p:cNvSpPr txBox="1"/>
-            <p:nvPr/>
-          </p:nvSpPr>
-          <p:spPr>
-            <a:xfrm>
-              <a:off x="4890151" y="2123084"/>
-              <a:ext cx="2147122" cy="646331"/>
-            </a:xfrm>
-            <a:prstGeom prst="rect">
-              <a:avLst/>
-            </a:prstGeom>
-            <a:solidFill>
-              <a:srgbClr val="0070C0"/>
-            </a:solidFill>
-          </p:spPr>
-          <p:txBody>
-            <a:bodyPr wrap="square" rtlCol="0">
-              <a:spAutoFit/>
-            </a:bodyPr>
-            <a:lstStyle/>
-            <a:p>
-              <a:pPr algn="ctr"/>
-              <a:r>
-                <a:rPr lang="en-SG" dirty="0">
-                  <a:solidFill>
-                    <a:schemeClr val="bg1"/>
-                  </a:solidFill>
-                </a:rPr>
-                <a:t>:</a:t>
-              </a:r>
-              <a:r>
-                <a:rPr lang="en-SG" dirty="0" err="1">
-                  <a:solidFill>
-                    <a:schemeClr val="bg1"/>
-                  </a:solidFill>
-                </a:rPr>
-                <a:t>FeedbackCommand</a:t>
-              </a:r>
-              <a:endParaRPr lang="en-SG" dirty="0">
-                <a:solidFill>
-                  <a:schemeClr val="bg1"/>
-                </a:solidFill>
-              </a:endParaRPr>
-            </a:p>
-            <a:p>
-              <a:pPr algn="ctr"/>
-              <a:r>
-                <a:rPr lang="en-SG" dirty="0">
-                  <a:solidFill>
-                    <a:schemeClr val="bg1"/>
-                  </a:solidFill>
-                </a:rPr>
-                <a:t>Parser</a:t>
-              </a:r>
-            </a:p>
-          </p:txBody>
-        </p:sp>
-        <p:cxnSp>
-          <p:nvCxnSpPr>
-            <p:cNvPr id="23" name="Straight Connector 22">
-              <a:extLst>
-                <a:ext uri="{FF2B5EF4-FFF2-40B4-BE49-F238E27FC236}">
-                  <a16:creationId xmlns:a16="http://schemas.microsoft.com/office/drawing/2014/main" id="{43C76252-7493-4B54-9CED-51F5D3586D37}"/>
-                </a:ext>
-              </a:extLst>
-            </p:cNvPr>
-            <p:cNvCxnSpPr>
-              <a:cxnSpLocks/>
-              <a:stCxn id="21" idx="2"/>
-              <a:endCxn id="27" idx="0"/>
-            </p:cNvCxnSpPr>
-            <p:nvPr/>
-          </p:nvCxnSpPr>
-          <p:spPr>
-            <a:xfrm flipH="1">
-              <a:off x="5991707" y="2881304"/>
-              <a:ext cx="1" cy="139158"/>
-            </a:xfrm>
-            <a:prstGeom prst="line">
-              <a:avLst/>
-            </a:prstGeom>
-            <a:ln w="28575">
-              <a:solidFill>
-                <a:srgbClr val="0070C0"/>
-              </a:solidFill>
-              <a:prstDash val="sysDot"/>
-            </a:ln>
-          </p:spPr>
-          <p:style>
-            <a:lnRef idx="1">
-              <a:schemeClr val="accent1"/>
-            </a:lnRef>
-            <a:fillRef idx="0">
-              <a:schemeClr val="accent1"/>
-            </a:fillRef>
-            <a:effectRef idx="0">
-              <a:schemeClr val="accent1"/>
-            </a:effectRef>
-            <a:fontRef idx="minor">
-              <a:schemeClr val="tx1"/>
-            </a:fontRef>
-          </p:style>
-        </p:cxnSp>
-        <p:sp>
-          <p:nvSpPr>
-            <p:cNvPr id="27" name="Rectangle 26">
-              <a:extLst>
-                <a:ext uri="{FF2B5EF4-FFF2-40B4-BE49-F238E27FC236}">
-                  <a16:creationId xmlns:a16="http://schemas.microsoft.com/office/drawing/2014/main" id="{854A7E34-2530-4585-8826-4E4BCB4A6328}"/>
-                </a:ext>
-              </a:extLst>
-            </p:cNvPr>
-            <p:cNvSpPr/>
-            <p:nvPr/>
-          </p:nvSpPr>
-          <p:spPr>
-            <a:xfrm>
-              <a:off x="5896558" y="3020462"/>
-              <a:ext cx="190297" cy="1253853"/>
-            </a:xfrm>
-            <a:prstGeom prst="rect">
-              <a:avLst/>
-            </a:prstGeom>
-            <a:solidFill>
-              <a:srgbClr val="0070C0"/>
-            </a:solidFill>
-            <a:ln>
-              <a:noFill/>
-            </a:ln>
-          </p:spPr>
-          <p:style>
-            <a:lnRef idx="2">
-              <a:schemeClr val="accent1">
-                <a:shade val="50000"/>
-              </a:schemeClr>
-            </a:lnRef>
-            <a:fillRef idx="1">
-              <a:schemeClr val="accent1"/>
-            </a:fillRef>
-            <a:effectRef idx="0">
-              <a:schemeClr val="accent1"/>
-            </a:effectRef>
-            <a:fontRef idx="minor">
-              <a:schemeClr val="lt1"/>
-            </a:fontRef>
-          </p:style>
-          <p:txBody>
-            <a:bodyPr rtlCol="0" anchor="ctr"/>
-            <a:lstStyle/>
-            <a:p>
-              <a:pPr algn="ctr"/>
-              <a:endParaRPr lang="en-SG"/>
-            </a:p>
-          </p:txBody>
-        </p:sp>
-        <p:cxnSp>
-          <p:nvCxnSpPr>
-            <p:cNvPr id="30" name="Straight Connector 29">
-              <a:extLst>
-                <a:ext uri="{FF2B5EF4-FFF2-40B4-BE49-F238E27FC236}">
-                  <a16:creationId xmlns:a16="http://schemas.microsoft.com/office/drawing/2014/main" id="{2E14EEE3-AA69-40B8-B940-183442AB867A}"/>
-                </a:ext>
-              </a:extLst>
-            </p:cNvPr>
-            <p:cNvCxnSpPr>
-              <a:cxnSpLocks/>
-              <a:stCxn id="27" idx="2"/>
-            </p:cNvCxnSpPr>
-            <p:nvPr/>
-          </p:nvCxnSpPr>
-          <p:spPr>
-            <a:xfrm>
-              <a:off x="5991707" y="4274315"/>
-              <a:ext cx="0" cy="154810"/>
-            </a:xfrm>
-            <a:prstGeom prst="line">
-              <a:avLst/>
-            </a:prstGeom>
-            <a:ln w="28575">
-              <a:solidFill>
-                <a:srgbClr val="0070C0"/>
-              </a:solidFill>
-              <a:prstDash val="sysDot"/>
-            </a:ln>
-          </p:spPr>
-          <p:style>
-            <a:lnRef idx="1">
-              <a:schemeClr val="accent1"/>
-            </a:lnRef>
-            <a:fillRef idx="0">
-              <a:schemeClr val="accent1"/>
-            </a:fillRef>
-            <a:effectRef idx="0">
-              <a:schemeClr val="accent1"/>
-            </a:effectRef>
-            <a:fontRef idx="minor">
-              <a:schemeClr val="tx1"/>
-            </a:fontRef>
-          </p:style>
-        </p:cxnSp>
-        <p:sp>
-          <p:nvSpPr>
-            <p:cNvPr id="37" name="TextBox 36">
-              <a:extLst>
-                <a:ext uri="{FF2B5EF4-FFF2-40B4-BE49-F238E27FC236}">
-                  <a16:creationId xmlns:a16="http://schemas.microsoft.com/office/drawing/2014/main" id="{D1DF58F3-59BB-451C-9F44-B6DC2737E848}"/>
-                </a:ext>
-              </a:extLst>
-            </p:cNvPr>
-            <p:cNvSpPr txBox="1"/>
-            <p:nvPr/>
-          </p:nvSpPr>
-          <p:spPr>
-            <a:xfrm>
-              <a:off x="5839260" y="4274315"/>
-              <a:ext cx="304892" cy="369332"/>
-            </a:xfrm>
-            <a:prstGeom prst="rect">
-              <a:avLst/>
-            </a:prstGeom>
-            <a:noFill/>
-          </p:spPr>
-          <p:txBody>
-            <a:bodyPr wrap="square" rtlCol="0">
-              <a:spAutoFit/>
-            </a:bodyPr>
-            <a:lstStyle/>
-            <a:p>
-              <a:r>
-                <a:rPr lang="en-SG" dirty="0"/>
-                <a:t>X</a:t>
-              </a:r>
-            </a:p>
-          </p:txBody>
-        </p:sp>
-        <p:sp>
-          <p:nvSpPr>
-            <p:cNvPr id="39" name="Rectangle 38">
-              <a:extLst>
-                <a:ext uri="{FF2B5EF4-FFF2-40B4-BE49-F238E27FC236}">
-                  <a16:creationId xmlns:a16="http://schemas.microsoft.com/office/drawing/2014/main" id="{B8E784E7-11A6-4F7E-9427-94DEDE8A1F56}"/>
-                </a:ext>
-              </a:extLst>
-            </p:cNvPr>
-            <p:cNvSpPr/>
-            <p:nvPr/>
-          </p:nvSpPr>
-          <p:spPr>
-            <a:xfrm>
-              <a:off x="7972791" y="3230017"/>
-              <a:ext cx="190297" cy="941933"/>
-            </a:xfrm>
-            <a:prstGeom prst="rect">
-              <a:avLst/>
-            </a:prstGeom>
-            <a:solidFill>
-              <a:srgbClr val="0070C0"/>
-            </a:solidFill>
-            <a:ln>
-              <a:noFill/>
-            </a:ln>
-          </p:spPr>
-          <p:style>
-            <a:lnRef idx="2">
-              <a:schemeClr val="accent1">
-                <a:shade val="50000"/>
-              </a:schemeClr>
-            </a:lnRef>
-            <a:fillRef idx="1">
-              <a:schemeClr val="accent1"/>
-            </a:fillRef>
-            <a:effectRef idx="0">
-              <a:schemeClr val="accent1"/>
-            </a:effectRef>
-            <a:fontRef idx="minor">
-              <a:schemeClr val="lt1"/>
-            </a:fontRef>
-          </p:style>
-          <p:txBody>
-            <a:bodyPr rtlCol="0" anchor="ctr"/>
-            <a:lstStyle/>
-            <a:p>
-              <a:pPr algn="ctr"/>
-              <a:endParaRPr lang="en-SG"/>
-            </a:p>
-          </p:txBody>
-        </p:sp>
-        <p:sp>
-          <p:nvSpPr>
-            <p:cNvPr id="40" name="TextBox 39">
-              <a:extLst>
-                <a:ext uri="{FF2B5EF4-FFF2-40B4-BE49-F238E27FC236}">
-                  <a16:creationId xmlns:a16="http://schemas.microsoft.com/office/drawing/2014/main" id="{1F8DEED6-E9EE-44CC-8388-DF78D15E624B}"/>
-                </a:ext>
-              </a:extLst>
-            </p:cNvPr>
-            <p:cNvSpPr txBox="1"/>
-            <p:nvPr/>
-          </p:nvSpPr>
-          <p:spPr>
-            <a:xfrm>
-              <a:off x="7248792" y="2583686"/>
-              <a:ext cx="1638300" cy="646331"/>
-            </a:xfrm>
-            <a:prstGeom prst="rect">
-              <a:avLst/>
-            </a:prstGeom>
-            <a:solidFill>
-              <a:srgbClr val="0070C0"/>
-            </a:solidFill>
-          </p:spPr>
-          <p:txBody>
-            <a:bodyPr wrap="square" rtlCol="0">
-              <a:spAutoFit/>
-            </a:bodyPr>
-            <a:lstStyle/>
-            <a:p>
-              <a:pPr algn="ctr"/>
-              <a:r>
-                <a:rPr lang="en-SG" dirty="0">
-                  <a:solidFill>
-                    <a:schemeClr val="bg1"/>
-                  </a:solidFill>
-                </a:rPr>
-                <a:t>f:Feedback</a:t>
-              </a:r>
-            </a:p>
-            <a:p>
-              <a:pPr algn="ctr"/>
-              <a:r>
-                <a:rPr lang="en-SG" dirty="0">
-                  <a:solidFill>
-                    <a:schemeClr val="bg1"/>
-                  </a:solidFill>
-                </a:rPr>
-                <a:t>Command</a:t>
-              </a:r>
-            </a:p>
-          </p:txBody>
-        </p:sp>
-        <p:cxnSp>
-          <p:nvCxnSpPr>
-            <p:cNvPr id="41" name="Straight Connector 40">
-              <a:extLst>
-                <a:ext uri="{FF2B5EF4-FFF2-40B4-BE49-F238E27FC236}">
-                  <a16:creationId xmlns:a16="http://schemas.microsoft.com/office/drawing/2014/main" id="{E2A7DBC7-11E4-470D-B6A8-79BDD0AF67A3}"/>
-                </a:ext>
-              </a:extLst>
-            </p:cNvPr>
-            <p:cNvCxnSpPr>
-              <a:cxnSpLocks/>
-              <a:stCxn id="39" idx="2"/>
-              <a:endCxn id="42" idx="0"/>
-            </p:cNvCxnSpPr>
-            <p:nvPr/>
-          </p:nvCxnSpPr>
-          <p:spPr>
-            <a:xfrm>
-              <a:off x="8067940" y="4171950"/>
-              <a:ext cx="0" cy="614572"/>
-            </a:xfrm>
-            <a:prstGeom prst="line">
-              <a:avLst/>
-            </a:prstGeom>
-            <a:ln w="28575">
-              <a:solidFill>
-                <a:srgbClr val="0070C0"/>
-              </a:solidFill>
-              <a:prstDash val="sysDot"/>
-            </a:ln>
-          </p:spPr>
-          <p:style>
-            <a:lnRef idx="1">
-              <a:schemeClr val="accent1"/>
-            </a:lnRef>
-            <a:fillRef idx="0">
-              <a:schemeClr val="accent1"/>
-            </a:fillRef>
-            <a:effectRef idx="0">
-              <a:schemeClr val="accent1"/>
-            </a:effectRef>
-            <a:fontRef idx="minor">
-              <a:schemeClr val="tx1"/>
-            </a:fontRef>
-          </p:style>
-        </p:cxnSp>
-        <p:sp>
-          <p:nvSpPr>
-            <p:cNvPr id="42" name="Rectangle 41">
-              <a:extLst>
-                <a:ext uri="{FF2B5EF4-FFF2-40B4-BE49-F238E27FC236}">
-                  <a16:creationId xmlns:a16="http://schemas.microsoft.com/office/drawing/2014/main" id="{B24DAB33-6DA0-4619-BC56-6B3A0EE097EA}"/>
-                </a:ext>
-              </a:extLst>
-            </p:cNvPr>
-            <p:cNvSpPr/>
-            <p:nvPr/>
-          </p:nvSpPr>
-          <p:spPr>
-            <a:xfrm>
-              <a:off x="7972791" y="4786522"/>
-              <a:ext cx="190297" cy="1253853"/>
-            </a:xfrm>
-            <a:prstGeom prst="rect">
-              <a:avLst/>
-            </a:prstGeom>
-            <a:solidFill>
-              <a:srgbClr val="0070C0"/>
-            </a:solidFill>
-            <a:ln>
-              <a:noFill/>
-            </a:ln>
-          </p:spPr>
-          <p:style>
-            <a:lnRef idx="2">
-              <a:schemeClr val="accent1">
-                <a:shade val="50000"/>
-              </a:schemeClr>
-            </a:lnRef>
-            <a:fillRef idx="1">
-              <a:schemeClr val="accent1"/>
-            </a:fillRef>
-            <a:effectRef idx="0">
-              <a:schemeClr val="accent1"/>
-            </a:effectRef>
-            <a:fontRef idx="minor">
-              <a:schemeClr val="lt1"/>
-            </a:fontRef>
-          </p:style>
-          <p:txBody>
-            <a:bodyPr rtlCol="0" anchor="ctr"/>
-            <a:lstStyle/>
-            <a:p>
-              <a:pPr algn="ctr"/>
-              <a:endParaRPr lang="en-SG"/>
-            </a:p>
-          </p:txBody>
-        </p:sp>
-        <p:sp>
-          <p:nvSpPr>
-            <p:cNvPr id="46" name="Rectangle 45">
-              <a:extLst>
-                <a:ext uri="{FF2B5EF4-FFF2-40B4-BE49-F238E27FC236}">
-                  <a16:creationId xmlns:a16="http://schemas.microsoft.com/office/drawing/2014/main" id="{D41E4CF0-B643-4416-81B6-6B21876F32C0}"/>
-                </a:ext>
-              </a:extLst>
-            </p:cNvPr>
-            <p:cNvSpPr/>
-            <p:nvPr/>
-          </p:nvSpPr>
-          <p:spPr>
-            <a:xfrm>
-              <a:off x="9325692" y="5839745"/>
-              <a:ext cx="190297" cy="111889"/>
-            </a:xfrm>
-            <a:prstGeom prst="rect">
-              <a:avLst/>
-            </a:prstGeom>
-            <a:solidFill>
-              <a:srgbClr val="0070C0"/>
-            </a:solidFill>
-            <a:ln>
-              <a:noFill/>
-            </a:ln>
-          </p:spPr>
-          <p:style>
-            <a:lnRef idx="2">
-              <a:schemeClr val="accent1">
-                <a:shade val="50000"/>
-              </a:schemeClr>
-            </a:lnRef>
-            <a:fillRef idx="1">
-              <a:schemeClr val="accent1"/>
-            </a:fillRef>
-            <a:effectRef idx="0">
-              <a:schemeClr val="accent1"/>
-            </a:effectRef>
-            <a:fontRef idx="minor">
-              <a:schemeClr val="lt1"/>
-            </a:fontRef>
-          </p:style>
-          <p:txBody>
-            <a:bodyPr rtlCol="0" anchor="ctr"/>
-            <a:lstStyle/>
-            <a:p>
-              <a:pPr algn="ctr"/>
-              <a:endParaRPr lang="en-SG"/>
-            </a:p>
-          </p:txBody>
-        </p:sp>
-        <p:sp>
-          <p:nvSpPr>
-            <p:cNvPr id="47" name="TextBox 46">
-              <a:extLst>
-                <a:ext uri="{FF2B5EF4-FFF2-40B4-BE49-F238E27FC236}">
-                  <a16:creationId xmlns:a16="http://schemas.microsoft.com/office/drawing/2014/main" id="{0FA085DC-52BF-4EEB-9F73-3060C33681BE}"/>
-                </a:ext>
-              </a:extLst>
-            </p:cNvPr>
-            <p:cNvSpPr txBox="1"/>
-            <p:nvPr/>
-          </p:nvSpPr>
-          <p:spPr>
-            <a:xfrm>
-              <a:off x="8601692" y="5193414"/>
-              <a:ext cx="2094467" cy="646331"/>
-            </a:xfrm>
-            <a:prstGeom prst="rect">
-              <a:avLst/>
-            </a:prstGeom>
-            <a:solidFill>
-              <a:srgbClr val="0070C0"/>
-            </a:solidFill>
-          </p:spPr>
-          <p:txBody>
-            <a:bodyPr wrap="square" rtlCol="0">
-              <a:spAutoFit/>
-            </a:bodyPr>
-            <a:lstStyle/>
-            <a:p>
-              <a:pPr algn="ctr"/>
-              <a:r>
-                <a:rPr lang="en-SG" dirty="0">
-                  <a:solidFill>
-                    <a:schemeClr val="bg1"/>
-                  </a:solidFill>
-                </a:rPr>
-                <a:t>:</a:t>
-              </a:r>
-              <a:r>
-                <a:rPr lang="en-SG" dirty="0" err="1">
-                  <a:solidFill>
-                    <a:schemeClr val="bg1"/>
-                  </a:solidFill>
-                </a:rPr>
-                <a:t>FeedbackCommand</a:t>
-              </a:r>
-              <a:endParaRPr lang="en-SG" dirty="0">
-                <a:solidFill>
-                  <a:schemeClr val="bg1"/>
-                </a:solidFill>
-              </a:endParaRPr>
-            </a:p>
-            <a:p>
-              <a:pPr algn="ctr"/>
-              <a:r>
-                <a:rPr lang="en-SG" dirty="0">
-                  <a:solidFill>
-                    <a:schemeClr val="bg1"/>
-                  </a:solidFill>
-                </a:rPr>
-                <a:t>Parser</a:t>
-              </a:r>
-            </a:p>
-          </p:txBody>
-        </p:sp>
-        <p:cxnSp>
-          <p:nvCxnSpPr>
-            <p:cNvPr id="50" name="Straight Connector 49">
-              <a:extLst>
-                <a:ext uri="{FF2B5EF4-FFF2-40B4-BE49-F238E27FC236}">
-                  <a16:creationId xmlns:a16="http://schemas.microsoft.com/office/drawing/2014/main" id="{8E2448D3-DA38-41ED-B7FB-DFA7B2154002}"/>
-                </a:ext>
-              </a:extLst>
-            </p:cNvPr>
-            <p:cNvCxnSpPr>
-              <a:cxnSpLocks/>
-              <a:stCxn id="15" idx="2"/>
-            </p:cNvCxnSpPr>
-            <p:nvPr/>
-          </p:nvCxnSpPr>
-          <p:spPr>
-            <a:xfrm flipH="1">
-              <a:off x="4020583" y="4394580"/>
-              <a:ext cx="4204" cy="249067"/>
-            </a:xfrm>
-            <a:prstGeom prst="line">
-              <a:avLst/>
-            </a:prstGeom>
-            <a:ln w="28575">
-              <a:solidFill>
-                <a:srgbClr val="0070C0"/>
-              </a:solidFill>
-              <a:prstDash val="sysDot"/>
-            </a:ln>
-          </p:spPr>
-          <p:style>
-            <a:lnRef idx="1">
-              <a:schemeClr val="accent1"/>
-            </a:lnRef>
-            <a:fillRef idx="0">
-              <a:schemeClr val="accent1"/>
-            </a:fillRef>
-            <a:effectRef idx="0">
-              <a:schemeClr val="accent1"/>
-            </a:effectRef>
-            <a:fontRef idx="minor">
-              <a:schemeClr val="tx1"/>
-            </a:fontRef>
-          </p:style>
-        </p:cxnSp>
-        <p:cxnSp>
-          <p:nvCxnSpPr>
-            <p:cNvPr id="54" name="Straight Connector 53">
-              <a:extLst>
-                <a:ext uri="{FF2B5EF4-FFF2-40B4-BE49-F238E27FC236}">
-                  <a16:creationId xmlns:a16="http://schemas.microsoft.com/office/drawing/2014/main" id="{3D64C8DE-748A-4C0E-8F4B-44F7DEFE540E}"/>
-                </a:ext>
-              </a:extLst>
-            </p:cNvPr>
-            <p:cNvCxnSpPr>
-              <a:cxnSpLocks/>
-              <a:stCxn id="42" idx="2"/>
-            </p:cNvCxnSpPr>
-            <p:nvPr/>
-          </p:nvCxnSpPr>
-          <p:spPr>
-            <a:xfrm>
-              <a:off x="8067940" y="6040375"/>
-              <a:ext cx="0" cy="322324"/>
-            </a:xfrm>
-            <a:prstGeom prst="line">
-              <a:avLst/>
-            </a:prstGeom>
-            <a:ln w="28575">
-              <a:solidFill>
-                <a:srgbClr val="0070C0"/>
-              </a:solidFill>
-              <a:prstDash val="sysDot"/>
-            </a:ln>
-          </p:spPr>
-          <p:style>
-            <a:lnRef idx="1">
-              <a:schemeClr val="accent1"/>
-            </a:lnRef>
-            <a:fillRef idx="0">
-              <a:schemeClr val="accent1"/>
-            </a:fillRef>
-            <a:effectRef idx="0">
-              <a:schemeClr val="accent1"/>
-            </a:effectRef>
-            <a:fontRef idx="minor">
-              <a:schemeClr val="tx1"/>
-            </a:fontRef>
-          </p:style>
-        </p:cxnSp>
-        <p:cxnSp>
-          <p:nvCxnSpPr>
-            <p:cNvPr id="60" name="Straight Arrow Connector 59">
-              <a:extLst>
-                <a:ext uri="{FF2B5EF4-FFF2-40B4-BE49-F238E27FC236}">
-                  <a16:creationId xmlns:a16="http://schemas.microsoft.com/office/drawing/2014/main" id="{8EB5EDB3-2877-4032-91B7-76B23463E5AC}"/>
-                </a:ext>
-              </a:extLst>
-            </p:cNvPr>
-            <p:cNvCxnSpPr/>
-            <p:nvPr/>
-          </p:nvCxnSpPr>
-          <p:spPr>
-            <a:xfrm>
-              <a:off x="2143063" y="2403730"/>
-              <a:ext cx="1782370" cy="0"/>
-            </a:xfrm>
-            <a:prstGeom prst="straightConnector1">
-              <a:avLst/>
-            </a:prstGeom>
-            <a:ln w="38100">
-              <a:solidFill>
-                <a:srgbClr val="0070C0"/>
-              </a:solidFill>
-              <a:tailEnd type="triangle"/>
-            </a:ln>
-          </p:spPr>
-          <p:style>
-            <a:lnRef idx="1">
-              <a:schemeClr val="accent1"/>
-            </a:lnRef>
-            <a:fillRef idx="0">
-              <a:schemeClr val="accent1"/>
-            </a:fillRef>
-            <a:effectRef idx="0">
-              <a:schemeClr val="accent1"/>
-            </a:effectRef>
-            <a:fontRef idx="minor">
-              <a:schemeClr val="tx1"/>
-            </a:fontRef>
-          </p:style>
-        </p:cxnSp>
-        <p:cxnSp>
-          <p:nvCxnSpPr>
-            <p:cNvPr id="61" name="Straight Arrow Connector 60">
-              <a:extLst>
-                <a:ext uri="{FF2B5EF4-FFF2-40B4-BE49-F238E27FC236}">
-                  <a16:creationId xmlns:a16="http://schemas.microsoft.com/office/drawing/2014/main" id="{5D8FFCBE-9441-4725-9C77-F312DEF610D5}"/>
-                </a:ext>
-              </a:extLst>
-            </p:cNvPr>
-            <p:cNvCxnSpPr>
-              <a:cxnSpLocks/>
-            </p:cNvCxnSpPr>
-            <p:nvPr/>
-          </p:nvCxnSpPr>
-          <p:spPr>
-            <a:xfrm flipH="1">
-              <a:off x="2143063" y="4374710"/>
-              <a:ext cx="1782371" cy="0"/>
-            </a:xfrm>
-            <a:prstGeom prst="straightConnector1">
-              <a:avLst/>
-            </a:prstGeom>
-            <a:ln w="38100">
-              <a:solidFill>
-                <a:srgbClr val="0070C0"/>
-              </a:solidFill>
-              <a:prstDash val="sysDot"/>
-              <a:tailEnd type="triangle"/>
-            </a:ln>
-          </p:spPr>
-          <p:style>
-            <a:lnRef idx="1">
-              <a:schemeClr val="accent1"/>
-            </a:lnRef>
-            <a:fillRef idx="0">
-              <a:schemeClr val="accent1"/>
-            </a:fillRef>
-            <a:effectRef idx="0">
-              <a:schemeClr val="accent1"/>
-            </a:effectRef>
-            <a:fontRef idx="minor">
-              <a:schemeClr val="tx1"/>
-            </a:fontRef>
-          </p:style>
-        </p:cxnSp>
-        <p:cxnSp>
-          <p:nvCxnSpPr>
-            <p:cNvPr id="67" name="Straight Arrow Connector 66">
-              <a:extLst>
-                <a:ext uri="{FF2B5EF4-FFF2-40B4-BE49-F238E27FC236}">
-                  <a16:creationId xmlns:a16="http://schemas.microsoft.com/office/drawing/2014/main" id="{689938D5-EF31-4C0F-A4AA-A37C540D5EC4}"/>
-                </a:ext>
-              </a:extLst>
-            </p:cNvPr>
-            <p:cNvCxnSpPr>
-              <a:cxnSpLocks/>
-            </p:cNvCxnSpPr>
-            <p:nvPr/>
-          </p:nvCxnSpPr>
-          <p:spPr>
-            <a:xfrm flipH="1">
-              <a:off x="4114187" y="4258000"/>
-              <a:ext cx="1782371" cy="0"/>
-            </a:xfrm>
-            <a:prstGeom prst="straightConnector1">
-              <a:avLst/>
-            </a:prstGeom>
-            <a:ln w="38100">
-              <a:solidFill>
-                <a:srgbClr val="0070C0"/>
-              </a:solidFill>
-              <a:prstDash val="sysDot"/>
-              <a:tailEnd type="triangle"/>
-            </a:ln>
-          </p:spPr>
-          <p:style>
-            <a:lnRef idx="1">
-              <a:schemeClr val="accent1"/>
-            </a:lnRef>
-            <a:fillRef idx="0">
-              <a:schemeClr val="accent1"/>
-            </a:fillRef>
-            <a:effectRef idx="0">
-              <a:schemeClr val="accent1"/>
-            </a:effectRef>
-            <a:fontRef idx="minor">
-              <a:schemeClr val="tx1"/>
-            </a:fontRef>
-          </p:style>
-        </p:cxnSp>
-        <p:cxnSp>
-          <p:nvCxnSpPr>
-            <p:cNvPr id="68" name="Straight Arrow Connector 67">
-              <a:extLst>
-                <a:ext uri="{FF2B5EF4-FFF2-40B4-BE49-F238E27FC236}">
-                  <a16:creationId xmlns:a16="http://schemas.microsoft.com/office/drawing/2014/main" id="{06742E92-3788-49B9-BE85-8F034CAF4AF0}"/>
-                </a:ext>
-              </a:extLst>
-            </p:cNvPr>
-            <p:cNvCxnSpPr/>
-            <p:nvPr/>
-          </p:nvCxnSpPr>
-          <p:spPr>
-            <a:xfrm>
-              <a:off x="4114187" y="3041218"/>
-              <a:ext cx="1782370" cy="0"/>
-            </a:xfrm>
-            <a:prstGeom prst="straightConnector1">
-              <a:avLst/>
-            </a:prstGeom>
-            <a:ln w="38100">
-              <a:solidFill>
-                <a:srgbClr val="0070C0"/>
-              </a:solidFill>
-              <a:tailEnd type="triangle"/>
-            </a:ln>
-          </p:spPr>
-          <p:style>
-            <a:lnRef idx="1">
-              <a:schemeClr val="accent1"/>
-            </a:lnRef>
-            <a:fillRef idx="0">
-              <a:schemeClr val="accent1"/>
-            </a:fillRef>
-            <a:effectRef idx="0">
-              <a:schemeClr val="accent1"/>
-            </a:effectRef>
-            <a:fontRef idx="minor">
-              <a:schemeClr val="tx1"/>
-            </a:fontRef>
-          </p:style>
-        </p:cxnSp>
-        <p:cxnSp>
-          <p:nvCxnSpPr>
-            <p:cNvPr id="69" name="Straight Arrow Connector 68">
-              <a:extLst>
-                <a:ext uri="{FF2B5EF4-FFF2-40B4-BE49-F238E27FC236}">
-                  <a16:creationId xmlns:a16="http://schemas.microsoft.com/office/drawing/2014/main" id="{7607B5D3-7FAD-48E8-8A78-F1CDB0FBF9F9}"/>
-                </a:ext>
-              </a:extLst>
-            </p:cNvPr>
-            <p:cNvCxnSpPr>
-              <a:cxnSpLocks/>
-            </p:cNvCxnSpPr>
-            <p:nvPr/>
-          </p:nvCxnSpPr>
-          <p:spPr>
-            <a:xfrm>
-              <a:off x="4114187" y="2462604"/>
-              <a:ext cx="775964" cy="0"/>
-            </a:xfrm>
-            <a:prstGeom prst="straightConnector1">
-              <a:avLst/>
-            </a:prstGeom>
-            <a:ln w="38100">
-              <a:solidFill>
-                <a:srgbClr val="0070C0"/>
-              </a:solidFill>
-              <a:tailEnd type="triangle"/>
-            </a:ln>
-          </p:spPr>
-          <p:style>
-            <a:lnRef idx="1">
-              <a:schemeClr val="accent1"/>
-            </a:lnRef>
-            <a:fillRef idx="0">
-              <a:schemeClr val="accent1"/>
-            </a:fillRef>
-            <a:effectRef idx="0">
-              <a:schemeClr val="accent1"/>
-            </a:effectRef>
-            <a:fontRef idx="minor">
-              <a:schemeClr val="tx1"/>
-            </a:fontRef>
-          </p:style>
-        </p:cxnSp>
-        <p:cxnSp>
-          <p:nvCxnSpPr>
-            <p:cNvPr id="74" name="Straight Arrow Connector 73">
-              <a:extLst>
-                <a:ext uri="{FF2B5EF4-FFF2-40B4-BE49-F238E27FC236}">
-                  <a16:creationId xmlns:a16="http://schemas.microsoft.com/office/drawing/2014/main" id="{03112C42-4DCF-4814-8B67-0B85D7C1FDEB}"/>
-                </a:ext>
-              </a:extLst>
-            </p:cNvPr>
-            <p:cNvCxnSpPr>
-              <a:cxnSpLocks/>
-            </p:cNvCxnSpPr>
-            <p:nvPr/>
-          </p:nvCxnSpPr>
-          <p:spPr>
-            <a:xfrm>
-              <a:off x="2143063" y="4813555"/>
-              <a:ext cx="5829728" cy="0"/>
-            </a:xfrm>
-            <a:prstGeom prst="straightConnector1">
-              <a:avLst/>
-            </a:prstGeom>
-            <a:ln w="38100">
-              <a:solidFill>
-                <a:srgbClr val="0070C0"/>
-              </a:solidFill>
-              <a:tailEnd type="triangle"/>
-            </a:ln>
-          </p:spPr>
-          <p:style>
-            <a:lnRef idx="1">
-              <a:schemeClr val="accent1"/>
-            </a:lnRef>
-            <a:fillRef idx="0">
-              <a:schemeClr val="accent1"/>
-            </a:fillRef>
-            <a:effectRef idx="0">
-              <a:schemeClr val="accent1"/>
-            </a:effectRef>
-            <a:fontRef idx="minor">
-              <a:schemeClr val="tx1"/>
-            </a:fontRef>
-          </p:style>
-        </p:cxnSp>
-        <p:cxnSp>
-          <p:nvCxnSpPr>
-            <p:cNvPr id="78" name="Straight Arrow Connector 77">
-              <a:extLst>
-                <a:ext uri="{FF2B5EF4-FFF2-40B4-BE49-F238E27FC236}">
-                  <a16:creationId xmlns:a16="http://schemas.microsoft.com/office/drawing/2014/main" id="{F8D58AA4-DB87-4FAF-9E01-79B82F89F43D}"/>
-                </a:ext>
-              </a:extLst>
-            </p:cNvPr>
-            <p:cNvCxnSpPr>
-              <a:cxnSpLocks/>
-            </p:cNvCxnSpPr>
-            <p:nvPr/>
-          </p:nvCxnSpPr>
-          <p:spPr>
-            <a:xfrm flipH="1">
-              <a:off x="2143063" y="6024060"/>
-              <a:ext cx="5829729" cy="0"/>
-            </a:xfrm>
-            <a:prstGeom prst="straightConnector1">
-              <a:avLst/>
-            </a:prstGeom>
-            <a:ln w="38100">
-              <a:solidFill>
-                <a:srgbClr val="0070C0"/>
-              </a:solidFill>
-              <a:prstDash val="sysDot"/>
-              <a:tailEnd type="triangle"/>
-            </a:ln>
-          </p:spPr>
-          <p:style>
-            <a:lnRef idx="1">
-              <a:schemeClr val="accent1"/>
-            </a:lnRef>
-            <a:fillRef idx="0">
-              <a:schemeClr val="accent1"/>
-            </a:fillRef>
-            <a:effectRef idx="0">
-              <a:schemeClr val="accent1"/>
-            </a:effectRef>
-            <a:fontRef idx="minor">
-              <a:schemeClr val="tx1"/>
-            </a:fontRef>
-          </p:style>
-        </p:cxnSp>
-        <p:cxnSp>
-          <p:nvCxnSpPr>
-            <p:cNvPr id="80" name="Straight Arrow Connector 79">
-              <a:extLst>
-                <a:ext uri="{FF2B5EF4-FFF2-40B4-BE49-F238E27FC236}">
-                  <a16:creationId xmlns:a16="http://schemas.microsoft.com/office/drawing/2014/main" id="{A8B89225-7561-4F1F-9474-73A5C0D47B50}"/>
-                </a:ext>
-              </a:extLst>
-            </p:cNvPr>
-            <p:cNvCxnSpPr>
-              <a:cxnSpLocks/>
-            </p:cNvCxnSpPr>
-            <p:nvPr/>
-          </p:nvCxnSpPr>
-          <p:spPr>
-            <a:xfrm>
-              <a:off x="8163088" y="5460873"/>
-              <a:ext cx="438605" cy="0"/>
-            </a:xfrm>
-            <a:prstGeom prst="straightConnector1">
-              <a:avLst/>
-            </a:prstGeom>
-            <a:ln w="38100">
-              <a:solidFill>
-                <a:srgbClr val="0070C0"/>
-              </a:solidFill>
-              <a:tailEnd type="triangle"/>
-            </a:ln>
-          </p:spPr>
-          <p:style>
-            <a:lnRef idx="1">
-              <a:schemeClr val="accent1"/>
-            </a:lnRef>
-            <a:fillRef idx="0">
-              <a:schemeClr val="accent1"/>
-            </a:fillRef>
-            <a:effectRef idx="0">
-              <a:schemeClr val="accent1"/>
-            </a:effectRef>
-            <a:fontRef idx="minor">
-              <a:schemeClr val="tx1"/>
-            </a:fontRef>
-          </p:style>
-        </p:cxnSp>
-        <p:cxnSp>
-          <p:nvCxnSpPr>
-            <p:cNvPr id="84" name="Straight Arrow Connector 83">
-              <a:extLst>
-                <a:ext uri="{FF2B5EF4-FFF2-40B4-BE49-F238E27FC236}">
-                  <a16:creationId xmlns:a16="http://schemas.microsoft.com/office/drawing/2014/main" id="{FD0AAF4E-65D6-4A00-8666-F0E025985427}"/>
-                </a:ext>
-              </a:extLst>
-            </p:cNvPr>
-            <p:cNvCxnSpPr>
-              <a:cxnSpLocks/>
-            </p:cNvCxnSpPr>
-            <p:nvPr/>
-          </p:nvCxnSpPr>
-          <p:spPr>
-            <a:xfrm flipH="1">
-              <a:off x="8163088" y="5932584"/>
-              <a:ext cx="1162605" cy="0"/>
-            </a:xfrm>
-            <a:prstGeom prst="straightConnector1">
-              <a:avLst/>
-            </a:prstGeom>
-            <a:ln w="38100">
-              <a:solidFill>
-                <a:srgbClr val="0070C0"/>
-              </a:solidFill>
-              <a:prstDash val="sysDot"/>
-              <a:tailEnd type="triangle"/>
-            </a:ln>
-          </p:spPr>
-          <p:style>
-            <a:lnRef idx="1">
-              <a:schemeClr val="accent1"/>
-            </a:lnRef>
-            <a:fillRef idx="0">
-              <a:schemeClr val="accent1"/>
-            </a:fillRef>
-            <a:effectRef idx="0">
-              <a:schemeClr val="accent1"/>
-            </a:effectRef>
-            <a:fontRef idx="minor">
-              <a:schemeClr val="tx1"/>
-            </a:fontRef>
-          </p:style>
-        </p:cxnSp>
-        <p:cxnSp>
-          <p:nvCxnSpPr>
-            <p:cNvPr id="86" name="Straight Arrow Connector 85">
-              <a:extLst>
-                <a:ext uri="{FF2B5EF4-FFF2-40B4-BE49-F238E27FC236}">
-                  <a16:creationId xmlns:a16="http://schemas.microsoft.com/office/drawing/2014/main" id="{CAAF6643-6EDF-4C96-B6A8-A29B442EE782}"/>
-                </a:ext>
-              </a:extLst>
-            </p:cNvPr>
-            <p:cNvCxnSpPr>
-              <a:cxnSpLocks/>
-            </p:cNvCxnSpPr>
-            <p:nvPr/>
-          </p:nvCxnSpPr>
-          <p:spPr>
-            <a:xfrm>
-              <a:off x="133350" y="2273475"/>
-              <a:ext cx="1819452" cy="0"/>
-            </a:xfrm>
-            <a:prstGeom prst="straightConnector1">
-              <a:avLst/>
-            </a:prstGeom>
-            <a:ln w="38100">
-              <a:solidFill>
-                <a:schemeClr val="accent6"/>
-              </a:solidFill>
-              <a:tailEnd type="triangle"/>
-            </a:ln>
-          </p:spPr>
-          <p:style>
-            <a:lnRef idx="1">
-              <a:schemeClr val="accent1"/>
-            </a:lnRef>
-            <a:fillRef idx="0">
-              <a:schemeClr val="accent1"/>
-            </a:fillRef>
-            <a:effectRef idx="0">
-              <a:schemeClr val="accent1"/>
-            </a:effectRef>
-            <a:fontRef idx="minor">
-              <a:schemeClr val="tx1"/>
-            </a:fontRef>
-          </p:style>
-        </p:cxnSp>
-        <p:cxnSp>
-          <p:nvCxnSpPr>
-            <p:cNvPr id="88" name="Straight Arrow Connector 87">
-              <a:extLst>
-                <a:ext uri="{FF2B5EF4-FFF2-40B4-BE49-F238E27FC236}">
-                  <a16:creationId xmlns:a16="http://schemas.microsoft.com/office/drawing/2014/main" id="{8FB13AA7-35FC-470F-B361-059709F55615}"/>
-                </a:ext>
-              </a:extLst>
-            </p:cNvPr>
-            <p:cNvCxnSpPr>
-              <a:cxnSpLocks/>
-            </p:cNvCxnSpPr>
-            <p:nvPr/>
-          </p:nvCxnSpPr>
-          <p:spPr>
-            <a:xfrm flipH="1">
-              <a:off x="133350" y="6333813"/>
-              <a:ext cx="1819454" cy="0"/>
-            </a:xfrm>
-            <a:prstGeom prst="straightConnector1">
-              <a:avLst/>
-            </a:prstGeom>
-            <a:ln w="38100">
-              <a:solidFill>
-                <a:srgbClr val="0070C0"/>
-              </a:solidFill>
-              <a:prstDash val="sysDot"/>
-              <a:tailEnd type="triangle"/>
-            </a:ln>
-          </p:spPr>
-          <p:style>
-            <a:lnRef idx="1">
-              <a:schemeClr val="accent1"/>
-            </a:lnRef>
-            <a:fillRef idx="0">
-              <a:schemeClr val="accent1"/>
-            </a:fillRef>
-            <a:effectRef idx="0">
-              <a:schemeClr val="accent1"/>
-            </a:effectRef>
-            <a:fontRef idx="minor">
-              <a:schemeClr val="tx1"/>
-            </a:fontRef>
-          </p:style>
-        </p:cxnSp>
-        <p:sp>
-          <p:nvSpPr>
-            <p:cNvPr id="91" name="TextBox 90">
-              <a:extLst>
-                <a:ext uri="{FF2B5EF4-FFF2-40B4-BE49-F238E27FC236}">
-                  <a16:creationId xmlns:a16="http://schemas.microsoft.com/office/drawing/2014/main" id="{E691E97E-2164-44CD-AB4E-EEF85960145B}"/>
-                </a:ext>
-              </a:extLst>
-            </p:cNvPr>
-            <p:cNvSpPr txBox="1"/>
-            <p:nvPr/>
-          </p:nvSpPr>
-          <p:spPr>
-            <a:xfrm>
-              <a:off x="3094" y="1967591"/>
-              <a:ext cx="2100511" cy="276999"/>
+              <a:off x="9458351" y="178873"/>
+              <a:ext cx="805029" cy="369332"/>
             </a:xfrm>
             <a:prstGeom prst="rect">
               <a:avLst/>
@@ -5265,662 +9621,12 @@
             <a:lstStyle/>
             <a:p>
               <a:r>
-                <a:rPr lang="en-SG" sz="1200" dirty="0">
-                  <a:solidFill>
-                    <a:srgbClr val="0070C0"/>
-                  </a:solidFill>
-                </a:rPr>
-                <a:t>execute(“feedback 1 fb/wow”)</a:t>
-              </a:r>
-            </a:p>
-          </p:txBody>
-        </p:sp>
-        <p:sp>
-          <p:nvSpPr>
-            <p:cNvPr id="95" name="TextBox 94">
-              <a:extLst>
-                <a:ext uri="{FF2B5EF4-FFF2-40B4-BE49-F238E27FC236}">
-                  <a16:creationId xmlns:a16="http://schemas.microsoft.com/office/drawing/2014/main" id="{644C2FF2-0556-4087-AB78-88FEA7435B82}"/>
-                </a:ext>
-              </a:extLst>
-            </p:cNvPr>
-            <p:cNvSpPr txBox="1"/>
-            <p:nvPr/>
-          </p:nvSpPr>
-          <p:spPr>
-            <a:xfrm>
-              <a:off x="1059846" y="5963699"/>
-              <a:ext cx="718658" cy="369332"/>
-            </a:xfrm>
-            <a:prstGeom prst="rect">
-              <a:avLst/>
-            </a:prstGeom>
-            <a:noFill/>
-          </p:spPr>
-          <p:txBody>
-            <a:bodyPr wrap="none" rtlCol="0">
-              <a:spAutoFit/>
-            </a:bodyPr>
-            <a:lstStyle/>
-            <a:p>
-              <a:r>
-                <a:rPr lang="en-SG" dirty="0">
-                  <a:solidFill>
-                    <a:srgbClr val="0070C0"/>
-                  </a:solidFill>
-                </a:rPr>
-                <a:t>result</a:t>
-              </a:r>
-            </a:p>
-          </p:txBody>
-        </p:sp>
-        <p:sp>
-          <p:nvSpPr>
-            <p:cNvPr id="96" name="TextBox 95">
-              <a:extLst>
-                <a:ext uri="{FF2B5EF4-FFF2-40B4-BE49-F238E27FC236}">
-                  <a16:creationId xmlns:a16="http://schemas.microsoft.com/office/drawing/2014/main" id="{EFC58AEB-E6DB-4C13-8426-1AB57E659C64}"/>
-                </a:ext>
-              </a:extLst>
-            </p:cNvPr>
-            <p:cNvSpPr txBox="1"/>
-            <p:nvPr/>
-          </p:nvSpPr>
-          <p:spPr>
-            <a:xfrm>
-              <a:off x="4698598" y="5652423"/>
-              <a:ext cx="718658" cy="369332"/>
-            </a:xfrm>
-            <a:prstGeom prst="rect">
-              <a:avLst/>
-            </a:prstGeom>
-            <a:noFill/>
-          </p:spPr>
-          <p:txBody>
-            <a:bodyPr wrap="none" rtlCol="0">
-              <a:spAutoFit/>
-            </a:bodyPr>
-            <a:lstStyle/>
-            <a:p>
-              <a:r>
-                <a:rPr lang="en-SG" dirty="0">
-                  <a:solidFill>
-                    <a:srgbClr val="0070C0"/>
-                  </a:solidFill>
-                </a:rPr>
-                <a:t>result</a:t>
-              </a:r>
-            </a:p>
-          </p:txBody>
-        </p:sp>
-        <p:sp>
-          <p:nvSpPr>
-            <p:cNvPr id="97" name="TextBox 96">
-              <a:extLst>
-                <a:ext uri="{FF2B5EF4-FFF2-40B4-BE49-F238E27FC236}">
-                  <a16:creationId xmlns:a16="http://schemas.microsoft.com/office/drawing/2014/main" id="{38B8934D-6942-4D14-A590-EF569889FD65}"/>
-                </a:ext>
-              </a:extLst>
-            </p:cNvPr>
-            <p:cNvSpPr txBox="1"/>
-            <p:nvPr/>
-          </p:nvSpPr>
-          <p:spPr>
-            <a:xfrm>
-              <a:off x="4616193" y="4458981"/>
-              <a:ext cx="1055866" cy="369332"/>
-            </a:xfrm>
-            <a:prstGeom prst="rect">
-              <a:avLst/>
-            </a:prstGeom>
-            <a:noFill/>
-          </p:spPr>
-          <p:txBody>
-            <a:bodyPr wrap="none" rtlCol="0">
-              <a:spAutoFit/>
-            </a:bodyPr>
-            <a:lstStyle/>
-            <a:p>
-              <a:r>
-                <a:rPr lang="en-SG" dirty="0">
-                  <a:solidFill>
-                    <a:srgbClr val="0070C0"/>
-                  </a:solidFill>
-                </a:rPr>
-                <a:t>execute()</a:t>
-              </a:r>
-            </a:p>
-          </p:txBody>
-        </p:sp>
-        <p:sp>
-          <p:nvSpPr>
-            <p:cNvPr id="98" name="TextBox 97">
-              <a:extLst>
-                <a:ext uri="{FF2B5EF4-FFF2-40B4-BE49-F238E27FC236}">
-                  <a16:creationId xmlns:a16="http://schemas.microsoft.com/office/drawing/2014/main" id="{8E3D482B-09AC-4DC6-99C3-E453FEA90C78}"/>
-                </a:ext>
-              </a:extLst>
-            </p:cNvPr>
-            <p:cNvSpPr txBox="1"/>
-            <p:nvPr/>
-          </p:nvSpPr>
-          <p:spPr>
-            <a:xfrm>
-              <a:off x="2078560" y="2059484"/>
-              <a:ext cx="1955215" cy="276999"/>
-            </a:xfrm>
-            <a:prstGeom prst="rect">
-              <a:avLst/>
-            </a:prstGeom>
-            <a:noFill/>
-          </p:spPr>
-          <p:txBody>
-            <a:bodyPr wrap="none" rtlCol="0">
-              <a:spAutoFit/>
-            </a:bodyPr>
-            <a:lstStyle/>
-            <a:p>
-              <a:r>
-                <a:rPr lang="en-SG" sz="1200" dirty="0">
-                  <a:solidFill>
-                    <a:srgbClr val="0070C0"/>
-                  </a:solidFill>
-                </a:rPr>
-                <a:t>parse(“feedback 1 fb/wow”)</a:t>
-              </a:r>
-            </a:p>
-          </p:txBody>
-        </p:sp>
-        <p:cxnSp>
-          <p:nvCxnSpPr>
-            <p:cNvPr id="99" name="Straight Arrow Connector 98">
-              <a:extLst>
-                <a:ext uri="{FF2B5EF4-FFF2-40B4-BE49-F238E27FC236}">
-                  <a16:creationId xmlns:a16="http://schemas.microsoft.com/office/drawing/2014/main" id="{37BE68F6-9816-410C-9405-4E0F50B62500}"/>
-                </a:ext>
-              </a:extLst>
-            </p:cNvPr>
-            <p:cNvCxnSpPr>
-              <a:cxnSpLocks/>
-            </p:cNvCxnSpPr>
-            <p:nvPr/>
-          </p:nvCxnSpPr>
-          <p:spPr>
-            <a:xfrm flipH="1">
-              <a:off x="4124141" y="2852276"/>
-              <a:ext cx="1782371" cy="0"/>
-            </a:xfrm>
-            <a:prstGeom prst="straightConnector1">
-              <a:avLst/>
-            </a:prstGeom>
-            <a:ln w="38100">
-              <a:solidFill>
-                <a:srgbClr val="0070C0"/>
-              </a:solidFill>
-              <a:prstDash val="sysDot"/>
-              <a:tailEnd type="triangle"/>
-            </a:ln>
-          </p:spPr>
-          <p:style>
-            <a:lnRef idx="1">
-              <a:schemeClr val="accent1"/>
-            </a:lnRef>
-            <a:fillRef idx="0">
-              <a:schemeClr val="accent1"/>
-            </a:fillRef>
-            <a:effectRef idx="0">
-              <a:schemeClr val="accent1"/>
-            </a:effectRef>
-            <a:fontRef idx="minor">
-              <a:schemeClr val="tx1"/>
-            </a:fontRef>
-          </p:style>
-        </p:cxnSp>
-        <p:sp>
-          <p:nvSpPr>
-            <p:cNvPr id="100" name="TextBox 99">
-              <a:extLst>
-                <a:ext uri="{FF2B5EF4-FFF2-40B4-BE49-F238E27FC236}">
-                  <a16:creationId xmlns:a16="http://schemas.microsoft.com/office/drawing/2014/main" id="{77434796-A734-4BFB-B7EA-03CC1232A7B0}"/>
-                </a:ext>
-              </a:extLst>
-            </p:cNvPr>
-            <p:cNvSpPr txBox="1"/>
-            <p:nvPr/>
-          </p:nvSpPr>
-          <p:spPr>
-            <a:xfrm>
-              <a:off x="4047238" y="3031280"/>
-              <a:ext cx="1955215" cy="276999"/>
-            </a:xfrm>
-            <a:prstGeom prst="rect">
-              <a:avLst/>
-            </a:prstGeom>
-            <a:noFill/>
-          </p:spPr>
-          <p:txBody>
-            <a:bodyPr wrap="none" rtlCol="0">
-              <a:spAutoFit/>
-            </a:bodyPr>
-            <a:lstStyle/>
-            <a:p>
-              <a:r>
-                <a:rPr lang="en-SG" sz="1200" dirty="0">
-                  <a:solidFill>
-                    <a:srgbClr val="0070C0"/>
-                  </a:solidFill>
-                </a:rPr>
-                <a:t>parse(“feedback 1 fb/wow”)</a:t>
-              </a:r>
-            </a:p>
-          </p:txBody>
-        </p:sp>
-        <p:cxnSp>
-          <p:nvCxnSpPr>
-            <p:cNvPr id="101" name="Straight Arrow Connector 100">
-              <a:extLst>
-                <a:ext uri="{FF2B5EF4-FFF2-40B4-BE49-F238E27FC236}">
-                  <a16:creationId xmlns:a16="http://schemas.microsoft.com/office/drawing/2014/main" id="{BB645385-964C-48E9-901E-67F648F7C521}"/>
-                </a:ext>
-              </a:extLst>
-            </p:cNvPr>
-            <p:cNvCxnSpPr>
-              <a:cxnSpLocks/>
-            </p:cNvCxnSpPr>
-            <p:nvPr/>
-          </p:nvCxnSpPr>
-          <p:spPr>
-            <a:xfrm>
-              <a:off x="6072341" y="3048227"/>
-              <a:ext cx="1161937" cy="0"/>
-            </a:xfrm>
-            <a:prstGeom prst="straightConnector1">
-              <a:avLst/>
-            </a:prstGeom>
-            <a:ln w="38100">
-              <a:solidFill>
-                <a:srgbClr val="0070C0"/>
-              </a:solidFill>
-              <a:tailEnd type="triangle"/>
-            </a:ln>
-          </p:spPr>
-          <p:style>
-            <a:lnRef idx="1">
-              <a:schemeClr val="accent1"/>
-            </a:lnRef>
-            <a:fillRef idx="0">
-              <a:schemeClr val="accent1"/>
-            </a:fillRef>
-            <a:effectRef idx="0">
-              <a:schemeClr val="accent1"/>
-            </a:effectRef>
-            <a:fontRef idx="minor">
-              <a:schemeClr val="tx1"/>
-            </a:fontRef>
-          </p:style>
-        </p:cxnSp>
-        <p:cxnSp>
-          <p:nvCxnSpPr>
-            <p:cNvPr id="103" name="Straight Arrow Connector 102">
-              <a:extLst>
-                <a:ext uri="{FF2B5EF4-FFF2-40B4-BE49-F238E27FC236}">
-                  <a16:creationId xmlns:a16="http://schemas.microsoft.com/office/drawing/2014/main" id="{361F1770-CC4E-4A0C-95A0-066AE9A1AB6A}"/>
-                </a:ext>
-              </a:extLst>
-            </p:cNvPr>
-            <p:cNvCxnSpPr>
-              <a:cxnSpLocks/>
-            </p:cNvCxnSpPr>
-            <p:nvPr/>
-          </p:nvCxnSpPr>
-          <p:spPr>
-            <a:xfrm flipH="1">
-              <a:off x="6086855" y="4140979"/>
-              <a:ext cx="1885937" cy="0"/>
-            </a:xfrm>
-            <a:prstGeom prst="straightConnector1">
-              <a:avLst/>
-            </a:prstGeom>
-            <a:ln w="38100">
-              <a:solidFill>
-                <a:srgbClr val="0070C0"/>
-              </a:solidFill>
-              <a:prstDash val="sysDot"/>
-              <a:tailEnd type="triangle"/>
-            </a:ln>
-          </p:spPr>
-          <p:style>
-            <a:lnRef idx="1">
-              <a:schemeClr val="accent1"/>
-            </a:lnRef>
-            <a:fillRef idx="0">
-              <a:schemeClr val="accent1"/>
-            </a:fillRef>
-            <a:effectRef idx="0">
-              <a:schemeClr val="accent1"/>
-            </a:effectRef>
-            <a:fontRef idx="minor">
-              <a:schemeClr val="tx1"/>
-            </a:fontRef>
-          </p:style>
-        </p:cxnSp>
-        <p:sp>
-          <p:nvSpPr>
-            <p:cNvPr id="105" name="TextBox 104">
-              <a:extLst>
-                <a:ext uri="{FF2B5EF4-FFF2-40B4-BE49-F238E27FC236}">
-                  <a16:creationId xmlns:a16="http://schemas.microsoft.com/office/drawing/2014/main" id="{B64ADD1F-A2EC-44E9-8063-2EDF5CC80252}"/>
-                </a:ext>
-              </a:extLst>
-            </p:cNvPr>
-            <p:cNvSpPr txBox="1"/>
-            <p:nvPr/>
-          </p:nvSpPr>
-          <p:spPr>
-            <a:xfrm>
-              <a:off x="11020462" y="1415629"/>
-              <a:ext cx="1243211" cy="369332"/>
-            </a:xfrm>
-            <a:prstGeom prst="rect">
-              <a:avLst/>
-            </a:prstGeom>
-            <a:solidFill>
-              <a:srgbClr val="B3A2C7"/>
-            </a:solidFill>
-          </p:spPr>
-          <p:txBody>
-            <a:bodyPr wrap="square" rtlCol="0">
-              <a:spAutoFit/>
-            </a:bodyPr>
-            <a:lstStyle/>
-            <a:p>
-              <a:pPr algn="ctr"/>
-              <a:r>
-                <a:rPr lang="en-SG" dirty="0">
-                  <a:solidFill>
-                    <a:schemeClr val="bg1"/>
-                  </a:solidFill>
-                </a:rPr>
-                <a:t>:Model</a:t>
-              </a:r>
-            </a:p>
-          </p:txBody>
-        </p:sp>
-        <p:cxnSp>
-          <p:nvCxnSpPr>
-            <p:cNvPr id="106" name="Straight Connector 105">
-              <a:extLst>
-                <a:ext uri="{FF2B5EF4-FFF2-40B4-BE49-F238E27FC236}">
-                  <a16:creationId xmlns:a16="http://schemas.microsoft.com/office/drawing/2014/main" id="{4AA0ED0E-3387-400A-BCD2-553C20280C7B}"/>
-                </a:ext>
-              </a:extLst>
-            </p:cNvPr>
-            <p:cNvCxnSpPr>
-              <a:cxnSpLocks/>
-              <a:stCxn id="105" idx="2"/>
-              <a:endCxn id="112" idx="0"/>
-            </p:cNvCxnSpPr>
-            <p:nvPr/>
-          </p:nvCxnSpPr>
-          <p:spPr>
-            <a:xfrm>
-              <a:off x="11642068" y="1784961"/>
-              <a:ext cx="8650" cy="3123721"/>
-            </a:xfrm>
-            <a:prstGeom prst="line">
-              <a:avLst/>
-            </a:prstGeom>
-            <a:ln w="28575">
-              <a:solidFill>
-                <a:srgbClr val="0070C0"/>
-              </a:solidFill>
-              <a:prstDash val="sysDot"/>
-            </a:ln>
-          </p:spPr>
-          <p:style>
-            <a:lnRef idx="1">
-              <a:schemeClr val="accent1"/>
-            </a:lnRef>
-            <a:fillRef idx="0">
-              <a:schemeClr val="accent1"/>
-            </a:fillRef>
-            <a:effectRef idx="0">
-              <a:schemeClr val="accent1"/>
-            </a:effectRef>
-            <a:fontRef idx="minor">
-              <a:schemeClr val="tx1"/>
-            </a:fontRef>
-          </p:style>
-        </p:cxnSp>
-        <p:sp>
-          <p:nvSpPr>
-            <p:cNvPr id="112" name="Rectangle 111">
-              <a:extLst>
-                <a:ext uri="{FF2B5EF4-FFF2-40B4-BE49-F238E27FC236}">
-                  <a16:creationId xmlns:a16="http://schemas.microsoft.com/office/drawing/2014/main" id="{ED705424-D8FD-4E9D-A1B8-37B5DA80C750}"/>
-                </a:ext>
-              </a:extLst>
-            </p:cNvPr>
-            <p:cNvSpPr/>
-            <p:nvPr/>
-          </p:nvSpPr>
-          <p:spPr>
-            <a:xfrm>
-              <a:off x="11563339" y="4908682"/>
-              <a:ext cx="174758" cy="227673"/>
-            </a:xfrm>
-            <a:prstGeom prst="rect">
-              <a:avLst/>
-            </a:prstGeom>
-            <a:solidFill>
-              <a:srgbClr val="B3A2C7"/>
-            </a:solidFill>
-            <a:ln>
-              <a:noFill/>
-            </a:ln>
-          </p:spPr>
-          <p:style>
-            <a:lnRef idx="2">
-              <a:schemeClr val="accent1">
-                <a:shade val="50000"/>
-              </a:schemeClr>
-            </a:lnRef>
-            <a:fillRef idx="1">
-              <a:schemeClr val="accent1"/>
-            </a:fillRef>
-            <a:effectRef idx="0">
-              <a:schemeClr val="accent1"/>
-            </a:effectRef>
-            <a:fontRef idx="minor">
-              <a:schemeClr val="lt1"/>
-            </a:fontRef>
-          </p:style>
-          <p:txBody>
-            <a:bodyPr rtlCol="0" anchor="ctr"/>
-            <a:lstStyle/>
-            <a:p>
-              <a:pPr algn="ctr"/>
-              <a:endParaRPr lang="en-SG"/>
-            </a:p>
-          </p:txBody>
-        </p:sp>
-        <p:cxnSp>
-          <p:nvCxnSpPr>
-            <p:cNvPr id="114" name="Straight Connector 113">
-              <a:extLst>
-                <a:ext uri="{FF2B5EF4-FFF2-40B4-BE49-F238E27FC236}">
-                  <a16:creationId xmlns:a16="http://schemas.microsoft.com/office/drawing/2014/main" id="{0A5D0511-6F1C-4D66-A29E-72DE41CCE143}"/>
-                </a:ext>
-              </a:extLst>
-            </p:cNvPr>
-            <p:cNvCxnSpPr>
-              <a:cxnSpLocks/>
-              <a:stCxn id="112" idx="2"/>
-            </p:cNvCxnSpPr>
-            <p:nvPr/>
-          </p:nvCxnSpPr>
-          <p:spPr>
-            <a:xfrm flipH="1">
-              <a:off x="11642051" y="5136355"/>
-              <a:ext cx="8667" cy="1065182"/>
-            </a:xfrm>
-            <a:prstGeom prst="line">
-              <a:avLst/>
-            </a:prstGeom>
-            <a:ln w="28575">
-              <a:solidFill>
-                <a:srgbClr val="0070C0"/>
-              </a:solidFill>
-              <a:prstDash val="sysDot"/>
-            </a:ln>
-          </p:spPr>
-          <p:style>
-            <a:lnRef idx="1">
-              <a:schemeClr val="accent1"/>
-            </a:lnRef>
-            <a:fillRef idx="0">
-              <a:schemeClr val="accent1"/>
-            </a:fillRef>
-            <a:effectRef idx="0">
-              <a:schemeClr val="accent1"/>
-            </a:effectRef>
-            <a:fontRef idx="minor">
-              <a:schemeClr val="tx1"/>
-            </a:fontRef>
-          </p:style>
-        </p:cxnSp>
-        <p:cxnSp>
-          <p:nvCxnSpPr>
-            <p:cNvPr id="119" name="Straight Arrow Connector 118">
-              <a:extLst>
-                <a:ext uri="{FF2B5EF4-FFF2-40B4-BE49-F238E27FC236}">
-                  <a16:creationId xmlns:a16="http://schemas.microsoft.com/office/drawing/2014/main" id="{5A59A3BA-C4EE-4557-9171-E117455E00F3}"/>
-                </a:ext>
-              </a:extLst>
-            </p:cNvPr>
-            <p:cNvCxnSpPr>
-              <a:cxnSpLocks/>
-            </p:cNvCxnSpPr>
-            <p:nvPr/>
-          </p:nvCxnSpPr>
-          <p:spPr>
-            <a:xfrm>
-              <a:off x="8157579" y="4923196"/>
-              <a:ext cx="3388626" cy="0"/>
-            </a:xfrm>
-            <a:prstGeom prst="straightConnector1">
-              <a:avLst/>
-            </a:prstGeom>
-            <a:ln w="38100">
-              <a:solidFill>
-                <a:srgbClr val="0070C0"/>
-              </a:solidFill>
-              <a:tailEnd type="triangle"/>
-            </a:ln>
-          </p:spPr>
-          <p:style>
-            <a:lnRef idx="1">
-              <a:schemeClr val="accent1"/>
-            </a:lnRef>
-            <a:fillRef idx="0">
-              <a:schemeClr val="accent1"/>
-            </a:fillRef>
-            <a:effectRef idx="0">
-              <a:schemeClr val="accent1"/>
-            </a:effectRef>
-            <a:fontRef idx="minor">
-              <a:schemeClr val="tx1"/>
-            </a:fontRef>
-          </p:style>
-        </p:cxnSp>
-        <p:cxnSp>
-          <p:nvCxnSpPr>
-            <p:cNvPr id="122" name="Straight Arrow Connector 121">
-              <a:extLst>
-                <a:ext uri="{FF2B5EF4-FFF2-40B4-BE49-F238E27FC236}">
-                  <a16:creationId xmlns:a16="http://schemas.microsoft.com/office/drawing/2014/main" id="{8FD8C108-CF76-4636-8739-130D61A209FD}"/>
-                </a:ext>
-              </a:extLst>
-            </p:cNvPr>
-            <p:cNvCxnSpPr>
-              <a:cxnSpLocks/>
-            </p:cNvCxnSpPr>
-            <p:nvPr/>
-          </p:nvCxnSpPr>
-          <p:spPr>
-            <a:xfrm flipH="1">
-              <a:off x="8163090" y="5117992"/>
-              <a:ext cx="3383115" cy="0"/>
-            </a:xfrm>
-            <a:prstGeom prst="straightConnector1">
-              <a:avLst/>
-            </a:prstGeom>
-            <a:ln w="38100">
-              <a:solidFill>
-                <a:srgbClr val="B3A2C7"/>
-              </a:solidFill>
-              <a:prstDash val="sysDot"/>
-              <a:tailEnd type="triangle"/>
-            </a:ln>
-          </p:spPr>
-          <p:style>
-            <a:lnRef idx="1">
-              <a:schemeClr val="accent1"/>
-            </a:lnRef>
-            <a:fillRef idx="0">
-              <a:schemeClr val="accent1"/>
-            </a:fillRef>
-            <a:effectRef idx="0">
-              <a:schemeClr val="accent1"/>
-            </a:effectRef>
-            <a:fontRef idx="minor">
-              <a:schemeClr val="tx1"/>
-            </a:fontRef>
-          </p:style>
-        </p:cxnSp>
-        <p:sp>
-          <p:nvSpPr>
-            <p:cNvPr id="127" name="TextBox 126">
-              <a:extLst>
-                <a:ext uri="{FF2B5EF4-FFF2-40B4-BE49-F238E27FC236}">
-                  <a16:creationId xmlns:a16="http://schemas.microsoft.com/office/drawing/2014/main" id="{B5E74B56-D247-4B2C-BDB9-C5BD21DA25F2}"/>
-                </a:ext>
-              </a:extLst>
-            </p:cNvPr>
-            <p:cNvSpPr txBox="1"/>
-            <p:nvPr/>
-          </p:nvSpPr>
-          <p:spPr>
-            <a:xfrm>
-              <a:off x="8573352" y="4525454"/>
-              <a:ext cx="1750416" cy="369332"/>
-            </a:xfrm>
-            <a:prstGeom prst="rect">
-              <a:avLst/>
-            </a:prstGeom>
-            <a:noFill/>
-          </p:spPr>
-          <p:txBody>
-            <a:bodyPr wrap="none" rtlCol="0">
-              <a:spAutoFit/>
-            </a:bodyPr>
-            <a:lstStyle/>
-            <a:p>
-              <a:r>
-                <a:rPr lang="en-SG" dirty="0" err="1">
+                <a:rPr lang="en-SG" b="1" dirty="0">
                   <a:solidFill>
                     <a:srgbClr val="7030A0"/>
                   </a:solidFill>
                 </a:rPr>
-                <a:t>updatePerson</a:t>
-              </a:r>
-              <a:r>
-                <a:rPr lang="en-SG" dirty="0">
-                  <a:solidFill>
-                    <a:srgbClr val="7030A0"/>
-                  </a:solidFill>
-                </a:rPr>
-                <a:t>(p)</a:t>
+                <a:t>Model</a:t>
               </a:r>
             </a:p>
           </p:txBody>
@@ -5929,7 +9635,7 @@
     </p:spTree>
     <p:extLst>
       <p:ext uri="{BB962C8B-B14F-4D97-AF65-F5344CB8AC3E}">
-        <p14:creationId xmlns:p14="http://schemas.microsoft.com/office/powerpoint/2010/main" val="795786320"/>
+        <p14:creationId xmlns:p14="http://schemas.microsoft.com/office/powerpoint/2010/main" val="872068281"/>
       </p:ext>
     </p:extLst>
   </p:cSld>
